--- a/2019_Mentoring/2_weeks/멘토링_2주차.pptx
+++ b/2019_Mentoring/2_weeks/멘토링_2주차.pptx
@@ -7,12 +7,19 @@
   <p:sldIdLst>
     <p:sldId id="259" r:id="rId2"/>
     <p:sldId id="257" r:id="rId3"/>
-    <p:sldId id="269" r:id="rId4"/>
-    <p:sldId id="265" r:id="rId5"/>
-    <p:sldId id="270" r:id="rId6"/>
-    <p:sldId id="266" r:id="rId7"/>
-    <p:sldId id="267" r:id="rId8"/>
-    <p:sldId id="268" r:id="rId9"/>
+    <p:sldId id="270" r:id="rId4"/>
+    <p:sldId id="271" r:id="rId5"/>
+    <p:sldId id="272" r:id="rId6"/>
+    <p:sldId id="273" r:id="rId7"/>
+    <p:sldId id="274" r:id="rId8"/>
+    <p:sldId id="269" r:id="rId9"/>
+    <p:sldId id="275" r:id="rId10"/>
+    <p:sldId id="276" r:id="rId11"/>
+    <p:sldId id="277" r:id="rId12"/>
+    <p:sldId id="278" r:id="rId13"/>
+    <p:sldId id="279" r:id="rId14"/>
+    <p:sldId id="280" r:id="rId15"/>
+    <p:sldId id="281" r:id="rId16"/>
   </p:sldIdLst>
   <p:sldSz cx="9144000" cy="6858000" type="screen4x3"/>
   <p:notesSz cx="6858000" cy="9144000"/>
@@ -113,7 +120,7 @@
   </p:defaultTextStyle>
   <p:extLst>
     <p:ext uri="{EFAFB233-063F-42B5-8137-9DF3F51BA10A}">
-      <p15:sldGuideLst xmlns:p15="http://schemas.microsoft.com/office/powerpoint/2012/main">
+      <p15:sldGuideLst xmlns="" xmlns:p15="http://schemas.microsoft.com/office/powerpoint/2012/main">
         <p15:guide id="1" orient="horz" pos="2160">
           <p15:clr>
             <a:srgbClr val="A4A3A4"/>
@@ -300,7 +307,7 @@
                 </a:solidFill>
               </a:rPr>
               <a:pPr/>
-              <a:t>2019-04-14</a:t>
+              <a:t>2019-04-15</a:t>
             </a:fld>
             <a:endParaRPr lang="ko-KR" altLang="en-US">
               <a:solidFill>
@@ -490,7 +497,7 @@
                 </a:solidFill>
               </a:rPr>
               <a:pPr/>
-              <a:t>2019-04-14</a:t>
+              <a:t>2019-04-15</a:t>
             </a:fld>
             <a:endParaRPr lang="ko-KR" altLang="en-US">
               <a:solidFill>
@@ -690,7 +697,7 @@
                 </a:solidFill>
               </a:rPr>
               <a:pPr/>
-              <a:t>2019-04-14</a:t>
+              <a:t>2019-04-15</a:t>
             </a:fld>
             <a:endParaRPr lang="ko-KR" altLang="en-US">
               <a:solidFill>
@@ -880,7 +887,7 @@
                 </a:solidFill>
               </a:rPr>
               <a:pPr/>
-              <a:t>2019-04-14</a:t>
+              <a:t>2019-04-15</a:t>
             </a:fld>
             <a:endParaRPr lang="ko-KR" altLang="en-US">
               <a:solidFill>
@@ -1168,7 +1175,7 @@
                 </a:solidFill>
               </a:rPr>
               <a:pPr/>
-              <a:t>2019-04-14</a:t>
+              <a:t>2019-04-15</a:t>
             </a:fld>
             <a:endParaRPr lang="ko-KR" altLang="en-US">
               <a:solidFill>
@@ -1420,7 +1427,7 @@
                 </a:solidFill>
               </a:rPr>
               <a:pPr/>
-              <a:t>2019-04-14</a:t>
+              <a:t>2019-04-15</a:t>
             </a:fld>
             <a:endParaRPr lang="ko-KR" altLang="en-US">
               <a:solidFill>
@@ -1799,7 +1806,7 @@
                 </a:solidFill>
               </a:rPr>
               <a:pPr/>
-              <a:t>2019-04-14</a:t>
+              <a:t>2019-04-15</a:t>
             </a:fld>
             <a:endParaRPr lang="ko-KR" altLang="en-US">
               <a:solidFill>
@@ -1960,7 +1967,7 @@
                 </a:solidFill>
               </a:rPr>
               <a:pPr/>
-              <a:t>2019-04-14</a:t>
+              <a:t>2019-04-15</a:t>
             </a:fld>
             <a:endParaRPr lang="ko-KR" altLang="en-US">
               <a:solidFill>
@@ -2075,7 +2082,7 @@
                 </a:solidFill>
               </a:rPr>
               <a:pPr/>
-              <a:t>2019-04-14</a:t>
+              <a:t>2019-04-15</a:t>
             </a:fld>
             <a:endParaRPr lang="ko-KR" altLang="en-US">
               <a:solidFill>
@@ -2452,7 +2459,7 @@
                 </a:solidFill>
               </a:rPr>
               <a:pPr/>
-              <a:t>2019-04-14</a:t>
+              <a:t>2019-04-15</a:t>
             </a:fld>
             <a:endParaRPr lang="ko-KR" altLang="en-US">
               <a:solidFill>
@@ -2817,7 +2824,7 @@
             <a:fld id="{8F35366E-D432-43AC-B21B-98394E46B3B0}" type="datetimeFigureOut">
               <a:rPr lang="ko-KR" altLang="en-US" smtClean="0"/>
               <a:pPr/>
-              <a:t>2019-04-14</a:t>
+              <a:t>2019-04-15</a:t>
             </a:fld>
             <a:endParaRPr lang="ko-KR" altLang="en-US"/>
           </a:p>
@@ -3066,7 +3073,7 @@
                 </a:solidFill>
               </a:rPr>
               <a:pPr/>
-              <a:t>2019-04-14</a:t>
+              <a:t>2019-04-15</a:t>
             </a:fld>
             <a:endParaRPr lang="ko-KR" altLang="en-US">
               <a:solidFill>
@@ -3645,6 +3652,2151 @@
 </p:sld>
 </file>
 
+<file path=ppt/slides/slide10.xml><?xml version="1.0" encoding="utf-8"?>
+<p:sld xmlns:a="http://schemas.openxmlformats.org/drawingml/2006/main" xmlns:r="http://schemas.openxmlformats.org/officeDocument/2006/relationships" xmlns:p="http://schemas.openxmlformats.org/presentationml/2006/main">
+  <p:cSld>
+    <p:spTree>
+      <p:nvGrpSpPr>
+        <p:cNvPr id="1" name=""/>
+        <p:cNvGrpSpPr/>
+        <p:nvPr/>
+      </p:nvGrpSpPr>
+      <p:grpSpPr>
+        <a:xfrm>
+          <a:off x="0" y="0"/>
+          <a:ext cx="0" cy="0"/>
+          <a:chOff x="0" y="0"/>
+          <a:chExt cx="0" cy="0"/>
+        </a:xfrm>
+      </p:grpSpPr>
+      <p:sp>
+        <p:nvSpPr>
+          <p:cNvPr id="5" name="부제목 2"/>
+          <p:cNvSpPr>
+            <a:spLocks noGrp="1"/>
+          </p:cNvSpPr>
+          <p:nvPr>
+            <p:ph type="subTitle" idx="1"/>
+          </p:nvPr>
+        </p:nvSpPr>
+        <p:spPr>
+          <a:xfrm>
+            <a:off x="1" y="131886"/>
+            <a:ext cx="7669091" cy="606671"/>
+          </a:xfrm>
+        </p:spPr>
+        <p:txBody>
+          <a:bodyPr>
+            <a:normAutofit/>
+          </a:bodyPr>
+          <a:lstStyle/>
+          <a:p>
+            <a:pPr algn="l"/>
+            <a:r>
+              <a:rPr lang="en-US" altLang="ko-KR" sz="3200" dirty="0" smtClean="0"/>
+              <a:t>Exampl</a:t>
+            </a:r>
+            <a:r>
+              <a:rPr lang="en-US" altLang="ko-KR" sz="3200" dirty="0" smtClean="0"/>
+              <a:t>e2</a:t>
+            </a:r>
+            <a:r>
+              <a:rPr lang="en-US" altLang="ko-KR" sz="3200" dirty="0" smtClean="0"/>
+              <a:t> – else if</a:t>
+            </a:r>
+            <a:r>
+              <a:rPr lang="ko-KR" altLang="en-US" sz="3200" dirty="0" smtClean="0"/>
+              <a:t>문을 사용해보자</a:t>
+            </a:r>
+            <a:endParaRPr lang="en-US" altLang="ko-KR" sz="4400" dirty="0"/>
+          </a:p>
+        </p:txBody>
+      </p:sp>
+      <p:sp>
+        <p:nvSpPr>
+          <p:cNvPr id="12" name="TextBox 11"/>
+          <p:cNvSpPr txBox="1"/>
+          <p:nvPr/>
+        </p:nvSpPr>
+        <p:spPr>
+          <a:xfrm>
+            <a:off x="187799" y="873339"/>
+            <a:ext cx="1157424" cy="584775"/>
+          </a:xfrm>
+          <a:prstGeom prst="rect">
+            <a:avLst/>
+          </a:prstGeom>
+          <a:noFill/>
+        </p:spPr>
+        <p:txBody>
+          <a:bodyPr wrap="square" rtlCol="0">
+            <a:spAutoFit/>
+          </a:bodyPr>
+          <a:lstStyle/>
+          <a:p>
+            <a:r>
+              <a:rPr lang="ko-KR" altLang="en-US" sz="3200" dirty="0">
+                <a:solidFill>
+                  <a:srgbClr val="FFFFFF"/>
+                </a:solidFill>
+              </a:rPr>
+              <a:t>결과 </a:t>
+            </a:r>
+            <a:endParaRPr lang="en-US" altLang="ko-KR" sz="3200" dirty="0">
+              <a:solidFill>
+                <a:srgbClr val="FFFFFF"/>
+              </a:solidFill>
+            </a:endParaRPr>
+          </a:p>
+        </p:txBody>
+      </p:sp>
+      <p:sp>
+        <p:nvSpPr>
+          <p:cNvPr id="8" name="TextBox 7"/>
+          <p:cNvSpPr txBox="1"/>
+          <p:nvPr/>
+        </p:nvSpPr>
+        <p:spPr>
+          <a:xfrm>
+            <a:off x="3851920" y="862652"/>
+            <a:ext cx="1271111" cy="584775"/>
+          </a:xfrm>
+          <a:prstGeom prst="rect">
+            <a:avLst/>
+          </a:prstGeom>
+          <a:noFill/>
+        </p:spPr>
+        <p:txBody>
+          <a:bodyPr wrap="square" rtlCol="0">
+            <a:spAutoFit/>
+          </a:bodyPr>
+          <a:lstStyle/>
+          <a:p>
+            <a:r>
+              <a:rPr lang="en-US" altLang="ko-KR" sz="3200" dirty="0">
+                <a:solidFill>
+                  <a:srgbClr val="FFFFFF"/>
+                </a:solidFill>
+              </a:rPr>
+              <a:t>Main()</a:t>
+            </a:r>
+            <a:r>
+              <a:rPr lang="ko-KR" altLang="en-US" sz="3200" dirty="0">
+                <a:solidFill>
+                  <a:srgbClr val="FFFFFF"/>
+                </a:solidFill>
+              </a:rPr>
+              <a:t> </a:t>
+            </a:r>
+            <a:endParaRPr lang="en-US" altLang="ko-KR" sz="3200" dirty="0">
+              <a:solidFill>
+                <a:srgbClr val="FFFFFF"/>
+              </a:solidFill>
+            </a:endParaRPr>
+          </a:p>
+        </p:txBody>
+      </p:sp>
+      <p:pic>
+        <p:nvPicPr>
+          <p:cNvPr id="7170" name="Picture 2"/>
+          <p:cNvPicPr>
+            <a:picLocks noChangeAspect="1" noChangeArrowheads="1"/>
+          </p:cNvPicPr>
+          <p:nvPr/>
+        </p:nvPicPr>
+        <p:blipFill>
+          <a:blip r:embed="rId2">
+            <a:extLst>
+              <a:ext uri="{28A0092B-C50C-407E-A947-70E740481C1C}">
+                <a14:useLocalDpi xmlns:a14="http://schemas.microsoft.com/office/drawing/2010/main" val="0"/>
+              </a:ext>
+            </a:extLst>
+          </a:blip>
+          <a:srcRect/>
+          <a:stretch>
+            <a:fillRect/>
+          </a:stretch>
+        </p:blipFill>
+        <p:spPr bwMode="auto">
+          <a:xfrm>
+            <a:off x="3491879" y="2006600"/>
+            <a:ext cx="5619761" cy="3222599"/>
+          </a:xfrm>
+          <a:prstGeom prst="rect">
+            <a:avLst/>
+          </a:prstGeom>
+          <a:noFill/>
+          <a:ln>
+            <a:noFill/>
+          </a:ln>
+          <a:effectLst/>
+          <a:extLst>
+            <a:ext uri="{909E8E84-426E-40DD-AFC4-6F175D3DCCD1}">
+              <a14:hiddenFill xmlns:a14="http://schemas.microsoft.com/office/drawing/2010/main">
+                <a:solidFill>
+                  <a:schemeClr val="accent1"/>
+                </a:solidFill>
+              </a14:hiddenFill>
+            </a:ext>
+            <a:ext uri="{91240B29-F687-4F45-9708-019B960494DF}">
+              <a14:hiddenLine xmlns:a14="http://schemas.microsoft.com/office/drawing/2010/main" w="9525">
+                <a:solidFill>
+                  <a:schemeClr val="tx1"/>
+                </a:solidFill>
+                <a:miter lim="800000"/>
+                <a:headEnd/>
+                <a:tailEnd/>
+              </a14:hiddenLine>
+            </a:ext>
+            <a:ext uri="{AF507438-7753-43E0-B8FC-AC1667EBCBE1}">
+              <a14:hiddenEffects xmlns:a14="http://schemas.microsoft.com/office/drawing/2010/main">
+                <a:effectLst>
+                  <a:outerShdw dist="35921" dir="2700000" algn="ctr" rotWithShape="0">
+                    <a:schemeClr val="bg2"/>
+                  </a:outerShdw>
+                </a:effectLst>
+              </a14:hiddenEffects>
+            </a:ext>
+          </a:extLst>
+        </p:spPr>
+      </p:pic>
+      <p:cxnSp>
+        <p:nvCxnSpPr>
+          <p:cNvPr id="11" name="직선 화살표 연결선 10"/>
+          <p:cNvCxnSpPr/>
+          <p:nvPr/>
+        </p:nvCxnSpPr>
+        <p:spPr>
+          <a:xfrm>
+            <a:off x="3275856" y="2708920"/>
+            <a:ext cx="576064" cy="504056"/>
+          </a:xfrm>
+          <a:prstGeom prst="straightConnector1">
+            <a:avLst/>
+          </a:prstGeom>
+          <a:ln w="25400">
+            <a:solidFill>
+              <a:srgbClr val="FF0000"/>
+            </a:solidFill>
+            <a:tailEnd type="arrow"/>
+          </a:ln>
+        </p:spPr>
+        <p:style>
+          <a:lnRef idx="1">
+            <a:schemeClr val="accent1"/>
+          </a:lnRef>
+          <a:fillRef idx="0">
+            <a:schemeClr val="accent1"/>
+          </a:fillRef>
+          <a:effectRef idx="0">
+            <a:schemeClr val="accent1"/>
+          </a:effectRef>
+          <a:fontRef idx="minor">
+            <a:schemeClr val="tx1"/>
+          </a:fontRef>
+        </p:style>
+      </p:cxnSp>
+      <p:cxnSp>
+        <p:nvCxnSpPr>
+          <p:cNvPr id="13" name="직선 화살표 연결선 12"/>
+          <p:cNvCxnSpPr/>
+          <p:nvPr/>
+        </p:nvCxnSpPr>
+        <p:spPr>
+          <a:xfrm>
+            <a:off x="3204709" y="3861048"/>
+            <a:ext cx="719219" cy="0"/>
+          </a:xfrm>
+          <a:prstGeom prst="straightConnector1">
+            <a:avLst/>
+          </a:prstGeom>
+          <a:ln w="25400">
+            <a:solidFill>
+              <a:srgbClr val="FF0000"/>
+            </a:solidFill>
+            <a:tailEnd type="arrow"/>
+          </a:ln>
+        </p:spPr>
+        <p:style>
+          <a:lnRef idx="1">
+            <a:schemeClr val="accent1"/>
+          </a:lnRef>
+          <a:fillRef idx="0">
+            <a:schemeClr val="accent1"/>
+          </a:fillRef>
+          <a:effectRef idx="0">
+            <a:schemeClr val="accent1"/>
+          </a:effectRef>
+          <a:fontRef idx="minor">
+            <a:schemeClr val="tx1"/>
+          </a:fontRef>
+        </p:style>
+      </p:cxnSp>
+      <p:pic>
+        <p:nvPicPr>
+          <p:cNvPr id="15" name="Picture 5"/>
+          <p:cNvPicPr>
+            <a:picLocks noChangeAspect="1" noChangeArrowheads="1"/>
+          </p:cNvPicPr>
+          <p:nvPr/>
+        </p:nvPicPr>
+        <p:blipFill>
+          <a:blip r:embed="rId3">
+            <a:extLst>
+              <a:ext uri="{28A0092B-C50C-407E-A947-70E740481C1C}">
+                <a14:useLocalDpi xmlns:a14="http://schemas.microsoft.com/office/drawing/2010/main" val="0"/>
+              </a:ext>
+            </a:extLst>
+          </a:blip>
+          <a:srcRect/>
+          <a:stretch>
+            <a:fillRect/>
+          </a:stretch>
+        </p:blipFill>
+        <p:spPr bwMode="auto">
+          <a:xfrm>
+            <a:off x="0" y="2276872"/>
+            <a:ext cx="3204709" cy="657735"/>
+          </a:xfrm>
+          <a:prstGeom prst="rect">
+            <a:avLst/>
+          </a:prstGeom>
+          <a:noFill/>
+          <a:ln>
+            <a:noFill/>
+          </a:ln>
+          <a:effectLst/>
+          <a:extLst>
+            <a:ext uri="{909E8E84-426E-40DD-AFC4-6F175D3DCCD1}">
+              <a14:hiddenFill xmlns:a14="http://schemas.microsoft.com/office/drawing/2010/main">
+                <a:solidFill>
+                  <a:schemeClr val="accent1"/>
+                </a:solidFill>
+              </a14:hiddenFill>
+            </a:ext>
+            <a:ext uri="{91240B29-F687-4F45-9708-019B960494DF}">
+              <a14:hiddenLine xmlns:a14="http://schemas.microsoft.com/office/drawing/2010/main" w="9525">
+                <a:solidFill>
+                  <a:schemeClr val="tx1"/>
+                </a:solidFill>
+                <a:miter lim="800000"/>
+                <a:headEnd/>
+                <a:tailEnd/>
+              </a14:hiddenLine>
+            </a:ext>
+            <a:ext uri="{AF507438-7753-43E0-B8FC-AC1667EBCBE1}">
+              <a14:hiddenEffects xmlns:a14="http://schemas.microsoft.com/office/drawing/2010/main">
+                <a:effectLst>
+                  <a:outerShdw dist="35921" dir="2700000" algn="ctr" rotWithShape="0">
+                    <a:schemeClr val="bg2"/>
+                  </a:outerShdw>
+                </a:effectLst>
+              </a14:hiddenEffects>
+            </a:ext>
+          </a:extLst>
+        </p:spPr>
+      </p:pic>
+      <p:pic>
+        <p:nvPicPr>
+          <p:cNvPr id="16" name="Picture 6"/>
+          <p:cNvPicPr>
+            <a:picLocks noChangeAspect="1" noChangeArrowheads="1"/>
+          </p:cNvPicPr>
+          <p:nvPr/>
+        </p:nvPicPr>
+        <p:blipFill>
+          <a:blip r:embed="rId4">
+            <a:extLst>
+              <a:ext uri="{28A0092B-C50C-407E-A947-70E740481C1C}">
+                <a14:useLocalDpi xmlns:a14="http://schemas.microsoft.com/office/drawing/2010/main" val="0"/>
+              </a:ext>
+            </a:extLst>
+          </a:blip>
+          <a:srcRect/>
+          <a:stretch>
+            <a:fillRect/>
+          </a:stretch>
+        </p:blipFill>
+        <p:spPr bwMode="auto">
+          <a:xfrm>
+            <a:off x="3555" y="3609020"/>
+            <a:ext cx="3127508" cy="486982"/>
+          </a:xfrm>
+          <a:prstGeom prst="rect">
+            <a:avLst/>
+          </a:prstGeom>
+          <a:noFill/>
+          <a:ln>
+            <a:noFill/>
+          </a:ln>
+          <a:effectLst/>
+          <a:extLst>
+            <a:ext uri="{909E8E84-426E-40DD-AFC4-6F175D3DCCD1}">
+              <a14:hiddenFill xmlns:a14="http://schemas.microsoft.com/office/drawing/2010/main">
+                <a:solidFill>
+                  <a:schemeClr val="accent1"/>
+                </a:solidFill>
+              </a14:hiddenFill>
+            </a:ext>
+            <a:ext uri="{91240B29-F687-4F45-9708-019B960494DF}">
+              <a14:hiddenLine xmlns:a14="http://schemas.microsoft.com/office/drawing/2010/main" w="9525">
+                <a:solidFill>
+                  <a:schemeClr val="tx1"/>
+                </a:solidFill>
+                <a:miter lim="800000"/>
+                <a:headEnd/>
+                <a:tailEnd/>
+              </a14:hiddenLine>
+            </a:ext>
+            <a:ext uri="{AF507438-7753-43E0-B8FC-AC1667EBCBE1}">
+              <a14:hiddenEffects xmlns:a14="http://schemas.microsoft.com/office/drawing/2010/main">
+                <a:effectLst>
+                  <a:outerShdw dist="35921" dir="2700000" algn="ctr" rotWithShape="0">
+                    <a:schemeClr val="bg2"/>
+                  </a:outerShdw>
+                </a:effectLst>
+              </a14:hiddenEffects>
+            </a:ext>
+          </a:extLst>
+        </p:spPr>
+      </p:pic>
+      <p:sp>
+        <p:nvSpPr>
+          <p:cNvPr id="2" name="직사각형 1"/>
+          <p:cNvSpPr/>
+          <p:nvPr/>
+        </p:nvSpPr>
+        <p:spPr>
+          <a:xfrm>
+            <a:off x="4572000" y="3601273"/>
+            <a:ext cx="1512168" cy="171141"/>
+          </a:xfrm>
+          <a:prstGeom prst="rect">
+            <a:avLst/>
+          </a:prstGeom>
+        </p:spPr>
+        <p:style>
+          <a:lnRef idx="2">
+            <a:schemeClr val="accent1">
+              <a:shade val="50000"/>
+            </a:schemeClr>
+          </a:lnRef>
+          <a:fillRef idx="1">
+            <a:schemeClr val="accent1"/>
+          </a:fillRef>
+          <a:effectRef idx="0">
+            <a:schemeClr val="accent1"/>
+          </a:effectRef>
+          <a:fontRef idx="minor">
+            <a:schemeClr val="lt1"/>
+          </a:fontRef>
+        </p:style>
+        <p:txBody>
+          <a:bodyPr rtlCol="0" anchor="ctr"/>
+          <a:lstStyle/>
+          <a:p>
+            <a:pPr algn="ctr"/>
+            <a:endParaRPr lang="ko-KR" altLang="en-US"/>
+          </a:p>
+        </p:txBody>
+      </p:sp>
+    </p:spTree>
+    <p:extLst>
+      <p:ext uri="{BB962C8B-B14F-4D97-AF65-F5344CB8AC3E}">
+        <p14:creationId xmlns:p14="http://schemas.microsoft.com/office/powerpoint/2010/main" val="404727655"/>
+      </p:ext>
+    </p:extLst>
+  </p:cSld>
+  <p:clrMapOvr>
+    <a:masterClrMapping/>
+  </p:clrMapOvr>
+  <p:timing>
+    <p:tnLst>
+      <p:par>
+        <p:cTn id="1" dur="indefinite" restart="never" nodeType="tmRoot"/>
+      </p:par>
+    </p:tnLst>
+  </p:timing>
+</p:sld>
+</file>
+
+<file path=ppt/slides/slide11.xml><?xml version="1.0" encoding="utf-8"?>
+<p:sld xmlns:a="http://schemas.openxmlformats.org/drawingml/2006/main" xmlns:r="http://schemas.openxmlformats.org/officeDocument/2006/relationships" xmlns:p="http://schemas.openxmlformats.org/presentationml/2006/main">
+  <p:cSld>
+    <p:spTree>
+      <p:nvGrpSpPr>
+        <p:cNvPr id="1" name=""/>
+        <p:cNvGrpSpPr/>
+        <p:nvPr/>
+      </p:nvGrpSpPr>
+      <p:grpSpPr>
+        <a:xfrm>
+          <a:off x="0" y="0"/>
+          <a:ext cx="0" cy="0"/>
+          <a:chOff x="0" y="0"/>
+          <a:chExt cx="0" cy="0"/>
+        </a:xfrm>
+      </p:grpSpPr>
+      <p:sp>
+        <p:nvSpPr>
+          <p:cNvPr id="9" name="부제목 2"/>
+          <p:cNvSpPr>
+            <a:spLocks noGrp="1"/>
+          </p:cNvSpPr>
+          <p:nvPr>
+            <p:ph type="subTitle" idx="1"/>
+          </p:nvPr>
+        </p:nvSpPr>
+        <p:spPr>
+          <a:xfrm>
+            <a:off x="1" y="131886"/>
+            <a:ext cx="7669091" cy="606671"/>
+          </a:xfrm>
+        </p:spPr>
+        <p:txBody>
+          <a:bodyPr>
+            <a:normAutofit fontScale="92500" lnSpcReduction="20000"/>
+          </a:bodyPr>
+          <a:lstStyle/>
+          <a:p>
+            <a:pPr algn="l"/>
+            <a:r>
+              <a:rPr lang="ko-KR" altLang="en-US" sz="4400" dirty="0" smtClean="0"/>
+              <a:t>답</a:t>
+            </a:r>
+            <a:endParaRPr lang="en-US" altLang="ko-KR" sz="4400" dirty="0"/>
+          </a:p>
+        </p:txBody>
+      </p:sp>
+      <p:pic>
+        <p:nvPicPr>
+          <p:cNvPr id="4" name="Picture 2"/>
+          <p:cNvPicPr>
+            <a:picLocks noChangeAspect="1" noChangeArrowheads="1"/>
+          </p:cNvPicPr>
+          <p:nvPr/>
+        </p:nvPicPr>
+        <p:blipFill>
+          <a:blip r:embed="rId2">
+            <a:extLst>
+              <a:ext uri="{28A0092B-C50C-407E-A947-70E740481C1C}">
+                <a14:useLocalDpi xmlns:a14="http://schemas.microsoft.com/office/drawing/2010/main" val="0"/>
+              </a:ext>
+            </a:extLst>
+          </a:blip>
+          <a:srcRect/>
+          <a:stretch>
+            <a:fillRect/>
+          </a:stretch>
+        </p:blipFill>
+        <p:spPr bwMode="auto">
+          <a:xfrm>
+            <a:off x="755576" y="1196752"/>
+            <a:ext cx="7632848" cy="4376985"/>
+          </a:xfrm>
+          <a:prstGeom prst="rect">
+            <a:avLst/>
+          </a:prstGeom>
+          <a:noFill/>
+          <a:ln>
+            <a:noFill/>
+          </a:ln>
+          <a:effectLst/>
+          <a:extLst>
+            <a:ext uri="{909E8E84-426E-40DD-AFC4-6F175D3DCCD1}">
+              <a14:hiddenFill xmlns:a14="http://schemas.microsoft.com/office/drawing/2010/main">
+                <a:solidFill>
+                  <a:schemeClr val="accent1"/>
+                </a:solidFill>
+              </a14:hiddenFill>
+            </a:ext>
+            <a:ext uri="{91240B29-F687-4F45-9708-019B960494DF}">
+              <a14:hiddenLine xmlns:a14="http://schemas.microsoft.com/office/drawing/2010/main" w="9525">
+                <a:solidFill>
+                  <a:schemeClr val="tx1"/>
+                </a:solidFill>
+                <a:miter lim="800000"/>
+                <a:headEnd/>
+                <a:tailEnd/>
+              </a14:hiddenLine>
+            </a:ext>
+            <a:ext uri="{AF507438-7753-43E0-B8FC-AC1667EBCBE1}">
+              <a14:hiddenEffects xmlns:a14="http://schemas.microsoft.com/office/drawing/2010/main">
+                <a:effectLst>
+                  <a:outerShdw dist="35921" dir="2700000" algn="ctr" rotWithShape="0">
+                    <a:schemeClr val="bg2"/>
+                  </a:outerShdw>
+                </a:effectLst>
+              </a14:hiddenEffects>
+            </a:ext>
+          </a:extLst>
+        </p:spPr>
+      </p:pic>
+    </p:spTree>
+    <p:extLst>
+      <p:ext uri="{BB962C8B-B14F-4D97-AF65-F5344CB8AC3E}">
+        <p14:creationId xmlns:p14="http://schemas.microsoft.com/office/powerpoint/2010/main" val="147732483"/>
+      </p:ext>
+    </p:extLst>
+  </p:cSld>
+  <p:clrMapOvr>
+    <a:masterClrMapping/>
+  </p:clrMapOvr>
+  <p:timing>
+    <p:tnLst>
+      <p:par>
+        <p:cTn id="1" dur="indefinite" restart="never" nodeType="tmRoot"/>
+      </p:par>
+    </p:tnLst>
+  </p:timing>
+</p:sld>
+</file>
+
+<file path=ppt/slides/slide12.xml><?xml version="1.0" encoding="utf-8"?>
+<p:sld xmlns:a="http://schemas.openxmlformats.org/drawingml/2006/main" xmlns:r="http://schemas.openxmlformats.org/officeDocument/2006/relationships" xmlns:p="http://schemas.openxmlformats.org/presentationml/2006/main">
+  <p:cSld>
+    <p:spTree>
+      <p:nvGrpSpPr>
+        <p:cNvPr id="1" name=""/>
+        <p:cNvGrpSpPr/>
+        <p:nvPr/>
+      </p:nvGrpSpPr>
+      <p:grpSpPr>
+        <a:xfrm>
+          <a:off x="0" y="0"/>
+          <a:ext cx="0" cy="0"/>
+          <a:chOff x="0" y="0"/>
+          <a:chExt cx="0" cy="0"/>
+        </a:xfrm>
+      </p:grpSpPr>
+      <p:sp>
+        <p:nvSpPr>
+          <p:cNvPr id="5" name="부제목 2"/>
+          <p:cNvSpPr>
+            <a:spLocks noGrp="1"/>
+          </p:cNvSpPr>
+          <p:nvPr>
+            <p:ph type="subTitle" idx="1"/>
+          </p:nvPr>
+        </p:nvSpPr>
+        <p:spPr>
+          <a:xfrm>
+            <a:off x="1" y="131886"/>
+            <a:ext cx="7669091" cy="606671"/>
+          </a:xfrm>
+        </p:spPr>
+        <p:txBody>
+          <a:bodyPr>
+            <a:normAutofit/>
+          </a:bodyPr>
+          <a:lstStyle/>
+          <a:p>
+            <a:pPr algn="l"/>
+            <a:r>
+              <a:rPr lang="en-US" altLang="ko-KR" sz="3200" dirty="0" smtClean="0"/>
+              <a:t>Exampl</a:t>
+            </a:r>
+            <a:r>
+              <a:rPr lang="en-US" altLang="ko-KR" sz="3200" dirty="0" smtClean="0"/>
+              <a:t>e3</a:t>
+            </a:r>
+            <a:r>
+              <a:rPr lang="en-US" altLang="ko-KR" sz="3200" dirty="0" smtClean="0"/>
+              <a:t> – </a:t>
+            </a:r>
+            <a:r>
+              <a:rPr lang="ko-KR" altLang="en-US" sz="3200" dirty="0" smtClean="0"/>
+              <a:t>나의 학점을 계산해 보자</a:t>
+            </a:r>
+            <a:r>
+              <a:rPr lang="en-US" altLang="ko-KR" sz="3200" dirty="0" smtClean="0"/>
+              <a:t>.</a:t>
+            </a:r>
+            <a:endParaRPr lang="en-US" altLang="ko-KR" sz="4400" dirty="0"/>
+          </a:p>
+        </p:txBody>
+      </p:sp>
+      <p:sp>
+        <p:nvSpPr>
+          <p:cNvPr id="12" name="TextBox 11"/>
+          <p:cNvSpPr txBox="1"/>
+          <p:nvPr/>
+        </p:nvSpPr>
+        <p:spPr>
+          <a:xfrm>
+            <a:off x="187799" y="873339"/>
+            <a:ext cx="1157424" cy="584775"/>
+          </a:xfrm>
+          <a:prstGeom prst="rect">
+            <a:avLst/>
+          </a:prstGeom>
+          <a:noFill/>
+        </p:spPr>
+        <p:txBody>
+          <a:bodyPr wrap="square" rtlCol="0">
+            <a:spAutoFit/>
+          </a:bodyPr>
+          <a:lstStyle/>
+          <a:p>
+            <a:r>
+              <a:rPr lang="ko-KR" altLang="en-US" sz="3200" dirty="0">
+                <a:solidFill>
+                  <a:srgbClr val="FFFFFF"/>
+                </a:solidFill>
+              </a:rPr>
+              <a:t>결과 </a:t>
+            </a:r>
+            <a:endParaRPr lang="en-US" altLang="ko-KR" sz="3200" dirty="0">
+              <a:solidFill>
+                <a:srgbClr val="FFFFFF"/>
+              </a:solidFill>
+            </a:endParaRPr>
+          </a:p>
+        </p:txBody>
+      </p:sp>
+      <p:sp>
+        <p:nvSpPr>
+          <p:cNvPr id="8" name="TextBox 7"/>
+          <p:cNvSpPr txBox="1"/>
+          <p:nvPr/>
+        </p:nvSpPr>
+        <p:spPr>
+          <a:xfrm>
+            <a:off x="3851920" y="862652"/>
+            <a:ext cx="1271111" cy="584775"/>
+          </a:xfrm>
+          <a:prstGeom prst="rect">
+            <a:avLst/>
+          </a:prstGeom>
+          <a:noFill/>
+        </p:spPr>
+        <p:txBody>
+          <a:bodyPr wrap="square" rtlCol="0">
+            <a:spAutoFit/>
+          </a:bodyPr>
+          <a:lstStyle/>
+          <a:p>
+            <a:r>
+              <a:rPr lang="en-US" altLang="ko-KR" sz="3200" dirty="0">
+                <a:solidFill>
+                  <a:srgbClr val="FFFFFF"/>
+                </a:solidFill>
+              </a:rPr>
+              <a:t>Main()</a:t>
+            </a:r>
+            <a:r>
+              <a:rPr lang="ko-KR" altLang="en-US" sz="3200" dirty="0">
+                <a:solidFill>
+                  <a:srgbClr val="FFFFFF"/>
+                </a:solidFill>
+              </a:rPr>
+              <a:t> </a:t>
+            </a:r>
+            <a:endParaRPr lang="en-US" altLang="ko-KR" sz="3200" dirty="0">
+              <a:solidFill>
+                <a:srgbClr val="FFFFFF"/>
+              </a:solidFill>
+            </a:endParaRPr>
+          </a:p>
+        </p:txBody>
+      </p:sp>
+      <p:pic>
+        <p:nvPicPr>
+          <p:cNvPr id="8195" name="Picture 3"/>
+          <p:cNvPicPr>
+            <a:picLocks noChangeAspect="1" noChangeArrowheads="1"/>
+          </p:cNvPicPr>
+          <p:nvPr/>
+        </p:nvPicPr>
+        <p:blipFill>
+          <a:blip r:embed="rId2">
+            <a:extLst>
+              <a:ext uri="{28A0092B-C50C-407E-A947-70E740481C1C}">
+                <a14:useLocalDpi xmlns:a14="http://schemas.microsoft.com/office/drawing/2010/main" val="0"/>
+              </a:ext>
+            </a:extLst>
+          </a:blip>
+          <a:srcRect/>
+          <a:stretch>
+            <a:fillRect/>
+          </a:stretch>
+        </p:blipFill>
+        <p:spPr bwMode="auto">
+          <a:xfrm>
+            <a:off x="-29268" y="3798251"/>
+            <a:ext cx="3032488" cy="576064"/>
+          </a:xfrm>
+          <a:prstGeom prst="rect">
+            <a:avLst/>
+          </a:prstGeom>
+          <a:noFill/>
+          <a:ln>
+            <a:noFill/>
+          </a:ln>
+          <a:effectLst/>
+          <a:extLst>
+            <a:ext uri="{909E8E84-426E-40DD-AFC4-6F175D3DCCD1}">
+              <a14:hiddenFill xmlns:a14="http://schemas.microsoft.com/office/drawing/2010/main">
+                <a:solidFill>
+                  <a:schemeClr val="accent1"/>
+                </a:solidFill>
+              </a14:hiddenFill>
+            </a:ext>
+            <a:ext uri="{91240B29-F687-4F45-9708-019B960494DF}">
+              <a14:hiddenLine xmlns:a14="http://schemas.microsoft.com/office/drawing/2010/main" w="9525">
+                <a:solidFill>
+                  <a:schemeClr val="tx1"/>
+                </a:solidFill>
+                <a:miter lim="800000"/>
+                <a:headEnd/>
+                <a:tailEnd/>
+              </a14:hiddenLine>
+            </a:ext>
+            <a:ext uri="{AF507438-7753-43E0-B8FC-AC1667EBCBE1}">
+              <a14:hiddenEffects xmlns:a14="http://schemas.microsoft.com/office/drawing/2010/main">
+                <a:effectLst>
+                  <a:outerShdw dist="35921" dir="2700000" algn="ctr" rotWithShape="0">
+                    <a:schemeClr val="bg2"/>
+                  </a:outerShdw>
+                </a:effectLst>
+              </a14:hiddenEffects>
+            </a:ext>
+          </a:extLst>
+        </p:spPr>
+      </p:pic>
+      <p:pic>
+        <p:nvPicPr>
+          <p:cNvPr id="8196" name="Picture 4"/>
+          <p:cNvPicPr>
+            <a:picLocks noChangeAspect="1" noChangeArrowheads="1"/>
+          </p:cNvPicPr>
+          <p:nvPr/>
+        </p:nvPicPr>
+        <p:blipFill>
+          <a:blip r:embed="rId3">
+            <a:extLst>
+              <a:ext uri="{28A0092B-C50C-407E-A947-70E740481C1C}">
+                <a14:useLocalDpi xmlns:a14="http://schemas.microsoft.com/office/drawing/2010/main" val="0"/>
+              </a:ext>
+            </a:extLst>
+          </a:blip>
+          <a:srcRect/>
+          <a:stretch>
+            <a:fillRect/>
+          </a:stretch>
+        </p:blipFill>
+        <p:spPr bwMode="auto">
+          <a:xfrm>
+            <a:off x="3059832" y="1484784"/>
+            <a:ext cx="5944385" cy="5040560"/>
+          </a:xfrm>
+          <a:prstGeom prst="rect">
+            <a:avLst/>
+          </a:prstGeom>
+          <a:noFill/>
+          <a:ln>
+            <a:noFill/>
+          </a:ln>
+          <a:effectLst/>
+          <a:extLst>
+            <a:ext uri="{909E8E84-426E-40DD-AFC4-6F175D3DCCD1}">
+              <a14:hiddenFill xmlns:a14="http://schemas.microsoft.com/office/drawing/2010/main">
+                <a:solidFill>
+                  <a:schemeClr val="accent1"/>
+                </a:solidFill>
+              </a14:hiddenFill>
+            </a:ext>
+            <a:ext uri="{91240B29-F687-4F45-9708-019B960494DF}">
+              <a14:hiddenLine xmlns:a14="http://schemas.microsoft.com/office/drawing/2010/main" w="9525">
+                <a:solidFill>
+                  <a:schemeClr val="tx1"/>
+                </a:solidFill>
+                <a:miter lim="800000"/>
+                <a:headEnd/>
+                <a:tailEnd/>
+              </a14:hiddenLine>
+            </a:ext>
+            <a:ext uri="{AF507438-7753-43E0-B8FC-AC1667EBCBE1}">
+              <a14:hiddenEffects xmlns:a14="http://schemas.microsoft.com/office/drawing/2010/main">
+                <a:effectLst>
+                  <a:outerShdw dist="35921" dir="2700000" algn="ctr" rotWithShape="0">
+                    <a:schemeClr val="bg2"/>
+                  </a:outerShdw>
+                </a:effectLst>
+              </a14:hiddenEffects>
+            </a:ext>
+          </a:extLst>
+        </p:spPr>
+      </p:pic>
+      <p:sp>
+        <p:nvSpPr>
+          <p:cNvPr id="24" name="직사각형 23"/>
+          <p:cNvSpPr/>
+          <p:nvPr/>
+        </p:nvSpPr>
+        <p:spPr>
+          <a:xfrm>
+            <a:off x="3635896" y="2587034"/>
+            <a:ext cx="2196099" cy="144016"/>
+          </a:xfrm>
+          <a:prstGeom prst="rect">
+            <a:avLst/>
+          </a:prstGeom>
+        </p:spPr>
+        <p:style>
+          <a:lnRef idx="2">
+            <a:schemeClr val="accent1">
+              <a:shade val="50000"/>
+            </a:schemeClr>
+          </a:lnRef>
+          <a:fillRef idx="1">
+            <a:schemeClr val="accent1"/>
+          </a:fillRef>
+          <a:effectRef idx="0">
+            <a:schemeClr val="accent1"/>
+          </a:effectRef>
+          <a:fontRef idx="minor">
+            <a:schemeClr val="lt1"/>
+          </a:fontRef>
+        </p:style>
+        <p:txBody>
+          <a:bodyPr rtlCol="0" anchor="ctr"/>
+          <a:lstStyle/>
+          <a:p>
+            <a:pPr algn="ctr"/>
+            <a:r>
+              <a:rPr lang="en-US" altLang="ko-KR" dirty="0" smtClean="0"/>
+              <a:t>90</a:t>
+            </a:r>
+            <a:r>
+              <a:rPr lang="ko-KR" altLang="en-US" dirty="0" smtClean="0"/>
+              <a:t>초</a:t>
+            </a:r>
+            <a:r>
+              <a:rPr lang="ko-KR" altLang="en-US" dirty="0"/>
+              <a:t>과</a:t>
+            </a:r>
+            <a:r>
+              <a:rPr lang="ko-KR" altLang="en-US" dirty="0" smtClean="0"/>
+              <a:t> </a:t>
+            </a:r>
+            <a:r>
+              <a:rPr lang="en-US" altLang="ko-KR" dirty="0" smtClean="0"/>
+              <a:t>100</a:t>
+            </a:r>
+            <a:r>
+              <a:rPr lang="ko-KR" altLang="en-US" dirty="0" smtClean="0"/>
+              <a:t>이하</a:t>
+            </a:r>
+            <a:endParaRPr lang="ko-KR" altLang="en-US" dirty="0"/>
+          </a:p>
+        </p:txBody>
+      </p:sp>
+      <p:sp>
+        <p:nvSpPr>
+          <p:cNvPr id="25" name="직사각형 24"/>
+          <p:cNvSpPr/>
+          <p:nvPr/>
+        </p:nvSpPr>
+        <p:spPr>
+          <a:xfrm>
+            <a:off x="3995936" y="3140968"/>
+            <a:ext cx="2196099" cy="144016"/>
+          </a:xfrm>
+          <a:prstGeom prst="rect">
+            <a:avLst/>
+          </a:prstGeom>
+        </p:spPr>
+        <p:style>
+          <a:lnRef idx="2">
+            <a:schemeClr val="accent1">
+              <a:shade val="50000"/>
+            </a:schemeClr>
+          </a:lnRef>
+          <a:fillRef idx="1">
+            <a:schemeClr val="accent1"/>
+          </a:fillRef>
+          <a:effectRef idx="0">
+            <a:schemeClr val="accent1"/>
+          </a:effectRef>
+          <a:fontRef idx="minor">
+            <a:schemeClr val="lt1"/>
+          </a:fontRef>
+        </p:style>
+        <p:txBody>
+          <a:bodyPr rtlCol="0" anchor="ctr"/>
+          <a:lstStyle/>
+          <a:p>
+            <a:pPr algn="ctr"/>
+            <a:r>
+              <a:rPr lang="en-US" altLang="ko-KR" dirty="0" smtClean="0"/>
+              <a:t>80</a:t>
+            </a:r>
+            <a:r>
+              <a:rPr lang="ko-KR" altLang="en-US" dirty="0"/>
+              <a:t>초</a:t>
+            </a:r>
+            <a:r>
+              <a:rPr lang="ko-KR" altLang="en-US" dirty="0" smtClean="0"/>
+              <a:t>과  </a:t>
+            </a:r>
+            <a:r>
+              <a:rPr lang="en-US" altLang="ko-KR" dirty="0" smtClean="0"/>
+              <a:t>90</a:t>
+            </a:r>
+            <a:r>
+              <a:rPr lang="ko-KR" altLang="en-US" dirty="0" smtClean="0"/>
+              <a:t>이</a:t>
+            </a:r>
+            <a:r>
+              <a:rPr lang="ko-KR" altLang="en-US" dirty="0"/>
+              <a:t>하</a:t>
+            </a:r>
+          </a:p>
+        </p:txBody>
+      </p:sp>
+      <p:sp>
+        <p:nvSpPr>
+          <p:cNvPr id="26" name="직사각형 25"/>
+          <p:cNvSpPr/>
+          <p:nvPr/>
+        </p:nvSpPr>
+        <p:spPr>
+          <a:xfrm>
+            <a:off x="4032085" y="3717032"/>
+            <a:ext cx="2196099" cy="144016"/>
+          </a:xfrm>
+          <a:prstGeom prst="rect">
+            <a:avLst/>
+          </a:prstGeom>
+        </p:spPr>
+        <p:style>
+          <a:lnRef idx="2">
+            <a:schemeClr val="accent1">
+              <a:shade val="50000"/>
+            </a:schemeClr>
+          </a:lnRef>
+          <a:fillRef idx="1">
+            <a:schemeClr val="accent1"/>
+          </a:fillRef>
+          <a:effectRef idx="0">
+            <a:schemeClr val="accent1"/>
+          </a:effectRef>
+          <a:fontRef idx="minor">
+            <a:schemeClr val="lt1"/>
+          </a:fontRef>
+        </p:style>
+        <p:txBody>
+          <a:bodyPr rtlCol="0" anchor="ctr"/>
+          <a:lstStyle/>
+          <a:p>
+            <a:pPr algn="ctr"/>
+            <a:r>
+              <a:rPr lang="en-US" altLang="ko-KR" dirty="0" smtClean="0"/>
+              <a:t>70</a:t>
+            </a:r>
+            <a:r>
+              <a:rPr lang="ko-KR" altLang="en-US" dirty="0" smtClean="0"/>
+              <a:t>초과 </a:t>
+            </a:r>
+            <a:r>
+              <a:rPr lang="en-US" altLang="ko-KR" dirty="0" smtClean="0"/>
+              <a:t>80</a:t>
+            </a:r>
+            <a:r>
+              <a:rPr lang="ko-KR" altLang="en-US" dirty="0" smtClean="0"/>
+              <a:t>이하</a:t>
+            </a:r>
+            <a:endParaRPr lang="ko-KR" altLang="en-US" dirty="0"/>
+          </a:p>
+        </p:txBody>
+      </p:sp>
+      <p:sp>
+        <p:nvSpPr>
+          <p:cNvPr id="27" name="직사각형 26"/>
+          <p:cNvSpPr/>
+          <p:nvPr/>
+        </p:nvSpPr>
+        <p:spPr>
+          <a:xfrm>
+            <a:off x="4032085" y="4293096"/>
+            <a:ext cx="2196099" cy="144016"/>
+          </a:xfrm>
+          <a:prstGeom prst="rect">
+            <a:avLst/>
+          </a:prstGeom>
+        </p:spPr>
+        <p:style>
+          <a:lnRef idx="2">
+            <a:schemeClr val="accent1">
+              <a:shade val="50000"/>
+            </a:schemeClr>
+          </a:lnRef>
+          <a:fillRef idx="1">
+            <a:schemeClr val="accent1"/>
+          </a:fillRef>
+          <a:effectRef idx="0">
+            <a:schemeClr val="accent1"/>
+          </a:effectRef>
+          <a:fontRef idx="minor">
+            <a:schemeClr val="lt1"/>
+          </a:fontRef>
+        </p:style>
+        <p:txBody>
+          <a:bodyPr rtlCol="0" anchor="ctr"/>
+          <a:lstStyle/>
+          <a:p>
+            <a:pPr algn="ctr"/>
+            <a:r>
+              <a:rPr lang="en-US" altLang="ko-KR" dirty="0" smtClean="0"/>
+              <a:t>0</a:t>
+            </a:r>
+            <a:r>
+              <a:rPr lang="ko-KR" altLang="en-US" dirty="0" smtClean="0"/>
+              <a:t>이상 </a:t>
+            </a:r>
+            <a:r>
+              <a:rPr lang="en-US" altLang="ko-KR" dirty="0" smtClean="0"/>
+              <a:t>70</a:t>
+            </a:r>
+            <a:r>
+              <a:rPr lang="ko-KR" altLang="en-US" dirty="0" smtClean="0"/>
+              <a:t>이하</a:t>
+            </a:r>
+            <a:endParaRPr lang="ko-KR" altLang="en-US" dirty="0"/>
+          </a:p>
+        </p:txBody>
+      </p:sp>
+      <p:sp>
+        <p:nvSpPr>
+          <p:cNvPr id="28" name="직사각형 27"/>
+          <p:cNvSpPr/>
+          <p:nvPr/>
+        </p:nvSpPr>
+        <p:spPr>
+          <a:xfrm>
+            <a:off x="4015706" y="4813778"/>
+            <a:ext cx="1996454" cy="144016"/>
+          </a:xfrm>
+          <a:prstGeom prst="rect">
+            <a:avLst/>
+          </a:prstGeom>
+        </p:spPr>
+        <p:style>
+          <a:lnRef idx="2">
+            <a:schemeClr val="accent1">
+              <a:shade val="50000"/>
+            </a:schemeClr>
+          </a:lnRef>
+          <a:fillRef idx="1">
+            <a:schemeClr val="accent1"/>
+          </a:fillRef>
+          <a:effectRef idx="0">
+            <a:schemeClr val="accent1"/>
+          </a:effectRef>
+          <a:fontRef idx="minor">
+            <a:schemeClr val="lt1"/>
+          </a:fontRef>
+        </p:style>
+        <p:txBody>
+          <a:bodyPr rtlCol="0" anchor="ctr"/>
+          <a:lstStyle/>
+          <a:p>
+            <a:pPr algn="ctr"/>
+            <a:r>
+              <a:rPr lang="en-US" altLang="ko-KR" dirty="0" smtClean="0"/>
+              <a:t>0</a:t>
+            </a:r>
+            <a:r>
+              <a:rPr lang="ko-KR" altLang="en-US" dirty="0" smtClean="0"/>
+              <a:t>미만</a:t>
+            </a:r>
+            <a:r>
+              <a:rPr lang="en-US" altLang="ko-KR" dirty="0"/>
+              <a:t> </a:t>
+            </a:r>
+            <a:r>
+              <a:rPr lang="ko-KR" altLang="en-US" dirty="0" smtClean="0"/>
+              <a:t>또는</a:t>
+            </a:r>
+            <a:r>
+              <a:rPr lang="en-US" altLang="ko-KR" dirty="0" smtClean="0"/>
+              <a:t> 100 </a:t>
+            </a:r>
+            <a:r>
+              <a:rPr lang="ko-KR" altLang="en-US" dirty="0" smtClean="0"/>
+              <a:t>초과</a:t>
+            </a:r>
+            <a:endParaRPr lang="ko-KR" altLang="en-US" dirty="0"/>
+          </a:p>
+        </p:txBody>
+      </p:sp>
+      <p:sp>
+        <p:nvSpPr>
+          <p:cNvPr id="7" name="직사각형 6"/>
+          <p:cNvSpPr/>
+          <p:nvPr/>
+        </p:nvSpPr>
+        <p:spPr>
+          <a:xfrm>
+            <a:off x="4929097" y="2780928"/>
+            <a:ext cx="434991" cy="144016"/>
+          </a:xfrm>
+          <a:prstGeom prst="rect">
+            <a:avLst/>
+          </a:prstGeom>
+        </p:spPr>
+        <p:style>
+          <a:lnRef idx="2">
+            <a:schemeClr val="accent1">
+              <a:shade val="50000"/>
+            </a:schemeClr>
+          </a:lnRef>
+          <a:fillRef idx="1">
+            <a:schemeClr val="accent1"/>
+          </a:fillRef>
+          <a:effectRef idx="0">
+            <a:schemeClr val="accent1"/>
+          </a:effectRef>
+          <a:fontRef idx="minor">
+            <a:schemeClr val="lt1"/>
+          </a:fontRef>
+        </p:style>
+        <p:txBody>
+          <a:bodyPr rtlCol="0" anchor="ctr"/>
+          <a:lstStyle/>
+          <a:p>
+            <a:pPr algn="ctr"/>
+            <a:endParaRPr lang="ko-KR" altLang="en-US"/>
+          </a:p>
+        </p:txBody>
+      </p:sp>
+      <p:sp>
+        <p:nvSpPr>
+          <p:cNvPr id="30" name="직사각형 29"/>
+          <p:cNvSpPr/>
+          <p:nvPr/>
+        </p:nvSpPr>
+        <p:spPr>
+          <a:xfrm>
+            <a:off x="5013933" y="3356992"/>
+            <a:ext cx="434991" cy="144016"/>
+          </a:xfrm>
+          <a:prstGeom prst="rect">
+            <a:avLst/>
+          </a:prstGeom>
+        </p:spPr>
+        <p:style>
+          <a:lnRef idx="2">
+            <a:schemeClr val="accent1">
+              <a:shade val="50000"/>
+            </a:schemeClr>
+          </a:lnRef>
+          <a:fillRef idx="1">
+            <a:schemeClr val="accent1"/>
+          </a:fillRef>
+          <a:effectRef idx="0">
+            <a:schemeClr val="accent1"/>
+          </a:effectRef>
+          <a:fontRef idx="minor">
+            <a:schemeClr val="lt1"/>
+          </a:fontRef>
+        </p:style>
+        <p:txBody>
+          <a:bodyPr rtlCol="0" anchor="ctr"/>
+          <a:lstStyle/>
+          <a:p>
+            <a:pPr algn="ctr"/>
+            <a:endParaRPr lang="ko-KR" altLang="en-US"/>
+          </a:p>
+        </p:txBody>
+      </p:sp>
+      <p:sp>
+        <p:nvSpPr>
+          <p:cNvPr id="31" name="직사각형 30"/>
+          <p:cNvSpPr/>
+          <p:nvPr/>
+        </p:nvSpPr>
+        <p:spPr>
+          <a:xfrm>
+            <a:off x="4929097" y="3912428"/>
+            <a:ext cx="434991" cy="144016"/>
+          </a:xfrm>
+          <a:prstGeom prst="rect">
+            <a:avLst/>
+          </a:prstGeom>
+        </p:spPr>
+        <p:style>
+          <a:lnRef idx="2">
+            <a:schemeClr val="accent1">
+              <a:shade val="50000"/>
+            </a:schemeClr>
+          </a:lnRef>
+          <a:fillRef idx="1">
+            <a:schemeClr val="accent1"/>
+          </a:fillRef>
+          <a:effectRef idx="0">
+            <a:schemeClr val="accent1"/>
+          </a:effectRef>
+          <a:fontRef idx="minor">
+            <a:schemeClr val="lt1"/>
+          </a:fontRef>
+        </p:style>
+        <p:txBody>
+          <a:bodyPr rtlCol="0" anchor="ctr"/>
+          <a:lstStyle/>
+          <a:p>
+            <a:pPr algn="ctr"/>
+            <a:endParaRPr lang="ko-KR" altLang="en-US"/>
+          </a:p>
+        </p:txBody>
+      </p:sp>
+      <p:sp>
+        <p:nvSpPr>
+          <p:cNvPr id="32" name="직사각형 31"/>
+          <p:cNvSpPr/>
+          <p:nvPr/>
+        </p:nvSpPr>
+        <p:spPr>
+          <a:xfrm>
+            <a:off x="4912638" y="4478677"/>
+            <a:ext cx="434991" cy="144016"/>
+          </a:xfrm>
+          <a:prstGeom prst="rect">
+            <a:avLst/>
+          </a:prstGeom>
+        </p:spPr>
+        <p:style>
+          <a:lnRef idx="2">
+            <a:schemeClr val="accent1">
+              <a:shade val="50000"/>
+            </a:schemeClr>
+          </a:lnRef>
+          <a:fillRef idx="1">
+            <a:schemeClr val="accent1"/>
+          </a:fillRef>
+          <a:effectRef idx="0">
+            <a:schemeClr val="accent1"/>
+          </a:effectRef>
+          <a:fontRef idx="minor">
+            <a:schemeClr val="lt1"/>
+          </a:fontRef>
+        </p:style>
+        <p:txBody>
+          <a:bodyPr rtlCol="0" anchor="ctr"/>
+          <a:lstStyle/>
+          <a:p>
+            <a:pPr algn="ctr"/>
+            <a:endParaRPr lang="ko-KR" altLang="en-US"/>
+          </a:p>
+        </p:txBody>
+      </p:sp>
+      <p:sp>
+        <p:nvSpPr>
+          <p:cNvPr id="33" name="직사각형 32"/>
+          <p:cNvSpPr/>
+          <p:nvPr/>
+        </p:nvSpPr>
+        <p:spPr>
+          <a:xfrm>
+            <a:off x="5448924" y="5013176"/>
+            <a:ext cx="434991" cy="144016"/>
+          </a:xfrm>
+          <a:prstGeom prst="rect">
+            <a:avLst/>
+          </a:prstGeom>
+        </p:spPr>
+        <p:style>
+          <a:lnRef idx="2">
+            <a:schemeClr val="accent1">
+              <a:shade val="50000"/>
+            </a:schemeClr>
+          </a:lnRef>
+          <a:fillRef idx="1">
+            <a:schemeClr val="accent1"/>
+          </a:fillRef>
+          <a:effectRef idx="0">
+            <a:schemeClr val="accent1"/>
+          </a:effectRef>
+          <a:fontRef idx="minor">
+            <a:schemeClr val="lt1"/>
+          </a:fontRef>
+        </p:style>
+        <p:txBody>
+          <a:bodyPr rtlCol="0" anchor="ctr"/>
+          <a:lstStyle/>
+          <a:p>
+            <a:pPr algn="ctr"/>
+            <a:endParaRPr lang="ko-KR" altLang="en-US"/>
+          </a:p>
+        </p:txBody>
+      </p:sp>
+      <p:cxnSp>
+        <p:nvCxnSpPr>
+          <p:cNvPr id="35" name="직선 화살표 연결선 34"/>
+          <p:cNvCxnSpPr/>
+          <p:nvPr/>
+        </p:nvCxnSpPr>
+        <p:spPr>
+          <a:xfrm flipV="1">
+            <a:off x="2861467" y="3990805"/>
+            <a:ext cx="531400" cy="95478"/>
+          </a:xfrm>
+          <a:prstGeom prst="straightConnector1">
+            <a:avLst/>
+          </a:prstGeom>
+          <a:ln w="25400">
+            <a:solidFill>
+              <a:srgbClr val="FF0000"/>
+            </a:solidFill>
+            <a:tailEnd type="arrow"/>
+          </a:ln>
+        </p:spPr>
+        <p:style>
+          <a:lnRef idx="1">
+            <a:schemeClr val="accent1"/>
+          </a:lnRef>
+          <a:fillRef idx="0">
+            <a:schemeClr val="accent1"/>
+          </a:fillRef>
+          <a:effectRef idx="0">
+            <a:schemeClr val="accent1"/>
+          </a:effectRef>
+          <a:fontRef idx="minor">
+            <a:schemeClr val="tx1"/>
+          </a:fontRef>
+        </p:style>
+      </p:cxnSp>
+    </p:spTree>
+    <p:extLst>
+      <p:ext uri="{BB962C8B-B14F-4D97-AF65-F5344CB8AC3E}">
+        <p14:creationId xmlns:p14="http://schemas.microsoft.com/office/powerpoint/2010/main" val="1509508833"/>
+      </p:ext>
+    </p:extLst>
+  </p:cSld>
+  <p:clrMapOvr>
+    <a:masterClrMapping/>
+  </p:clrMapOvr>
+  <p:timing>
+    <p:tnLst>
+      <p:par>
+        <p:cTn id="1" dur="indefinite" restart="never" nodeType="tmRoot"/>
+      </p:par>
+    </p:tnLst>
+  </p:timing>
+</p:sld>
+</file>
+
+<file path=ppt/slides/slide13.xml><?xml version="1.0" encoding="utf-8"?>
+<p:sld xmlns:a="http://schemas.openxmlformats.org/drawingml/2006/main" xmlns:r="http://schemas.openxmlformats.org/officeDocument/2006/relationships" xmlns:p="http://schemas.openxmlformats.org/presentationml/2006/main">
+  <p:cSld>
+    <p:spTree>
+      <p:nvGrpSpPr>
+        <p:cNvPr id="1" name=""/>
+        <p:cNvGrpSpPr/>
+        <p:nvPr/>
+      </p:nvGrpSpPr>
+      <p:grpSpPr>
+        <a:xfrm>
+          <a:off x="0" y="0"/>
+          <a:ext cx="0" cy="0"/>
+          <a:chOff x="0" y="0"/>
+          <a:chExt cx="0" cy="0"/>
+        </a:xfrm>
+      </p:grpSpPr>
+      <p:sp>
+        <p:nvSpPr>
+          <p:cNvPr id="9" name="부제목 2"/>
+          <p:cNvSpPr>
+            <a:spLocks noGrp="1"/>
+          </p:cNvSpPr>
+          <p:nvPr>
+            <p:ph type="subTitle" idx="1"/>
+          </p:nvPr>
+        </p:nvSpPr>
+        <p:spPr>
+          <a:xfrm>
+            <a:off x="1" y="131886"/>
+            <a:ext cx="7669091" cy="606671"/>
+          </a:xfrm>
+        </p:spPr>
+        <p:txBody>
+          <a:bodyPr>
+            <a:normAutofit fontScale="92500" lnSpcReduction="20000"/>
+          </a:bodyPr>
+          <a:lstStyle/>
+          <a:p>
+            <a:pPr algn="l"/>
+            <a:r>
+              <a:rPr lang="ko-KR" altLang="en-US" sz="4400" dirty="0" smtClean="0"/>
+              <a:t>답</a:t>
+            </a:r>
+            <a:endParaRPr lang="en-US" altLang="ko-KR" sz="4400" dirty="0"/>
+          </a:p>
+        </p:txBody>
+      </p:sp>
+      <p:pic>
+        <p:nvPicPr>
+          <p:cNvPr id="5" name="Picture 2"/>
+          <p:cNvPicPr>
+            <a:picLocks noChangeAspect="1" noChangeArrowheads="1"/>
+          </p:cNvPicPr>
+          <p:nvPr/>
+        </p:nvPicPr>
+        <p:blipFill>
+          <a:blip r:embed="rId2">
+            <a:extLst>
+              <a:ext uri="{28A0092B-C50C-407E-A947-70E740481C1C}">
+                <a14:useLocalDpi xmlns:a14="http://schemas.microsoft.com/office/drawing/2010/main" val="0"/>
+              </a:ext>
+            </a:extLst>
+          </a:blip>
+          <a:srcRect/>
+          <a:stretch>
+            <a:fillRect/>
+          </a:stretch>
+        </p:blipFill>
+        <p:spPr bwMode="auto">
+          <a:xfrm>
+            <a:off x="1187624" y="836712"/>
+            <a:ext cx="6264696" cy="5354339"/>
+          </a:xfrm>
+          <a:prstGeom prst="rect">
+            <a:avLst/>
+          </a:prstGeom>
+          <a:noFill/>
+          <a:ln>
+            <a:noFill/>
+          </a:ln>
+          <a:effectLst/>
+          <a:extLst>
+            <a:ext uri="{909E8E84-426E-40DD-AFC4-6F175D3DCCD1}">
+              <a14:hiddenFill xmlns:a14="http://schemas.microsoft.com/office/drawing/2010/main">
+                <a:solidFill>
+                  <a:schemeClr val="accent1"/>
+                </a:solidFill>
+              </a14:hiddenFill>
+            </a:ext>
+            <a:ext uri="{91240B29-F687-4F45-9708-019B960494DF}">
+              <a14:hiddenLine xmlns:a14="http://schemas.microsoft.com/office/drawing/2010/main" w="9525">
+                <a:solidFill>
+                  <a:schemeClr val="tx1"/>
+                </a:solidFill>
+                <a:miter lim="800000"/>
+                <a:headEnd/>
+                <a:tailEnd/>
+              </a14:hiddenLine>
+            </a:ext>
+            <a:ext uri="{AF507438-7753-43E0-B8FC-AC1667EBCBE1}">
+              <a14:hiddenEffects xmlns:a14="http://schemas.microsoft.com/office/drawing/2010/main">
+                <a:effectLst>
+                  <a:outerShdw dist="35921" dir="2700000" algn="ctr" rotWithShape="0">
+                    <a:schemeClr val="bg2"/>
+                  </a:outerShdw>
+                </a:effectLst>
+              </a14:hiddenEffects>
+            </a:ext>
+          </a:extLst>
+        </p:spPr>
+      </p:pic>
+    </p:spTree>
+    <p:extLst>
+      <p:ext uri="{BB962C8B-B14F-4D97-AF65-F5344CB8AC3E}">
+        <p14:creationId xmlns:p14="http://schemas.microsoft.com/office/powerpoint/2010/main" val="2806933862"/>
+      </p:ext>
+    </p:extLst>
+  </p:cSld>
+  <p:clrMapOvr>
+    <a:masterClrMapping/>
+  </p:clrMapOvr>
+  <p:timing>
+    <p:tnLst>
+      <p:par>
+        <p:cTn id="1" dur="indefinite" restart="never" nodeType="tmRoot"/>
+      </p:par>
+    </p:tnLst>
+  </p:timing>
+</p:sld>
+</file>
+
+<file path=ppt/slides/slide14.xml><?xml version="1.0" encoding="utf-8"?>
+<p:sld xmlns:a="http://schemas.openxmlformats.org/drawingml/2006/main" xmlns:r="http://schemas.openxmlformats.org/officeDocument/2006/relationships" xmlns:p="http://schemas.openxmlformats.org/presentationml/2006/main">
+  <p:cSld>
+    <p:spTree>
+      <p:nvGrpSpPr>
+        <p:cNvPr id="1" name=""/>
+        <p:cNvGrpSpPr/>
+        <p:nvPr/>
+      </p:nvGrpSpPr>
+      <p:grpSpPr>
+        <a:xfrm>
+          <a:off x="0" y="0"/>
+          <a:ext cx="0" cy="0"/>
+          <a:chOff x="0" y="0"/>
+          <a:chExt cx="0" cy="0"/>
+        </a:xfrm>
+      </p:grpSpPr>
+      <p:sp>
+        <p:nvSpPr>
+          <p:cNvPr id="5" name="부제목 2"/>
+          <p:cNvSpPr>
+            <a:spLocks noGrp="1"/>
+          </p:cNvSpPr>
+          <p:nvPr>
+            <p:ph type="subTitle" idx="1"/>
+          </p:nvPr>
+        </p:nvSpPr>
+        <p:spPr>
+          <a:xfrm>
+            <a:off x="1" y="131886"/>
+            <a:ext cx="7669091" cy="606671"/>
+          </a:xfrm>
+        </p:spPr>
+        <p:txBody>
+          <a:bodyPr>
+            <a:normAutofit/>
+          </a:bodyPr>
+          <a:lstStyle/>
+          <a:p>
+            <a:pPr algn="l"/>
+            <a:r>
+              <a:rPr lang="en-US" altLang="ko-KR" sz="3200" dirty="0" smtClean="0"/>
+              <a:t>Exampl</a:t>
+            </a:r>
+            <a:r>
+              <a:rPr lang="en-US" altLang="ko-KR" sz="3200" dirty="0" smtClean="0"/>
+              <a:t>e4</a:t>
+            </a:r>
+            <a:r>
+              <a:rPr lang="en-US" altLang="ko-KR" sz="3200" dirty="0" smtClean="0"/>
+              <a:t> – </a:t>
+            </a:r>
+            <a:r>
+              <a:rPr lang="ko-KR" altLang="en-US" sz="3200" dirty="0" smtClean="0"/>
+              <a:t>학번 </a:t>
+            </a:r>
+            <a:r>
+              <a:rPr lang="ko-KR" altLang="en-US" sz="3200" dirty="0" err="1" smtClean="0"/>
+              <a:t>입력후</a:t>
+            </a:r>
+            <a:r>
+              <a:rPr lang="en-US" altLang="ko-KR" sz="3200" dirty="0" smtClean="0"/>
+              <a:t>, </a:t>
+            </a:r>
+            <a:r>
+              <a:rPr lang="ko-KR" altLang="en-US" sz="3200" dirty="0" smtClean="0"/>
+              <a:t>학점을 계산해 보자</a:t>
+            </a:r>
+            <a:r>
+              <a:rPr lang="en-US" altLang="ko-KR" sz="3200" dirty="0" smtClean="0"/>
+              <a:t>.</a:t>
+            </a:r>
+            <a:endParaRPr lang="en-US" altLang="ko-KR" sz="4400" dirty="0"/>
+          </a:p>
+        </p:txBody>
+      </p:sp>
+      <p:sp>
+        <p:nvSpPr>
+          <p:cNvPr id="12" name="TextBox 11"/>
+          <p:cNvSpPr txBox="1"/>
+          <p:nvPr/>
+        </p:nvSpPr>
+        <p:spPr>
+          <a:xfrm>
+            <a:off x="3779912" y="3928700"/>
+            <a:ext cx="1157424" cy="584775"/>
+          </a:xfrm>
+          <a:prstGeom prst="rect">
+            <a:avLst/>
+          </a:prstGeom>
+          <a:noFill/>
+        </p:spPr>
+        <p:txBody>
+          <a:bodyPr wrap="square" rtlCol="0">
+            <a:spAutoFit/>
+          </a:bodyPr>
+          <a:lstStyle/>
+          <a:p>
+            <a:r>
+              <a:rPr lang="ko-KR" altLang="en-US" sz="3200" dirty="0">
+                <a:solidFill>
+                  <a:srgbClr val="FFFFFF"/>
+                </a:solidFill>
+              </a:rPr>
+              <a:t>결과 </a:t>
+            </a:r>
+            <a:endParaRPr lang="en-US" altLang="ko-KR" sz="3200" dirty="0">
+              <a:solidFill>
+                <a:srgbClr val="FFFFFF"/>
+              </a:solidFill>
+            </a:endParaRPr>
+          </a:p>
+        </p:txBody>
+      </p:sp>
+      <p:sp>
+        <p:nvSpPr>
+          <p:cNvPr id="8" name="TextBox 7"/>
+          <p:cNvSpPr txBox="1"/>
+          <p:nvPr/>
+        </p:nvSpPr>
+        <p:spPr>
+          <a:xfrm>
+            <a:off x="35108" y="852468"/>
+            <a:ext cx="1271111" cy="584775"/>
+          </a:xfrm>
+          <a:prstGeom prst="rect">
+            <a:avLst/>
+          </a:prstGeom>
+          <a:noFill/>
+        </p:spPr>
+        <p:txBody>
+          <a:bodyPr wrap="square" rtlCol="0">
+            <a:spAutoFit/>
+          </a:bodyPr>
+          <a:lstStyle/>
+          <a:p>
+            <a:r>
+              <a:rPr lang="en-US" altLang="ko-KR" sz="3200" dirty="0">
+                <a:solidFill>
+                  <a:srgbClr val="FFFFFF"/>
+                </a:solidFill>
+              </a:rPr>
+              <a:t>Main()</a:t>
+            </a:r>
+            <a:r>
+              <a:rPr lang="ko-KR" altLang="en-US" sz="3200" dirty="0">
+                <a:solidFill>
+                  <a:srgbClr val="FFFFFF"/>
+                </a:solidFill>
+              </a:rPr>
+              <a:t> </a:t>
+            </a:r>
+            <a:endParaRPr lang="en-US" altLang="ko-KR" sz="3200" dirty="0">
+              <a:solidFill>
+                <a:srgbClr val="FFFFFF"/>
+              </a:solidFill>
+            </a:endParaRPr>
+          </a:p>
+        </p:txBody>
+      </p:sp>
+      <p:pic>
+        <p:nvPicPr>
+          <p:cNvPr id="9218" name="Picture 2"/>
+          <p:cNvPicPr>
+            <a:picLocks noChangeAspect="1" noChangeArrowheads="1"/>
+          </p:cNvPicPr>
+          <p:nvPr/>
+        </p:nvPicPr>
+        <p:blipFill rotWithShape="1">
+          <a:blip r:embed="rId2">
+            <a:extLst>
+              <a:ext uri="{28A0092B-C50C-407E-A947-70E740481C1C}">
+                <a14:useLocalDpi xmlns:a14="http://schemas.microsoft.com/office/drawing/2010/main" val="0"/>
+              </a:ext>
+            </a:extLst>
+          </a:blip>
+          <a:srcRect b="59969"/>
+          <a:stretch/>
+        </p:blipFill>
+        <p:spPr bwMode="auto">
+          <a:xfrm>
+            <a:off x="35108" y="1492822"/>
+            <a:ext cx="6275704" cy="2307961"/>
+          </a:xfrm>
+          <a:prstGeom prst="rect">
+            <a:avLst/>
+          </a:prstGeom>
+          <a:noFill/>
+          <a:ln>
+            <a:noFill/>
+          </a:ln>
+          <a:effectLst/>
+          <a:extLst>
+            <a:ext uri="{909E8E84-426E-40DD-AFC4-6F175D3DCCD1}">
+              <a14:hiddenFill xmlns:a14="http://schemas.microsoft.com/office/drawing/2010/main">
+                <a:solidFill>
+                  <a:schemeClr val="accent1"/>
+                </a:solidFill>
+              </a14:hiddenFill>
+            </a:ext>
+            <a:ext uri="{91240B29-F687-4F45-9708-019B960494DF}">
+              <a14:hiddenLine xmlns:a14="http://schemas.microsoft.com/office/drawing/2010/main" w="9525">
+                <a:solidFill>
+                  <a:schemeClr val="tx1"/>
+                </a:solidFill>
+                <a:miter lim="800000"/>
+                <a:headEnd/>
+                <a:tailEnd/>
+              </a14:hiddenLine>
+            </a:ext>
+            <a:ext uri="{AF507438-7753-43E0-B8FC-AC1667EBCBE1}">
+              <a14:hiddenEffects xmlns:a14="http://schemas.microsoft.com/office/drawing/2010/main">
+                <a:effectLst>
+                  <a:outerShdw dist="35921" dir="2700000" algn="ctr" rotWithShape="0">
+                    <a:schemeClr val="bg2"/>
+                  </a:outerShdw>
+                </a:effectLst>
+              </a14:hiddenEffects>
+            </a:ext>
+          </a:extLst>
+        </p:spPr>
+      </p:pic>
+      <p:pic>
+        <p:nvPicPr>
+          <p:cNvPr id="9219" name="Picture 3"/>
+          <p:cNvPicPr>
+            <a:picLocks noChangeAspect="1" noChangeArrowheads="1"/>
+          </p:cNvPicPr>
+          <p:nvPr/>
+        </p:nvPicPr>
+        <p:blipFill rotWithShape="1">
+          <a:blip r:embed="rId3">
+            <a:extLst>
+              <a:ext uri="{28A0092B-C50C-407E-A947-70E740481C1C}">
+                <a14:useLocalDpi xmlns:a14="http://schemas.microsoft.com/office/drawing/2010/main" val="0"/>
+              </a:ext>
+            </a:extLst>
+          </a:blip>
+          <a:srcRect l="4929"/>
+          <a:stretch/>
+        </p:blipFill>
+        <p:spPr bwMode="auto">
+          <a:xfrm>
+            <a:off x="35496" y="4221088"/>
+            <a:ext cx="3415413" cy="1609245"/>
+          </a:xfrm>
+          <a:prstGeom prst="rect">
+            <a:avLst/>
+          </a:prstGeom>
+          <a:noFill/>
+          <a:ln>
+            <a:noFill/>
+          </a:ln>
+          <a:effectLst/>
+          <a:extLst>
+            <a:ext uri="{909E8E84-426E-40DD-AFC4-6F175D3DCCD1}">
+              <a14:hiddenFill xmlns:a14="http://schemas.microsoft.com/office/drawing/2010/main">
+                <a:solidFill>
+                  <a:schemeClr val="accent1"/>
+                </a:solidFill>
+              </a14:hiddenFill>
+            </a:ext>
+            <a:ext uri="{91240B29-F687-4F45-9708-019B960494DF}">
+              <a14:hiddenLine xmlns:a14="http://schemas.microsoft.com/office/drawing/2010/main" w="9525">
+                <a:solidFill>
+                  <a:schemeClr val="tx1"/>
+                </a:solidFill>
+                <a:miter lim="800000"/>
+                <a:headEnd/>
+                <a:tailEnd/>
+              </a14:hiddenLine>
+            </a:ext>
+            <a:ext uri="{AF507438-7753-43E0-B8FC-AC1667EBCBE1}">
+              <a14:hiddenEffects xmlns:a14="http://schemas.microsoft.com/office/drawing/2010/main">
+                <a:effectLst>
+                  <a:outerShdw dist="35921" dir="2700000" algn="ctr" rotWithShape="0">
+                    <a:schemeClr val="bg2"/>
+                  </a:outerShdw>
+                </a:effectLst>
+              </a14:hiddenEffects>
+            </a:ext>
+          </a:extLst>
+        </p:spPr>
+      </p:pic>
+      <p:sp>
+        <p:nvSpPr>
+          <p:cNvPr id="2" name="TextBox 1"/>
+          <p:cNvSpPr txBox="1"/>
+          <p:nvPr/>
+        </p:nvSpPr>
+        <p:spPr>
+          <a:xfrm>
+            <a:off x="190095" y="3807425"/>
+            <a:ext cx="2232248" cy="369332"/>
+          </a:xfrm>
+          <a:prstGeom prst="rect">
+            <a:avLst/>
+          </a:prstGeom>
+          <a:noFill/>
+        </p:spPr>
+        <p:txBody>
+          <a:bodyPr wrap="square" rtlCol="0">
+            <a:spAutoFit/>
+          </a:bodyPr>
+          <a:lstStyle/>
+          <a:p>
+            <a:r>
+              <a:rPr lang="en-US" altLang="ko-KR" dirty="0" smtClean="0"/>
+              <a:t>example3</a:t>
+            </a:r>
+            <a:endParaRPr lang="ko-KR" altLang="en-US" dirty="0"/>
+          </a:p>
+        </p:txBody>
+      </p:sp>
+      <p:pic>
+        <p:nvPicPr>
+          <p:cNvPr id="9220" name="Picture 4"/>
+          <p:cNvPicPr>
+            <a:picLocks noChangeAspect="1" noChangeArrowheads="1"/>
+          </p:cNvPicPr>
+          <p:nvPr/>
+        </p:nvPicPr>
+        <p:blipFill>
+          <a:blip r:embed="rId4">
+            <a:extLst>
+              <a:ext uri="{28A0092B-C50C-407E-A947-70E740481C1C}">
+                <a14:useLocalDpi xmlns:a14="http://schemas.microsoft.com/office/drawing/2010/main" val="0"/>
+              </a:ext>
+            </a:extLst>
+          </a:blip>
+          <a:srcRect/>
+          <a:stretch>
+            <a:fillRect/>
+          </a:stretch>
+        </p:blipFill>
+        <p:spPr bwMode="auto">
+          <a:xfrm>
+            <a:off x="3851920" y="4606089"/>
+            <a:ext cx="5058244" cy="747961"/>
+          </a:xfrm>
+          <a:prstGeom prst="rect">
+            <a:avLst/>
+          </a:prstGeom>
+          <a:noFill/>
+          <a:ln>
+            <a:noFill/>
+          </a:ln>
+          <a:effectLst/>
+          <a:extLst>
+            <a:ext uri="{909E8E84-426E-40DD-AFC4-6F175D3DCCD1}">
+              <a14:hiddenFill xmlns:a14="http://schemas.microsoft.com/office/drawing/2010/main">
+                <a:solidFill>
+                  <a:schemeClr val="accent1"/>
+                </a:solidFill>
+              </a14:hiddenFill>
+            </a:ext>
+            <a:ext uri="{91240B29-F687-4F45-9708-019B960494DF}">
+              <a14:hiddenLine xmlns:a14="http://schemas.microsoft.com/office/drawing/2010/main" w="9525">
+                <a:solidFill>
+                  <a:schemeClr val="tx1"/>
+                </a:solidFill>
+                <a:miter lim="800000"/>
+                <a:headEnd/>
+                <a:tailEnd/>
+              </a14:hiddenLine>
+            </a:ext>
+            <a:ext uri="{AF507438-7753-43E0-B8FC-AC1667EBCBE1}">
+              <a14:hiddenEffects xmlns:a14="http://schemas.microsoft.com/office/drawing/2010/main">
+                <a:effectLst>
+                  <a:outerShdw dist="35921" dir="2700000" algn="ctr" rotWithShape="0">
+                    <a:schemeClr val="bg2"/>
+                  </a:outerShdw>
+                </a:effectLst>
+              </a14:hiddenEffects>
+            </a:ext>
+          </a:extLst>
+        </p:spPr>
+      </p:pic>
+      <p:sp>
+        <p:nvSpPr>
+          <p:cNvPr id="4" name="직사각형 3"/>
+          <p:cNvSpPr/>
+          <p:nvPr/>
+        </p:nvSpPr>
+        <p:spPr>
+          <a:xfrm>
+            <a:off x="611560" y="2646802"/>
+            <a:ext cx="3312368" cy="206134"/>
+          </a:xfrm>
+          <a:prstGeom prst="rect">
+            <a:avLst/>
+          </a:prstGeom>
+        </p:spPr>
+        <p:style>
+          <a:lnRef idx="2">
+            <a:schemeClr val="accent1">
+              <a:shade val="50000"/>
+            </a:schemeClr>
+          </a:lnRef>
+          <a:fillRef idx="1">
+            <a:schemeClr val="accent1"/>
+          </a:fillRef>
+          <a:effectRef idx="0">
+            <a:schemeClr val="accent1"/>
+          </a:effectRef>
+          <a:fontRef idx="minor">
+            <a:schemeClr val="lt1"/>
+          </a:fontRef>
+        </p:style>
+        <p:txBody>
+          <a:bodyPr rtlCol="0" anchor="ctr"/>
+          <a:lstStyle/>
+          <a:p>
+            <a:pPr algn="ctr"/>
+            <a:r>
+              <a:rPr lang="en-US" altLang="ko-KR" dirty="0" smtClean="0"/>
+              <a:t>2019xxxx</a:t>
+            </a:r>
+            <a:r>
+              <a:rPr lang="ko-KR" altLang="en-US" dirty="0" smtClean="0"/>
+              <a:t>학번만 입력 가능</a:t>
+            </a:r>
+            <a:endParaRPr lang="ko-KR" altLang="en-US" dirty="0"/>
+          </a:p>
+        </p:txBody>
+      </p:sp>
+    </p:spTree>
+    <p:extLst>
+      <p:ext uri="{BB962C8B-B14F-4D97-AF65-F5344CB8AC3E}">
+        <p14:creationId xmlns:p14="http://schemas.microsoft.com/office/powerpoint/2010/main" val="1809100270"/>
+      </p:ext>
+    </p:extLst>
+  </p:cSld>
+  <p:clrMapOvr>
+    <a:masterClrMapping/>
+  </p:clrMapOvr>
+  <p:timing>
+    <p:tnLst>
+      <p:par>
+        <p:cTn id="1" dur="indefinite" restart="never" nodeType="tmRoot"/>
+      </p:par>
+    </p:tnLst>
+  </p:timing>
+</p:sld>
+</file>
+
+<file path=ppt/slides/slide15.xml><?xml version="1.0" encoding="utf-8"?>
+<p:sld xmlns:a="http://schemas.openxmlformats.org/drawingml/2006/main" xmlns:r="http://schemas.openxmlformats.org/officeDocument/2006/relationships" xmlns:p="http://schemas.openxmlformats.org/presentationml/2006/main">
+  <p:cSld>
+    <p:spTree>
+      <p:nvGrpSpPr>
+        <p:cNvPr id="1" name=""/>
+        <p:cNvGrpSpPr/>
+        <p:nvPr/>
+      </p:nvGrpSpPr>
+      <p:grpSpPr>
+        <a:xfrm>
+          <a:off x="0" y="0"/>
+          <a:ext cx="0" cy="0"/>
+          <a:chOff x="0" y="0"/>
+          <a:chExt cx="0" cy="0"/>
+        </a:xfrm>
+      </p:grpSpPr>
+      <p:sp>
+        <p:nvSpPr>
+          <p:cNvPr id="9" name="부제목 2"/>
+          <p:cNvSpPr>
+            <a:spLocks noGrp="1"/>
+          </p:cNvSpPr>
+          <p:nvPr>
+            <p:ph type="subTitle" idx="1"/>
+          </p:nvPr>
+        </p:nvSpPr>
+        <p:spPr>
+          <a:xfrm>
+            <a:off x="1" y="131886"/>
+            <a:ext cx="7669091" cy="606671"/>
+          </a:xfrm>
+        </p:spPr>
+        <p:txBody>
+          <a:bodyPr>
+            <a:normAutofit fontScale="92500" lnSpcReduction="20000"/>
+          </a:bodyPr>
+          <a:lstStyle/>
+          <a:p>
+            <a:pPr algn="l"/>
+            <a:r>
+              <a:rPr lang="ko-KR" altLang="en-US" sz="4400" dirty="0" smtClean="0"/>
+              <a:t>답</a:t>
+            </a:r>
+            <a:endParaRPr lang="en-US" altLang="ko-KR" sz="4400" dirty="0"/>
+          </a:p>
+        </p:txBody>
+      </p:sp>
+      <p:pic>
+        <p:nvPicPr>
+          <p:cNvPr id="10242" name="Picture 2"/>
+          <p:cNvPicPr>
+            <a:picLocks noChangeAspect="1" noChangeArrowheads="1"/>
+          </p:cNvPicPr>
+          <p:nvPr/>
+        </p:nvPicPr>
+        <p:blipFill>
+          <a:blip r:embed="rId2">
+            <a:extLst>
+              <a:ext uri="{28A0092B-C50C-407E-A947-70E740481C1C}">
+                <a14:useLocalDpi xmlns:a14="http://schemas.microsoft.com/office/drawing/2010/main" val="0"/>
+              </a:ext>
+            </a:extLst>
+          </a:blip>
+          <a:srcRect/>
+          <a:stretch>
+            <a:fillRect/>
+          </a:stretch>
+        </p:blipFill>
+        <p:spPr bwMode="auto">
+          <a:xfrm>
+            <a:off x="1043608" y="188640"/>
+            <a:ext cx="6840760" cy="6372062"/>
+          </a:xfrm>
+          <a:prstGeom prst="rect">
+            <a:avLst/>
+          </a:prstGeom>
+          <a:noFill/>
+          <a:ln>
+            <a:noFill/>
+          </a:ln>
+          <a:effectLst/>
+          <a:extLst>
+            <a:ext uri="{909E8E84-426E-40DD-AFC4-6F175D3DCCD1}">
+              <a14:hiddenFill xmlns:a14="http://schemas.microsoft.com/office/drawing/2010/main">
+                <a:solidFill>
+                  <a:schemeClr val="accent1"/>
+                </a:solidFill>
+              </a14:hiddenFill>
+            </a:ext>
+            <a:ext uri="{91240B29-F687-4F45-9708-019B960494DF}">
+              <a14:hiddenLine xmlns:a14="http://schemas.microsoft.com/office/drawing/2010/main" w="9525">
+                <a:solidFill>
+                  <a:schemeClr val="tx1"/>
+                </a:solidFill>
+                <a:miter lim="800000"/>
+                <a:headEnd/>
+                <a:tailEnd/>
+              </a14:hiddenLine>
+            </a:ext>
+            <a:ext uri="{AF507438-7753-43E0-B8FC-AC1667EBCBE1}">
+              <a14:hiddenEffects xmlns:a14="http://schemas.microsoft.com/office/drawing/2010/main">
+                <a:effectLst>
+                  <a:outerShdw dist="35921" dir="2700000" algn="ctr" rotWithShape="0">
+                    <a:schemeClr val="bg2"/>
+                  </a:outerShdw>
+                </a:effectLst>
+              </a14:hiddenEffects>
+            </a:ext>
+          </a:extLst>
+        </p:spPr>
+      </p:pic>
+    </p:spTree>
+    <p:extLst>
+      <p:ext uri="{BB962C8B-B14F-4D97-AF65-F5344CB8AC3E}">
+        <p14:creationId xmlns:p14="http://schemas.microsoft.com/office/powerpoint/2010/main" val="676044317"/>
+      </p:ext>
+    </p:extLst>
+  </p:cSld>
+  <p:clrMapOvr>
+    <a:masterClrMapping/>
+  </p:clrMapOvr>
+  <p:timing>
+    <p:tnLst>
+      <p:par>
+        <p:cTn id="1" dur="indefinite" restart="never" nodeType="tmRoot"/>
+      </p:par>
+    </p:tnLst>
+  </p:timing>
+</p:sld>
+</file>
+
 <file path=ppt/slides/slide2.xml><?xml version="1.0" encoding="utf-8"?>
 <p:sld xmlns:a="http://schemas.openxmlformats.org/drawingml/2006/main" xmlns:r="http://schemas.openxmlformats.org/officeDocument/2006/relationships" xmlns:p="http://schemas.openxmlformats.org/presentationml/2006/main">
   <p:cSld>
@@ -3690,12 +5842,16 @@
               <a:t>Practice1 – </a:t>
             </a:r>
             <a:r>
-              <a:rPr lang="ko-KR" altLang="en-US" sz="3200" dirty="0" err="1" smtClean="0"/>
-              <a:t>자료형이</a:t>
+              <a:rPr lang="en-US" altLang="ko-KR" sz="3200" dirty="0" err="1" smtClean="0"/>
+              <a:t>printf</a:t>
+            </a:r>
+            <a:r>
+              <a:rPr lang="en-US" altLang="ko-KR" sz="3200" dirty="0" smtClean="0"/>
+              <a:t>()</a:t>
             </a:r>
             <a:r>
               <a:rPr lang="ko-KR" altLang="en-US" sz="3200" dirty="0" smtClean="0"/>
-              <a:t> 다른 변수를 사용해보자</a:t>
+              <a:t>를 사용해 보자</a:t>
             </a:r>
             <a:endParaRPr lang="en-US" altLang="ko-KR" sz="4400" dirty="0"/>
           </a:p>
@@ -3703,14 +5859,14 @@
       </p:sp>
       <p:sp>
         <p:nvSpPr>
-          <p:cNvPr id="12" name="TextBox 11"/>
+          <p:cNvPr id="14" name="TextBox 13"/>
           <p:cNvSpPr txBox="1"/>
           <p:nvPr/>
         </p:nvSpPr>
         <p:spPr>
           <a:xfrm>
-            <a:off x="187799" y="873339"/>
-            <a:ext cx="1157424" cy="584775"/>
+            <a:off x="179512" y="1268760"/>
+            <a:ext cx="1271111" cy="584775"/>
           </a:xfrm>
           <a:prstGeom prst="rect">
             <a:avLst/>
@@ -3724,12 +5880,20 @@
           <a:lstStyle/>
           <a:p>
             <a:r>
+              <a:rPr lang="en-US" altLang="ko-KR" sz="3200" dirty="0">
+                <a:solidFill>
+                  <a:srgbClr val="FFFFFF"/>
+                </a:solidFill>
+              </a:rPr>
+              <a:t>Main()</a:t>
+            </a:r>
+            <a:r>
               <a:rPr lang="ko-KR" altLang="en-US" sz="3200" dirty="0">
                 <a:solidFill>
                   <a:srgbClr val="FFFFFF"/>
                 </a:solidFill>
               </a:rPr>
-              <a:t>결과 </a:t>
+              <a:t> </a:t>
             </a:r>
             <a:endParaRPr lang="en-US" altLang="ko-KR" sz="3200" dirty="0">
               <a:solidFill>
@@ -3741,98 +5905,68 @@
       </p:sp>
       <p:pic>
         <p:nvPicPr>
-          <p:cNvPr id="2" name="그림 1"/>
+          <p:cNvPr id="1026" name="Picture 2"/>
           <p:cNvPicPr>
-            <a:picLocks noChangeAspect="1"/>
+            <a:picLocks noChangeAspect="1" noChangeArrowheads="1"/>
           </p:cNvPicPr>
           <p:nvPr/>
         </p:nvPicPr>
         <p:blipFill>
-          <a:blip r:embed="rId2"/>
+          <a:blip r:embed="rId2">
+            <a:extLst>
+              <a:ext uri="{28A0092B-C50C-407E-A947-70E740481C1C}">
+                <a14:useLocalDpi xmlns:a14="http://schemas.microsoft.com/office/drawing/2010/main" val="0"/>
+              </a:ext>
+            </a:extLst>
+          </a:blip>
+          <a:srcRect/>
           <a:stretch>
             <a:fillRect/>
           </a:stretch>
         </p:blipFill>
-        <p:spPr>
-          <a:xfrm>
-            <a:off x="4139952" y="738557"/>
-            <a:ext cx="4835423" cy="6120360"/>
-          </a:xfrm>
-          <a:prstGeom prst="rect">
-            <a:avLst/>
-          </a:prstGeom>
-        </p:spPr>
-      </p:pic>
-      <p:pic>
-        <p:nvPicPr>
-          <p:cNvPr id="6" name="그림 5"/>
-          <p:cNvPicPr>
-            <a:picLocks noChangeAspect="1"/>
-          </p:cNvPicPr>
-          <p:nvPr/>
-        </p:nvPicPr>
-        <p:blipFill>
-          <a:blip r:embed="rId3"/>
-          <a:stretch>
-            <a:fillRect/>
-          </a:stretch>
-        </p:blipFill>
-        <p:spPr>
-          <a:xfrm>
-            <a:off x="187799" y="1844824"/>
-            <a:ext cx="3270776" cy="1610420"/>
-          </a:xfrm>
-          <a:prstGeom prst="rect">
-            <a:avLst/>
-          </a:prstGeom>
-        </p:spPr>
-      </p:pic>
-      <p:sp>
-        <p:nvSpPr>
-          <p:cNvPr id="14" name="TextBox 13"/>
-          <p:cNvSpPr txBox="1"/>
-          <p:nvPr/>
-        </p:nvSpPr>
-        <p:spPr>
-          <a:xfrm>
-            <a:off x="7669092" y="762397"/>
-            <a:ext cx="1271111" cy="584775"/>
+        <p:spPr bwMode="auto">
+          <a:xfrm>
+            <a:off x="283140" y="1988840"/>
+            <a:ext cx="8345867" cy="2439561"/>
           </a:xfrm>
           <a:prstGeom prst="rect">
             <a:avLst/>
           </a:prstGeom>
           <a:noFill/>
-        </p:spPr>
-        <p:txBody>
-          <a:bodyPr wrap="square" rtlCol="0">
-            <a:spAutoFit/>
-          </a:bodyPr>
-          <a:lstStyle/>
-          <a:p>
-            <a:r>
-              <a:rPr lang="en-US" altLang="ko-KR" sz="3200" dirty="0">
-                <a:solidFill>
-                  <a:srgbClr val="FFFFFF"/>
-                </a:solidFill>
-              </a:rPr>
-              <a:t>Main()</a:t>
-            </a:r>
-            <a:r>
-              <a:rPr lang="ko-KR" altLang="en-US" sz="3200" dirty="0">
-                <a:solidFill>
-                  <a:srgbClr val="FFFFFF"/>
-                </a:solidFill>
-              </a:rPr>
-              <a:t> </a:t>
-            </a:r>
-            <a:endParaRPr lang="en-US" altLang="ko-KR" sz="3200" dirty="0">
-              <a:solidFill>
-                <a:srgbClr val="FFFFFF"/>
-              </a:solidFill>
-            </a:endParaRPr>
-          </a:p>
-        </p:txBody>
-      </p:sp>
+          <a:ln>
+            <a:noFill/>
+          </a:ln>
+          <a:effectLst/>
+          <a:extLst>
+            <a:ext uri="{909E8E84-426E-40DD-AFC4-6F175D3DCCD1}">
+              <a14:hiddenFill xmlns:a14="http://schemas.microsoft.com/office/drawing/2010/main">
+                <a:solidFill>
+                  <a:schemeClr val="accent1"/>
+                </a:solidFill>
+              </a14:hiddenFill>
+            </a:ext>
+            <a:ext uri="{91240B29-F687-4F45-9708-019B960494DF}">
+              <a14:hiddenLine xmlns:a14="http://schemas.microsoft.com/office/drawing/2010/main" w="9525">
+                <a:solidFill>
+                  <a:schemeClr val="tx1"/>
+                </a:solidFill>
+                <a:miter lim="800000"/>
+                <a:headEnd/>
+                <a:tailEnd/>
+              </a14:hiddenLine>
+            </a:ext>
+            <a:ext uri="{AF507438-7753-43E0-B8FC-AC1667EBCBE1}">
+              <a14:hiddenEffects xmlns:a14="http://schemas.microsoft.com/office/drawing/2010/main">
+                <a:effectLst>
+                  <a:outerShdw dist="35921" dir="2700000" algn="ctr" rotWithShape="0">
+                    <a:schemeClr val="bg2"/>
+                  </a:outerShdw>
+                </a:effectLst>
+              </a14:hiddenEffects>
+            </a:ext>
+          </a:extLst>
+        </p:spPr>
+      </p:pic>
     </p:spTree>
     <p:extLst>
       <p:ext uri="{BB962C8B-B14F-4D97-AF65-F5344CB8AC3E}">
@@ -3895,15 +6029,19 @@
             <a:pPr algn="l"/>
             <a:r>
               <a:rPr lang="en-US" altLang="ko-KR" sz="3200" dirty="0" smtClean="0"/>
-              <a:t>Practice2 – </a:t>
-            </a:r>
-            <a:r>
-              <a:rPr lang="ko-KR" altLang="en-US" sz="3200" dirty="0" err="1" smtClean="0"/>
-              <a:t>자료형이</a:t>
+              <a:t>Practice1 – </a:t>
+            </a:r>
+            <a:r>
+              <a:rPr lang="en-US" altLang="ko-KR" sz="3200" dirty="0" err="1" smtClean="0"/>
+              <a:t>printf</a:t>
+            </a:r>
+            <a:r>
+              <a:rPr lang="en-US" altLang="ko-KR" sz="3200" dirty="0" smtClean="0"/>
+              <a:t>()</a:t>
             </a:r>
             <a:r>
               <a:rPr lang="ko-KR" altLang="en-US" sz="3200" dirty="0" smtClean="0"/>
-              <a:t> 다른 변수를 사용해보자</a:t>
+              <a:t>를 사용해 보자</a:t>
             </a:r>
             <a:endParaRPr lang="en-US" altLang="ko-KR" sz="4400" dirty="0"/>
           </a:p>
@@ -3911,14 +6049,14 @@
       </p:sp>
       <p:sp>
         <p:nvSpPr>
-          <p:cNvPr id="12" name="TextBox 11"/>
+          <p:cNvPr id="14" name="TextBox 13"/>
           <p:cNvSpPr txBox="1"/>
           <p:nvPr/>
         </p:nvSpPr>
         <p:spPr>
           <a:xfrm>
-            <a:off x="187799" y="873339"/>
-            <a:ext cx="1157424" cy="584775"/>
+            <a:off x="179512" y="1268760"/>
+            <a:ext cx="1271111" cy="584775"/>
           </a:xfrm>
           <a:prstGeom prst="rect">
             <a:avLst/>
@@ -3932,12 +6070,20 @@
           <a:lstStyle/>
           <a:p>
             <a:r>
+              <a:rPr lang="en-US" altLang="ko-KR" sz="3200" dirty="0">
+                <a:solidFill>
+                  <a:srgbClr val="FFFFFF"/>
+                </a:solidFill>
+              </a:rPr>
+              <a:t>Main()</a:t>
+            </a:r>
+            <a:r>
               <a:rPr lang="ko-KR" altLang="en-US" sz="3200" dirty="0">
                 <a:solidFill>
                   <a:srgbClr val="FFFFFF"/>
                 </a:solidFill>
               </a:rPr>
-              <a:t>결과 </a:t>
+              <a:t> </a:t>
             </a:r>
             <a:endParaRPr lang="en-US" altLang="ko-KR" sz="3200" dirty="0">
               <a:solidFill>
@@ -3949,102 +6095,364 @@
       </p:sp>
       <p:pic>
         <p:nvPicPr>
-          <p:cNvPr id="3" name="그림 2"/>
+          <p:cNvPr id="1026" name="Picture 2"/>
           <p:cNvPicPr>
-            <a:picLocks noChangeAspect="1"/>
+            <a:picLocks noChangeAspect="1" noChangeArrowheads="1"/>
           </p:cNvPicPr>
           <p:nvPr/>
         </p:nvPicPr>
         <p:blipFill>
-          <a:blip r:embed="rId2"/>
+          <a:blip r:embed="rId2">
+            <a:extLst>
+              <a:ext uri="{28A0092B-C50C-407E-A947-70E740481C1C}">
+                <a14:useLocalDpi xmlns:a14="http://schemas.microsoft.com/office/drawing/2010/main" val="0"/>
+              </a:ext>
+            </a:extLst>
+          </a:blip>
+          <a:srcRect/>
           <a:stretch>
             <a:fillRect/>
           </a:stretch>
         </p:blipFill>
-        <p:spPr>
-          <a:xfrm>
-            <a:off x="3707904" y="692696"/>
-            <a:ext cx="5347223" cy="5878724"/>
-          </a:xfrm>
-          <a:prstGeom prst="rect">
-            <a:avLst/>
-          </a:prstGeom>
-        </p:spPr>
-      </p:pic>
-      <p:sp>
-        <p:nvSpPr>
-          <p:cNvPr id="8" name="TextBox 7"/>
-          <p:cNvSpPr txBox="1"/>
-          <p:nvPr/>
-        </p:nvSpPr>
-        <p:spPr>
-          <a:xfrm>
-            <a:off x="7669092" y="762397"/>
-            <a:ext cx="1271111" cy="584775"/>
+        <p:spPr bwMode="auto">
+          <a:xfrm>
+            <a:off x="283140" y="1988840"/>
+            <a:ext cx="8345867" cy="2439561"/>
           </a:xfrm>
           <a:prstGeom prst="rect">
             <a:avLst/>
           </a:prstGeom>
           <a:noFill/>
-        </p:spPr>
-        <p:txBody>
-          <a:bodyPr wrap="square" rtlCol="0">
-            <a:spAutoFit/>
-          </a:bodyPr>
-          <a:lstStyle/>
-          <a:p>
-            <a:r>
-              <a:rPr lang="en-US" altLang="ko-KR" sz="3200" dirty="0">
-                <a:solidFill>
-                  <a:srgbClr val="FFFFFF"/>
-                </a:solidFill>
-              </a:rPr>
-              <a:t>Main()</a:t>
-            </a:r>
-            <a:r>
-              <a:rPr lang="ko-KR" altLang="en-US" sz="3200" dirty="0">
-                <a:solidFill>
-                  <a:srgbClr val="FFFFFF"/>
-                </a:solidFill>
-              </a:rPr>
-              <a:t> </a:t>
-            </a:r>
-            <a:endParaRPr lang="en-US" altLang="ko-KR" sz="3200" dirty="0">
-              <a:solidFill>
-                <a:srgbClr val="FFFFFF"/>
-              </a:solidFill>
-            </a:endParaRPr>
-          </a:p>
-        </p:txBody>
-      </p:sp>
-      <p:pic>
-        <p:nvPicPr>
-          <p:cNvPr id="4" name="그림 3"/>
-          <p:cNvPicPr>
-            <a:picLocks noChangeAspect="1"/>
-          </p:cNvPicPr>
+          <a:ln>
+            <a:noFill/>
+          </a:ln>
+          <a:effectLst/>
+          <a:extLst>
+            <a:ext uri="{909E8E84-426E-40DD-AFC4-6F175D3DCCD1}">
+              <a14:hiddenFill xmlns:a14="http://schemas.microsoft.com/office/drawing/2010/main">
+                <a:solidFill>
+                  <a:schemeClr val="accent1"/>
+                </a:solidFill>
+              </a14:hiddenFill>
+            </a:ext>
+            <a:ext uri="{91240B29-F687-4F45-9708-019B960494DF}">
+              <a14:hiddenLine xmlns:a14="http://schemas.microsoft.com/office/drawing/2010/main" w="9525">
+                <a:solidFill>
+                  <a:schemeClr val="tx1"/>
+                </a:solidFill>
+                <a:miter lim="800000"/>
+                <a:headEnd/>
+                <a:tailEnd/>
+              </a14:hiddenLine>
+            </a:ext>
+            <a:ext uri="{AF507438-7753-43E0-B8FC-AC1667EBCBE1}">
+              <a14:hiddenEffects xmlns:a14="http://schemas.microsoft.com/office/drawing/2010/main">
+                <a:effectLst>
+                  <a:outerShdw dist="35921" dir="2700000" algn="ctr" rotWithShape="0">
+                    <a:schemeClr val="bg2"/>
+                  </a:outerShdw>
+                </a:effectLst>
+              </a14:hiddenEffects>
+            </a:ext>
+          </a:extLst>
+        </p:spPr>
+      </p:pic>
+      <p:cxnSp>
+        <p:nvCxnSpPr>
+          <p:cNvPr id="13" name="직선 화살표 연결선 12"/>
+          <p:cNvCxnSpPr/>
           <p:nvPr/>
-        </p:nvPicPr>
-        <p:blipFill>
-          <a:blip r:embed="rId3"/>
-          <a:stretch>
-            <a:fillRect/>
-          </a:stretch>
-        </p:blipFill>
+        </p:nvCxnSpPr>
         <p:spPr>
           <a:xfrm>
-            <a:off x="109286" y="1458114"/>
-            <a:ext cx="3463674" cy="2258918"/>
-          </a:xfrm>
-          <a:prstGeom prst="rect">
+            <a:off x="2339752" y="2924944"/>
+            <a:ext cx="0" cy="283676"/>
+          </a:xfrm>
+          <a:prstGeom prst="straightConnector1">
             <a:avLst/>
           </a:prstGeom>
-        </p:spPr>
-      </p:pic>
+          <a:ln>
+            <a:solidFill>
+              <a:srgbClr val="FF0000"/>
+            </a:solidFill>
+            <a:tailEnd type="arrow"/>
+          </a:ln>
+        </p:spPr>
+        <p:style>
+          <a:lnRef idx="1">
+            <a:schemeClr val="accent1"/>
+          </a:lnRef>
+          <a:fillRef idx="0">
+            <a:schemeClr val="accent1"/>
+          </a:fillRef>
+          <a:effectRef idx="0">
+            <a:schemeClr val="accent1"/>
+          </a:effectRef>
+          <a:fontRef idx="minor">
+            <a:schemeClr val="tx1"/>
+          </a:fontRef>
+        </p:style>
+      </p:cxnSp>
+      <p:cxnSp>
+        <p:nvCxnSpPr>
+          <p:cNvPr id="16" name="꺾인 연결선 15"/>
+          <p:cNvCxnSpPr/>
+          <p:nvPr/>
+        </p:nvCxnSpPr>
+        <p:spPr>
+          <a:xfrm>
+            <a:off x="2339752" y="2924944"/>
+            <a:ext cx="4248472" cy="283676"/>
+          </a:xfrm>
+          <a:prstGeom prst="bentConnector3">
+            <a:avLst>
+              <a:gd name="adj1" fmla="val 100090"/>
+            </a:avLst>
+          </a:prstGeom>
+          <a:ln>
+            <a:solidFill>
+              <a:srgbClr val="FF0000"/>
+            </a:solidFill>
+          </a:ln>
+        </p:spPr>
+        <p:style>
+          <a:lnRef idx="1">
+            <a:schemeClr val="accent1"/>
+          </a:lnRef>
+          <a:fillRef idx="0">
+            <a:schemeClr val="accent1"/>
+          </a:fillRef>
+          <a:effectRef idx="0">
+            <a:schemeClr val="accent1"/>
+          </a:effectRef>
+          <a:fontRef idx="minor">
+            <a:schemeClr val="tx1"/>
+          </a:fontRef>
+        </p:style>
+      </p:cxnSp>
+      <p:cxnSp>
+        <p:nvCxnSpPr>
+          <p:cNvPr id="19" name="꺾인 연결선 18"/>
+          <p:cNvCxnSpPr/>
+          <p:nvPr/>
+        </p:nvCxnSpPr>
+        <p:spPr>
+          <a:xfrm>
+            <a:off x="4211960" y="2780928"/>
+            <a:ext cx="3240360" cy="427692"/>
+          </a:xfrm>
+          <a:prstGeom prst="bentConnector3">
+            <a:avLst>
+              <a:gd name="adj1" fmla="val 99768"/>
+            </a:avLst>
+          </a:prstGeom>
+          <a:ln>
+            <a:solidFill>
+              <a:srgbClr val="FF0000"/>
+            </a:solidFill>
+          </a:ln>
+        </p:spPr>
+        <p:style>
+          <a:lnRef idx="1">
+            <a:schemeClr val="accent1"/>
+          </a:lnRef>
+          <a:fillRef idx="0">
+            <a:schemeClr val="accent1"/>
+          </a:fillRef>
+          <a:effectRef idx="0">
+            <a:schemeClr val="accent1"/>
+          </a:effectRef>
+          <a:fontRef idx="minor">
+            <a:schemeClr val="tx1"/>
+          </a:fontRef>
+        </p:style>
+      </p:cxnSp>
+      <p:cxnSp>
+        <p:nvCxnSpPr>
+          <p:cNvPr id="22" name="직선 화살표 연결선 21"/>
+          <p:cNvCxnSpPr/>
+          <p:nvPr/>
+        </p:nvCxnSpPr>
+        <p:spPr>
+          <a:xfrm>
+            <a:off x="4211960" y="2780928"/>
+            <a:ext cx="0" cy="427692"/>
+          </a:xfrm>
+          <a:prstGeom prst="straightConnector1">
+            <a:avLst/>
+          </a:prstGeom>
+          <a:ln>
+            <a:solidFill>
+              <a:srgbClr val="FF0000"/>
+            </a:solidFill>
+            <a:tailEnd type="arrow"/>
+          </a:ln>
+        </p:spPr>
+        <p:style>
+          <a:lnRef idx="1">
+            <a:schemeClr val="accent1"/>
+          </a:lnRef>
+          <a:fillRef idx="0">
+            <a:schemeClr val="accent1"/>
+          </a:fillRef>
+          <a:effectRef idx="0">
+            <a:schemeClr val="accent1"/>
+          </a:effectRef>
+          <a:fontRef idx="minor">
+            <a:schemeClr val="tx1"/>
+          </a:fontRef>
+        </p:style>
+      </p:cxnSp>
+      <p:cxnSp>
+        <p:nvCxnSpPr>
+          <p:cNvPr id="26" name="직선 화살표 연결선 25"/>
+          <p:cNvCxnSpPr/>
+          <p:nvPr/>
+        </p:nvCxnSpPr>
+        <p:spPr>
+          <a:xfrm flipV="1">
+            <a:off x="2843808" y="3429000"/>
+            <a:ext cx="0" cy="288032"/>
+          </a:xfrm>
+          <a:prstGeom prst="straightConnector1">
+            <a:avLst/>
+          </a:prstGeom>
+          <a:ln>
+            <a:solidFill>
+              <a:srgbClr val="FF0000"/>
+            </a:solidFill>
+            <a:tailEnd type="arrow"/>
+          </a:ln>
+        </p:spPr>
+        <p:style>
+          <a:lnRef idx="1">
+            <a:schemeClr val="accent1"/>
+          </a:lnRef>
+          <a:fillRef idx="0">
+            <a:schemeClr val="accent1"/>
+          </a:fillRef>
+          <a:effectRef idx="0">
+            <a:schemeClr val="accent1"/>
+          </a:effectRef>
+          <a:fontRef idx="minor">
+            <a:schemeClr val="tx1"/>
+          </a:fontRef>
+        </p:style>
+      </p:cxnSp>
+      <p:cxnSp>
+        <p:nvCxnSpPr>
+          <p:cNvPr id="28" name="직선 화살표 연결선 27"/>
+          <p:cNvCxnSpPr/>
+          <p:nvPr/>
+        </p:nvCxnSpPr>
+        <p:spPr>
+          <a:xfrm flipV="1">
+            <a:off x="5508104" y="3429000"/>
+            <a:ext cx="0" cy="432048"/>
+          </a:xfrm>
+          <a:prstGeom prst="straightConnector1">
+            <a:avLst/>
+          </a:prstGeom>
+          <a:ln>
+            <a:solidFill>
+              <a:srgbClr val="FF0000"/>
+            </a:solidFill>
+            <a:tailEnd type="arrow"/>
+          </a:ln>
+        </p:spPr>
+        <p:style>
+          <a:lnRef idx="1">
+            <a:schemeClr val="accent1"/>
+          </a:lnRef>
+          <a:fillRef idx="0">
+            <a:schemeClr val="accent1"/>
+          </a:fillRef>
+          <a:effectRef idx="0">
+            <a:schemeClr val="accent1"/>
+          </a:effectRef>
+          <a:fontRef idx="minor">
+            <a:schemeClr val="tx1"/>
+          </a:fontRef>
+        </p:style>
+      </p:cxnSp>
+      <p:cxnSp>
+        <p:nvCxnSpPr>
+          <p:cNvPr id="1024" name="꺾인 연결선 1023"/>
+          <p:cNvCxnSpPr/>
+          <p:nvPr/>
+        </p:nvCxnSpPr>
+        <p:spPr>
+          <a:xfrm flipV="1">
+            <a:off x="2843808" y="3429000"/>
+            <a:ext cx="4032448" cy="288032"/>
+          </a:xfrm>
+          <a:prstGeom prst="bentConnector3">
+            <a:avLst>
+              <a:gd name="adj1" fmla="val 99887"/>
+            </a:avLst>
+          </a:prstGeom>
+          <a:ln>
+            <a:solidFill>
+              <a:srgbClr val="FF0000"/>
+            </a:solidFill>
+          </a:ln>
+        </p:spPr>
+        <p:style>
+          <a:lnRef idx="1">
+            <a:schemeClr val="accent1"/>
+          </a:lnRef>
+          <a:fillRef idx="0">
+            <a:schemeClr val="accent1"/>
+          </a:fillRef>
+          <a:effectRef idx="0">
+            <a:schemeClr val="accent1"/>
+          </a:effectRef>
+          <a:fontRef idx="minor">
+            <a:schemeClr val="tx1"/>
+          </a:fontRef>
+        </p:style>
+      </p:cxnSp>
+      <p:cxnSp>
+        <p:nvCxnSpPr>
+          <p:cNvPr id="1028" name="꺾인 연결선 1027"/>
+          <p:cNvCxnSpPr/>
+          <p:nvPr/>
+        </p:nvCxnSpPr>
+        <p:spPr>
+          <a:xfrm flipV="1">
+            <a:off x="5508104" y="3429000"/>
+            <a:ext cx="2664296" cy="432048"/>
+          </a:xfrm>
+          <a:prstGeom prst="bentConnector3">
+            <a:avLst>
+              <a:gd name="adj1" fmla="val 99921"/>
+            </a:avLst>
+          </a:prstGeom>
+          <a:ln>
+            <a:solidFill>
+              <a:srgbClr val="FF0000"/>
+            </a:solidFill>
+          </a:ln>
+        </p:spPr>
+        <p:style>
+          <a:lnRef idx="1">
+            <a:schemeClr val="accent1"/>
+          </a:lnRef>
+          <a:fillRef idx="0">
+            <a:schemeClr val="accent1"/>
+          </a:fillRef>
+          <a:effectRef idx="0">
+            <a:schemeClr val="accent1"/>
+          </a:effectRef>
+          <a:fontRef idx="minor">
+            <a:schemeClr val="tx1"/>
+          </a:fontRef>
+        </p:style>
+      </p:cxnSp>
     </p:spTree>
     <p:extLst>
       <p:ext uri="{BB962C8B-B14F-4D97-AF65-F5344CB8AC3E}">
-        <p14:creationId xmlns:p14="http://schemas.microsoft.com/office/powerpoint/2010/main" val="2945314297"/>
+        <p14:creationId xmlns:p14="http://schemas.microsoft.com/office/powerpoint/2010/main" val="3276850888"/>
       </p:ext>
     </p:extLst>
   </p:cSld>
@@ -4096,18 +6504,22 @@
         </p:spPr>
         <p:txBody>
           <a:bodyPr>
-            <a:normAutofit fontScale="92500" lnSpcReduction="20000"/>
+            <a:normAutofit/>
           </a:bodyPr>
           <a:lstStyle/>
           <a:p>
             <a:pPr algn="l"/>
             <a:r>
-              <a:rPr lang="ko-KR" altLang="en-US" sz="4400" dirty="0" smtClean="0"/>
-              <a:t>왜 그럴까</a:t>
-            </a:r>
-            <a:r>
-              <a:rPr lang="en-US" altLang="ko-KR" sz="4400" dirty="0" smtClean="0"/>
-              <a:t>?</a:t>
+              <a:rPr lang="en-US" altLang="ko-KR" sz="3200" dirty="0" smtClean="0"/>
+              <a:t>Practice2 – </a:t>
+            </a:r>
+            <a:r>
+              <a:rPr lang="ko-KR" altLang="en-US" sz="3200" dirty="0" smtClean="0"/>
+              <a:t>다양한 변수</a:t>
+            </a:r>
+            <a:r>
+              <a:rPr lang="ko-KR" altLang="en-US" sz="3200" dirty="0" smtClean="0"/>
+              <a:t>를 사용해 보자</a:t>
             </a:r>
             <a:endParaRPr lang="en-US" altLang="ko-KR" sz="4400" dirty="0"/>
           </a:p>
@@ -4115,14 +6527,14 @@
       </p:sp>
       <p:sp>
         <p:nvSpPr>
-          <p:cNvPr id="11" name="TextBox 10"/>
+          <p:cNvPr id="14" name="TextBox 13"/>
           <p:cNvSpPr txBox="1"/>
           <p:nvPr/>
         </p:nvSpPr>
         <p:spPr>
           <a:xfrm>
-            <a:off x="467544" y="738557"/>
-            <a:ext cx="6624736" cy="584775"/>
+            <a:off x="179512" y="1268760"/>
+            <a:ext cx="1271111" cy="584775"/>
           </a:xfrm>
           <a:prstGeom prst="rect">
             <a:avLst/>
@@ -4136,28 +6548,20 @@
           <a:lstStyle/>
           <a:p>
             <a:r>
-              <a:rPr lang="en-US" altLang="ko-KR" sz="3200" dirty="0" smtClean="0">
+              <a:rPr lang="en-US" altLang="ko-KR" sz="3200" dirty="0">
                 <a:solidFill>
                   <a:srgbClr val="FFFFFF"/>
                 </a:solidFill>
               </a:rPr>
-              <a:t>=&gt;</a:t>
-            </a:r>
-            <a:r>
-              <a:rPr lang="ko-KR" altLang="en-US" sz="3200" dirty="0" err="1" smtClean="0">
+              <a:t>Main()</a:t>
+            </a:r>
+            <a:r>
+              <a:rPr lang="ko-KR" altLang="en-US" sz="3200" dirty="0">
                 <a:solidFill>
                   <a:srgbClr val="FFFFFF"/>
                 </a:solidFill>
               </a:rPr>
-              <a:t>자료형에</a:t>
-            </a:r>
-            <a:r>
-              <a:rPr lang="ko-KR" altLang="en-US" sz="3200" dirty="0" smtClean="0">
-                <a:solidFill>
-                  <a:srgbClr val="FFFFFF"/>
-                </a:solidFill>
-              </a:rPr>
-              <a:t> 따른 데이터 저장 방법의 차이</a:t>
+              <a:t> </a:t>
             </a:r>
             <a:endParaRPr lang="en-US" altLang="ko-KR" sz="3200" dirty="0">
               <a:solidFill>
@@ -4167,55 +6571,9 @@
           </a:p>
         </p:txBody>
       </p:sp>
-      <p:sp>
-        <p:nvSpPr>
-          <p:cNvPr id="3" name="TextBox 2"/>
-          <p:cNvSpPr txBox="1"/>
-          <p:nvPr/>
-        </p:nvSpPr>
-        <p:spPr>
-          <a:xfrm>
-            <a:off x="971600" y="1484784"/>
-            <a:ext cx="3744416" cy="369332"/>
-          </a:xfrm>
-          <a:prstGeom prst="rect">
-            <a:avLst/>
-          </a:prstGeom>
-          <a:noFill/>
-        </p:spPr>
-        <p:txBody>
-          <a:bodyPr wrap="square" rtlCol="0">
-            <a:spAutoFit/>
-          </a:bodyPr>
-          <a:lstStyle/>
-          <a:p>
-            <a:r>
-              <a:rPr lang="en-US" altLang="ko-KR" dirty="0" smtClean="0"/>
-              <a:t>97(10</a:t>
-            </a:r>
-            <a:r>
-              <a:rPr lang="ko-KR" altLang="en-US" dirty="0" smtClean="0"/>
-              <a:t>진수</a:t>
-            </a:r>
-            <a:r>
-              <a:rPr lang="en-US" altLang="ko-KR" dirty="0" smtClean="0"/>
-              <a:t>)=1100001(2</a:t>
-            </a:r>
-            <a:r>
-              <a:rPr lang="ko-KR" altLang="en-US" dirty="0" smtClean="0"/>
-              <a:t>진수</a:t>
-            </a:r>
-            <a:r>
-              <a:rPr lang="en-US" altLang="ko-KR" dirty="0" smtClean="0"/>
-              <a:t>)</a:t>
-            </a:r>
-            <a:endParaRPr lang="ko-KR" altLang="en-US" dirty="0"/>
-          </a:p>
-        </p:txBody>
-      </p:sp>
       <p:pic>
         <p:nvPicPr>
-          <p:cNvPr id="17" name="Picture 2"/>
+          <p:cNvPr id="6" name="Picture 2"/>
           <p:cNvPicPr>
             <a:picLocks noChangeAspect="1" noChangeArrowheads="1"/>
           </p:cNvPicPr>
@@ -4236,8 +6594,8 @@
         </p:blipFill>
         <p:spPr bwMode="auto">
           <a:xfrm>
-            <a:off x="683568" y="2276872"/>
-            <a:ext cx="2304256" cy="3857686"/>
+            <a:off x="199158" y="2060848"/>
+            <a:ext cx="8476702" cy="2808312"/>
           </a:xfrm>
           <a:prstGeom prst="rect">
             <a:avLst/>
@@ -4277,840 +6635,10 @@
           </a:extLst>
         </p:spPr>
       </p:pic>
-      <p:pic>
-        <p:nvPicPr>
-          <p:cNvPr id="18" name="Picture 2"/>
-          <p:cNvPicPr>
-            <a:picLocks noChangeAspect="1" noChangeArrowheads="1"/>
-          </p:cNvPicPr>
-          <p:nvPr/>
-        </p:nvPicPr>
-        <p:blipFill>
-          <a:blip r:embed="rId3">
-            <a:extLst>
-              <a:ext uri="{28A0092B-C50C-407E-A947-70E740481C1C}">
-                <a14:useLocalDpi xmlns:a14="http://schemas.microsoft.com/office/drawing/2010/main" val="0"/>
-              </a:ext>
-            </a:extLst>
-          </a:blip>
-          <a:srcRect/>
-          <a:stretch>
-            <a:fillRect/>
-          </a:stretch>
-        </p:blipFill>
-        <p:spPr bwMode="auto">
-          <a:xfrm>
-            <a:off x="6084168" y="2204864"/>
-            <a:ext cx="2203841" cy="1728192"/>
-          </a:xfrm>
-          <a:prstGeom prst="rect">
-            <a:avLst/>
-          </a:prstGeom>
-          <a:noFill/>
-          <a:ln>
-            <a:noFill/>
-          </a:ln>
-          <a:effectLst/>
-          <a:extLst>
-            <a:ext uri="{909E8E84-426E-40DD-AFC4-6F175D3DCCD1}">
-              <a14:hiddenFill xmlns:a14="http://schemas.microsoft.com/office/drawing/2010/main">
-                <a:solidFill>
-                  <a:schemeClr val="accent1"/>
-                </a:solidFill>
-              </a14:hiddenFill>
-            </a:ext>
-            <a:ext uri="{91240B29-F687-4F45-9708-019B960494DF}">
-              <a14:hiddenLine xmlns:a14="http://schemas.microsoft.com/office/drawing/2010/main" w="9525">
-                <a:solidFill>
-                  <a:schemeClr val="tx1"/>
-                </a:solidFill>
-                <a:miter lim="800000"/>
-                <a:headEnd/>
-                <a:tailEnd/>
-              </a14:hiddenLine>
-            </a:ext>
-            <a:ext uri="{AF507438-7753-43E0-B8FC-AC1667EBCBE1}">
-              <a14:hiddenEffects xmlns:a14="http://schemas.microsoft.com/office/drawing/2010/main">
-                <a:effectLst>
-                  <a:outerShdw dist="35921" dir="2700000" algn="ctr" rotWithShape="0">
-                    <a:schemeClr val="bg2"/>
-                  </a:outerShdw>
-                </a:effectLst>
-              </a14:hiddenEffects>
-            </a:ext>
-          </a:extLst>
-        </p:spPr>
-      </p:pic>
-      <p:sp>
-        <p:nvSpPr>
-          <p:cNvPr id="4" name="직사각형 3"/>
-          <p:cNvSpPr/>
-          <p:nvPr/>
-        </p:nvSpPr>
-        <p:spPr>
-          <a:xfrm>
-            <a:off x="4244389" y="2283303"/>
-            <a:ext cx="583214" cy="335314"/>
-          </a:xfrm>
-          <a:prstGeom prst="rect">
-            <a:avLst/>
-          </a:prstGeom>
-        </p:spPr>
-        <p:style>
-          <a:lnRef idx="2">
-            <a:schemeClr val="accent1">
-              <a:shade val="50000"/>
-            </a:schemeClr>
-          </a:lnRef>
-          <a:fillRef idx="1">
-            <a:schemeClr val="accent1"/>
-          </a:fillRef>
-          <a:effectRef idx="0">
-            <a:schemeClr val="accent1"/>
-          </a:effectRef>
-          <a:fontRef idx="minor">
-            <a:schemeClr val="lt1"/>
-          </a:fontRef>
-        </p:style>
-        <p:txBody>
-          <a:bodyPr rtlCol="0" anchor="ctr"/>
-          <a:lstStyle/>
-          <a:p>
-            <a:pPr algn="ctr"/>
-            <a:r>
-              <a:rPr lang="en-US" altLang="ko-KR" dirty="0" smtClean="0"/>
-              <a:t>%d</a:t>
-            </a:r>
-            <a:endParaRPr lang="ko-KR" altLang="en-US" dirty="0"/>
-          </a:p>
-        </p:txBody>
-      </p:sp>
-      <p:sp>
-        <p:nvSpPr>
-          <p:cNvPr id="6" name="오른쪽 화살표 5"/>
-          <p:cNvSpPr/>
-          <p:nvPr/>
-        </p:nvSpPr>
-        <p:spPr>
-          <a:xfrm>
-            <a:off x="3203848" y="2348880"/>
-            <a:ext cx="936104" cy="167657"/>
-          </a:xfrm>
-          <a:prstGeom prst="rightArrow">
-            <a:avLst/>
-          </a:prstGeom>
-        </p:spPr>
-        <p:style>
-          <a:lnRef idx="2">
-            <a:schemeClr val="accent1">
-              <a:shade val="50000"/>
-            </a:schemeClr>
-          </a:lnRef>
-          <a:fillRef idx="1">
-            <a:schemeClr val="accent1"/>
-          </a:fillRef>
-          <a:effectRef idx="0">
-            <a:schemeClr val="accent1"/>
-          </a:effectRef>
-          <a:fontRef idx="minor">
-            <a:schemeClr val="lt1"/>
-          </a:fontRef>
-        </p:style>
-        <p:txBody>
-          <a:bodyPr rtlCol="0" anchor="ctr"/>
-          <a:lstStyle/>
-          <a:p>
-            <a:pPr algn="ctr"/>
-            <a:endParaRPr lang="ko-KR" altLang="en-US"/>
-          </a:p>
-        </p:txBody>
-      </p:sp>
-      <p:sp>
-        <p:nvSpPr>
-          <p:cNvPr id="19" name="오른쪽 화살표 18"/>
-          <p:cNvSpPr/>
-          <p:nvPr/>
-        </p:nvSpPr>
-        <p:spPr>
-          <a:xfrm>
-            <a:off x="5004048" y="2358116"/>
-            <a:ext cx="936104" cy="167657"/>
-          </a:xfrm>
-          <a:prstGeom prst="rightArrow">
-            <a:avLst/>
-          </a:prstGeom>
-        </p:spPr>
-        <p:style>
-          <a:lnRef idx="2">
-            <a:schemeClr val="accent1">
-              <a:shade val="50000"/>
-            </a:schemeClr>
-          </a:lnRef>
-          <a:fillRef idx="1">
-            <a:schemeClr val="accent1"/>
-          </a:fillRef>
-          <a:effectRef idx="0">
-            <a:schemeClr val="accent1"/>
-          </a:effectRef>
-          <a:fontRef idx="minor">
-            <a:schemeClr val="lt1"/>
-          </a:fontRef>
-        </p:style>
-        <p:txBody>
-          <a:bodyPr rtlCol="0" anchor="ctr"/>
-          <a:lstStyle/>
-          <a:p>
-            <a:pPr algn="ctr"/>
-            <a:endParaRPr lang="ko-KR" altLang="en-US"/>
-          </a:p>
-        </p:txBody>
-      </p:sp>
-      <p:sp>
-        <p:nvSpPr>
-          <p:cNvPr id="7" name="TextBox 6"/>
-          <p:cNvSpPr txBox="1"/>
-          <p:nvPr/>
-        </p:nvSpPr>
-        <p:spPr>
-          <a:xfrm>
-            <a:off x="3347864" y="1988840"/>
-            <a:ext cx="648072" cy="369332"/>
-          </a:xfrm>
-          <a:prstGeom prst="rect">
-            <a:avLst/>
-          </a:prstGeom>
-          <a:noFill/>
-        </p:spPr>
-        <p:txBody>
-          <a:bodyPr wrap="square" rtlCol="0">
-            <a:spAutoFit/>
-          </a:bodyPr>
-          <a:lstStyle/>
-          <a:p>
-            <a:r>
-              <a:rPr lang="en-US" altLang="ko-KR" dirty="0" smtClean="0"/>
-              <a:t>97</a:t>
-            </a:r>
-            <a:endParaRPr lang="ko-KR" altLang="en-US" dirty="0"/>
-          </a:p>
-        </p:txBody>
-      </p:sp>
-      <p:sp>
-        <p:nvSpPr>
-          <p:cNvPr id="20" name="TextBox 19"/>
-          <p:cNvSpPr txBox="1"/>
-          <p:nvPr/>
-        </p:nvSpPr>
-        <p:spPr>
-          <a:xfrm>
-            <a:off x="4923357" y="1988840"/>
-            <a:ext cx="1065057" cy="369332"/>
-          </a:xfrm>
-          <a:prstGeom prst="rect">
-            <a:avLst/>
-          </a:prstGeom>
-          <a:noFill/>
-        </p:spPr>
-        <p:txBody>
-          <a:bodyPr wrap="square" rtlCol="0">
-            <a:spAutoFit/>
-          </a:bodyPr>
-          <a:lstStyle/>
-          <a:p>
-            <a:r>
-              <a:rPr lang="en-US" altLang="ko-KR" dirty="0" smtClean="0"/>
-              <a:t>1100001</a:t>
-            </a:r>
-            <a:endParaRPr lang="ko-KR" altLang="en-US" dirty="0"/>
-          </a:p>
-        </p:txBody>
-      </p:sp>
-      <p:sp>
-        <p:nvSpPr>
-          <p:cNvPr id="21" name="직사각형 20"/>
-          <p:cNvSpPr/>
-          <p:nvPr/>
-        </p:nvSpPr>
-        <p:spPr>
-          <a:xfrm>
-            <a:off x="4268135" y="3525734"/>
-            <a:ext cx="583214" cy="335314"/>
-          </a:xfrm>
-          <a:prstGeom prst="rect">
-            <a:avLst/>
-          </a:prstGeom>
-        </p:spPr>
-        <p:style>
-          <a:lnRef idx="2">
-            <a:schemeClr val="accent1">
-              <a:shade val="50000"/>
-            </a:schemeClr>
-          </a:lnRef>
-          <a:fillRef idx="1">
-            <a:schemeClr val="accent1"/>
-          </a:fillRef>
-          <a:effectRef idx="0">
-            <a:schemeClr val="accent1"/>
-          </a:effectRef>
-          <a:fontRef idx="minor">
-            <a:schemeClr val="lt1"/>
-          </a:fontRef>
-        </p:style>
-        <p:txBody>
-          <a:bodyPr rtlCol="0" anchor="ctr"/>
-          <a:lstStyle/>
-          <a:p>
-            <a:pPr algn="ctr"/>
-            <a:r>
-              <a:rPr lang="en-US" altLang="ko-KR" dirty="0" smtClean="0"/>
-              <a:t>%d</a:t>
-            </a:r>
-            <a:endParaRPr lang="ko-KR" altLang="en-US" dirty="0"/>
-          </a:p>
-        </p:txBody>
-      </p:sp>
-      <p:sp>
-        <p:nvSpPr>
-          <p:cNvPr id="22" name="오른쪽 화살표 21"/>
-          <p:cNvSpPr/>
-          <p:nvPr/>
-        </p:nvSpPr>
-        <p:spPr>
-          <a:xfrm rot="10800000">
-            <a:off x="3227594" y="3591311"/>
-            <a:ext cx="936104" cy="167657"/>
-          </a:xfrm>
-          <a:prstGeom prst="rightArrow">
-            <a:avLst/>
-          </a:prstGeom>
-        </p:spPr>
-        <p:style>
-          <a:lnRef idx="2">
-            <a:schemeClr val="accent1">
-              <a:shade val="50000"/>
-            </a:schemeClr>
-          </a:lnRef>
-          <a:fillRef idx="1">
-            <a:schemeClr val="accent1"/>
-          </a:fillRef>
-          <a:effectRef idx="0">
-            <a:schemeClr val="accent1"/>
-          </a:effectRef>
-          <a:fontRef idx="minor">
-            <a:schemeClr val="lt1"/>
-          </a:fontRef>
-        </p:style>
-        <p:txBody>
-          <a:bodyPr rtlCol="0" anchor="ctr"/>
-          <a:lstStyle/>
-          <a:p>
-            <a:pPr algn="ctr"/>
-            <a:endParaRPr lang="ko-KR" altLang="en-US"/>
-          </a:p>
-        </p:txBody>
-      </p:sp>
-      <p:sp>
-        <p:nvSpPr>
-          <p:cNvPr id="23" name="오른쪽 화살표 22"/>
-          <p:cNvSpPr/>
-          <p:nvPr/>
-        </p:nvSpPr>
-        <p:spPr>
-          <a:xfrm rot="10800000">
-            <a:off x="5027794" y="3600547"/>
-            <a:ext cx="936104" cy="167657"/>
-          </a:xfrm>
-          <a:prstGeom prst="rightArrow">
-            <a:avLst/>
-          </a:prstGeom>
-        </p:spPr>
-        <p:style>
-          <a:lnRef idx="2">
-            <a:schemeClr val="accent1">
-              <a:shade val="50000"/>
-            </a:schemeClr>
-          </a:lnRef>
-          <a:fillRef idx="1">
-            <a:schemeClr val="accent1"/>
-          </a:fillRef>
-          <a:effectRef idx="0">
-            <a:schemeClr val="accent1"/>
-          </a:effectRef>
-          <a:fontRef idx="minor">
-            <a:schemeClr val="lt1"/>
-          </a:fontRef>
-        </p:style>
-        <p:txBody>
-          <a:bodyPr rtlCol="0" anchor="ctr"/>
-          <a:lstStyle/>
-          <a:p>
-            <a:pPr algn="ctr"/>
-            <a:endParaRPr lang="ko-KR" altLang="en-US"/>
-          </a:p>
-        </p:txBody>
-      </p:sp>
-      <p:sp>
-        <p:nvSpPr>
-          <p:cNvPr id="24" name="TextBox 23"/>
-          <p:cNvSpPr txBox="1"/>
-          <p:nvPr/>
-        </p:nvSpPr>
-        <p:spPr>
-          <a:xfrm>
-            <a:off x="3371610" y="3231271"/>
-            <a:ext cx="648072" cy="369332"/>
-          </a:xfrm>
-          <a:prstGeom prst="rect">
-            <a:avLst/>
-          </a:prstGeom>
-          <a:noFill/>
-        </p:spPr>
-        <p:txBody>
-          <a:bodyPr wrap="square" rtlCol="0">
-            <a:spAutoFit/>
-          </a:bodyPr>
-          <a:lstStyle/>
-          <a:p>
-            <a:r>
-              <a:rPr lang="en-US" altLang="ko-KR" dirty="0" smtClean="0"/>
-              <a:t>97</a:t>
-            </a:r>
-            <a:endParaRPr lang="ko-KR" altLang="en-US" dirty="0"/>
-          </a:p>
-        </p:txBody>
-      </p:sp>
-      <p:sp>
-        <p:nvSpPr>
-          <p:cNvPr id="25" name="TextBox 24"/>
-          <p:cNvSpPr txBox="1"/>
-          <p:nvPr/>
-        </p:nvSpPr>
-        <p:spPr>
-          <a:xfrm>
-            <a:off x="4947103" y="3231271"/>
-            <a:ext cx="1065057" cy="369332"/>
-          </a:xfrm>
-          <a:prstGeom prst="rect">
-            <a:avLst/>
-          </a:prstGeom>
-          <a:noFill/>
-        </p:spPr>
-        <p:txBody>
-          <a:bodyPr wrap="square" rtlCol="0">
-            <a:spAutoFit/>
-          </a:bodyPr>
-          <a:lstStyle/>
-          <a:p>
-            <a:r>
-              <a:rPr lang="en-US" altLang="ko-KR" dirty="0" smtClean="0"/>
-              <a:t>1100001</a:t>
-            </a:r>
-            <a:endParaRPr lang="ko-KR" altLang="en-US" dirty="0"/>
-          </a:p>
-        </p:txBody>
-      </p:sp>
-      <p:sp>
-        <p:nvSpPr>
-          <p:cNvPr id="26" name="직사각형 25"/>
-          <p:cNvSpPr/>
-          <p:nvPr/>
-        </p:nvSpPr>
-        <p:spPr>
-          <a:xfrm>
-            <a:off x="4281334" y="4605854"/>
-            <a:ext cx="583214" cy="335314"/>
-          </a:xfrm>
-          <a:prstGeom prst="rect">
-            <a:avLst/>
-          </a:prstGeom>
-        </p:spPr>
-        <p:style>
-          <a:lnRef idx="2">
-            <a:schemeClr val="accent1">
-              <a:shade val="50000"/>
-            </a:schemeClr>
-          </a:lnRef>
-          <a:fillRef idx="1">
-            <a:schemeClr val="accent1"/>
-          </a:fillRef>
-          <a:effectRef idx="0">
-            <a:schemeClr val="accent1"/>
-          </a:effectRef>
-          <a:fontRef idx="minor">
-            <a:schemeClr val="lt1"/>
-          </a:fontRef>
-        </p:style>
-        <p:txBody>
-          <a:bodyPr rtlCol="0" anchor="ctr"/>
-          <a:lstStyle/>
-          <a:p>
-            <a:pPr algn="ctr"/>
-            <a:r>
-              <a:rPr lang="en-US" altLang="ko-KR" dirty="0" smtClean="0"/>
-              <a:t>%lf</a:t>
-            </a:r>
-            <a:endParaRPr lang="ko-KR" altLang="en-US" dirty="0"/>
-          </a:p>
-        </p:txBody>
-      </p:sp>
-      <p:sp>
-        <p:nvSpPr>
-          <p:cNvPr id="27" name="오른쪽 화살표 26"/>
-          <p:cNvSpPr/>
-          <p:nvPr/>
-        </p:nvSpPr>
-        <p:spPr>
-          <a:xfrm rot="10800000">
-            <a:off x="3240793" y="4671431"/>
-            <a:ext cx="936104" cy="167657"/>
-          </a:xfrm>
-          <a:prstGeom prst="rightArrow">
-            <a:avLst/>
-          </a:prstGeom>
-        </p:spPr>
-        <p:style>
-          <a:lnRef idx="2">
-            <a:schemeClr val="accent1">
-              <a:shade val="50000"/>
-            </a:schemeClr>
-          </a:lnRef>
-          <a:fillRef idx="1">
-            <a:schemeClr val="accent1"/>
-          </a:fillRef>
-          <a:effectRef idx="0">
-            <a:schemeClr val="accent1"/>
-          </a:effectRef>
-          <a:fontRef idx="minor">
-            <a:schemeClr val="lt1"/>
-          </a:fontRef>
-        </p:style>
-        <p:txBody>
-          <a:bodyPr rtlCol="0" anchor="ctr"/>
-          <a:lstStyle/>
-          <a:p>
-            <a:pPr algn="ctr"/>
-            <a:endParaRPr lang="ko-KR" altLang="en-US"/>
-          </a:p>
-        </p:txBody>
-      </p:sp>
-      <p:sp>
-        <p:nvSpPr>
-          <p:cNvPr id="28" name="오른쪽 화살표 27"/>
-          <p:cNvSpPr/>
-          <p:nvPr/>
-        </p:nvSpPr>
-        <p:spPr>
-          <a:xfrm rot="10800000">
-            <a:off x="5040993" y="4680667"/>
-            <a:ext cx="936104" cy="167657"/>
-          </a:xfrm>
-          <a:prstGeom prst="rightArrow">
-            <a:avLst/>
-          </a:prstGeom>
-        </p:spPr>
-        <p:style>
-          <a:lnRef idx="2">
-            <a:schemeClr val="accent1">
-              <a:shade val="50000"/>
-            </a:schemeClr>
-          </a:lnRef>
-          <a:fillRef idx="1">
-            <a:schemeClr val="accent1"/>
-          </a:fillRef>
-          <a:effectRef idx="0">
-            <a:schemeClr val="accent1"/>
-          </a:effectRef>
-          <a:fontRef idx="minor">
-            <a:schemeClr val="lt1"/>
-          </a:fontRef>
-        </p:style>
-        <p:txBody>
-          <a:bodyPr rtlCol="0" anchor="ctr"/>
-          <a:lstStyle/>
-          <a:p>
-            <a:pPr algn="ctr"/>
-            <a:endParaRPr lang="ko-KR" altLang="en-US"/>
-          </a:p>
-        </p:txBody>
-      </p:sp>
-      <p:sp>
-        <p:nvSpPr>
-          <p:cNvPr id="29" name="TextBox 28"/>
-          <p:cNvSpPr txBox="1"/>
-          <p:nvPr/>
-        </p:nvSpPr>
-        <p:spPr>
-          <a:xfrm>
-            <a:off x="3384809" y="4311391"/>
-            <a:ext cx="648072" cy="369332"/>
-          </a:xfrm>
-          <a:prstGeom prst="rect">
-            <a:avLst/>
-          </a:prstGeom>
-          <a:noFill/>
-        </p:spPr>
-        <p:txBody>
-          <a:bodyPr wrap="square" rtlCol="0">
-            <a:spAutoFit/>
-          </a:bodyPr>
-          <a:lstStyle/>
-          <a:p>
-            <a:r>
-              <a:rPr lang="en-US" altLang="ko-KR" dirty="0" smtClean="0"/>
-              <a:t>0.00</a:t>
-            </a:r>
-            <a:endParaRPr lang="ko-KR" altLang="en-US" dirty="0"/>
-          </a:p>
-        </p:txBody>
-      </p:sp>
-      <p:sp>
-        <p:nvSpPr>
-          <p:cNvPr id="30" name="TextBox 29"/>
-          <p:cNvSpPr txBox="1"/>
-          <p:nvPr/>
-        </p:nvSpPr>
-        <p:spPr>
-          <a:xfrm>
-            <a:off x="4960302" y="4311391"/>
-            <a:ext cx="1065057" cy="369332"/>
-          </a:xfrm>
-          <a:prstGeom prst="rect">
-            <a:avLst/>
-          </a:prstGeom>
-          <a:noFill/>
-        </p:spPr>
-        <p:txBody>
-          <a:bodyPr wrap="square" rtlCol="0">
-            <a:spAutoFit/>
-          </a:bodyPr>
-          <a:lstStyle/>
-          <a:p>
-            <a:r>
-              <a:rPr lang="en-US" altLang="ko-KR" dirty="0" smtClean="0"/>
-              <a:t>1100001</a:t>
-            </a:r>
-            <a:endParaRPr lang="ko-KR" altLang="en-US" dirty="0"/>
-          </a:p>
-        </p:txBody>
-      </p:sp>
-      <p:sp>
-        <p:nvSpPr>
-          <p:cNvPr id="36" name="직사각형 35"/>
-          <p:cNvSpPr/>
-          <p:nvPr/>
-        </p:nvSpPr>
-        <p:spPr>
-          <a:xfrm>
-            <a:off x="4297723" y="5541958"/>
-            <a:ext cx="583214" cy="335314"/>
-          </a:xfrm>
-          <a:prstGeom prst="rect">
-            <a:avLst/>
-          </a:prstGeom>
-        </p:spPr>
-        <p:style>
-          <a:lnRef idx="2">
-            <a:schemeClr val="accent1">
-              <a:shade val="50000"/>
-            </a:schemeClr>
-          </a:lnRef>
-          <a:fillRef idx="1">
-            <a:schemeClr val="accent1"/>
-          </a:fillRef>
-          <a:effectRef idx="0">
-            <a:schemeClr val="accent1"/>
-          </a:effectRef>
-          <a:fontRef idx="minor">
-            <a:schemeClr val="lt1"/>
-          </a:fontRef>
-        </p:style>
-        <p:txBody>
-          <a:bodyPr rtlCol="0" anchor="ctr"/>
-          <a:lstStyle/>
-          <a:p>
-            <a:pPr algn="ctr"/>
-            <a:r>
-              <a:rPr lang="en-US" altLang="ko-KR" dirty="0" smtClean="0"/>
-              <a:t>%c</a:t>
-            </a:r>
-            <a:endParaRPr lang="ko-KR" altLang="en-US" dirty="0"/>
-          </a:p>
-        </p:txBody>
-      </p:sp>
-      <p:sp>
-        <p:nvSpPr>
-          <p:cNvPr id="37" name="오른쪽 화살표 36"/>
-          <p:cNvSpPr/>
-          <p:nvPr/>
-        </p:nvSpPr>
-        <p:spPr>
-          <a:xfrm rot="10800000">
-            <a:off x="3257182" y="5607535"/>
-            <a:ext cx="936104" cy="167657"/>
-          </a:xfrm>
-          <a:prstGeom prst="rightArrow">
-            <a:avLst/>
-          </a:prstGeom>
-        </p:spPr>
-        <p:style>
-          <a:lnRef idx="2">
-            <a:schemeClr val="accent1">
-              <a:shade val="50000"/>
-            </a:schemeClr>
-          </a:lnRef>
-          <a:fillRef idx="1">
-            <a:schemeClr val="accent1"/>
-          </a:fillRef>
-          <a:effectRef idx="0">
-            <a:schemeClr val="accent1"/>
-          </a:effectRef>
-          <a:fontRef idx="minor">
-            <a:schemeClr val="lt1"/>
-          </a:fontRef>
-        </p:style>
-        <p:txBody>
-          <a:bodyPr rtlCol="0" anchor="ctr"/>
-          <a:lstStyle/>
-          <a:p>
-            <a:pPr algn="ctr"/>
-            <a:endParaRPr lang="ko-KR" altLang="en-US"/>
-          </a:p>
-        </p:txBody>
-      </p:sp>
-      <p:sp>
-        <p:nvSpPr>
-          <p:cNvPr id="38" name="오른쪽 화살표 37"/>
-          <p:cNvSpPr/>
-          <p:nvPr/>
-        </p:nvSpPr>
-        <p:spPr>
-          <a:xfrm rot="10800000">
-            <a:off x="5057382" y="5616771"/>
-            <a:ext cx="936104" cy="167657"/>
-          </a:xfrm>
-          <a:prstGeom prst="rightArrow">
-            <a:avLst/>
-          </a:prstGeom>
-        </p:spPr>
-        <p:style>
-          <a:lnRef idx="2">
-            <a:schemeClr val="accent1">
-              <a:shade val="50000"/>
-            </a:schemeClr>
-          </a:lnRef>
-          <a:fillRef idx="1">
-            <a:schemeClr val="accent1"/>
-          </a:fillRef>
-          <a:effectRef idx="0">
-            <a:schemeClr val="accent1"/>
-          </a:effectRef>
-          <a:fontRef idx="minor">
-            <a:schemeClr val="lt1"/>
-          </a:fontRef>
-        </p:style>
-        <p:txBody>
-          <a:bodyPr rtlCol="0" anchor="ctr"/>
-          <a:lstStyle/>
-          <a:p>
-            <a:pPr algn="ctr"/>
-            <a:endParaRPr lang="ko-KR" altLang="en-US"/>
-          </a:p>
-        </p:txBody>
-      </p:sp>
-      <p:sp>
-        <p:nvSpPr>
-          <p:cNvPr id="39" name="TextBox 38"/>
-          <p:cNvSpPr txBox="1"/>
-          <p:nvPr/>
-        </p:nvSpPr>
-        <p:spPr>
-          <a:xfrm>
-            <a:off x="3401198" y="5247495"/>
-            <a:ext cx="648072" cy="369332"/>
-          </a:xfrm>
-          <a:prstGeom prst="rect">
-            <a:avLst/>
-          </a:prstGeom>
-          <a:noFill/>
-        </p:spPr>
-        <p:txBody>
-          <a:bodyPr wrap="square" rtlCol="0">
-            <a:spAutoFit/>
-          </a:bodyPr>
-          <a:lstStyle/>
-          <a:p>
-            <a:r>
-              <a:rPr lang="en-US" altLang="ko-KR" dirty="0"/>
-              <a:t>a</a:t>
-            </a:r>
-            <a:endParaRPr lang="ko-KR" altLang="en-US" dirty="0"/>
-          </a:p>
-        </p:txBody>
-      </p:sp>
-      <p:sp>
-        <p:nvSpPr>
-          <p:cNvPr id="40" name="TextBox 39"/>
-          <p:cNvSpPr txBox="1"/>
-          <p:nvPr/>
-        </p:nvSpPr>
-        <p:spPr>
-          <a:xfrm>
-            <a:off x="4976691" y="5247495"/>
-            <a:ext cx="1065057" cy="369332"/>
-          </a:xfrm>
-          <a:prstGeom prst="rect">
-            <a:avLst/>
-          </a:prstGeom>
-          <a:noFill/>
-        </p:spPr>
-        <p:txBody>
-          <a:bodyPr wrap="square" rtlCol="0">
-            <a:spAutoFit/>
-          </a:bodyPr>
-          <a:lstStyle/>
-          <a:p>
-            <a:r>
-              <a:rPr lang="en-US" altLang="ko-KR" dirty="0" smtClean="0"/>
-              <a:t>1100001</a:t>
-            </a:r>
-            <a:endParaRPr lang="ko-KR" altLang="en-US" dirty="0"/>
-          </a:p>
-        </p:txBody>
-      </p:sp>
-      <p:sp>
-        <p:nvSpPr>
-          <p:cNvPr id="8" name="TextBox 7"/>
-          <p:cNvSpPr txBox="1"/>
-          <p:nvPr/>
-        </p:nvSpPr>
-        <p:spPr>
-          <a:xfrm>
-            <a:off x="6588224" y="5607535"/>
-            <a:ext cx="1699785" cy="369332"/>
-          </a:xfrm>
-          <a:prstGeom prst="rect">
-            <a:avLst/>
-          </a:prstGeom>
-          <a:noFill/>
-        </p:spPr>
-        <p:txBody>
-          <a:bodyPr wrap="square" rtlCol="0">
-            <a:spAutoFit/>
-          </a:bodyPr>
-          <a:lstStyle/>
-          <a:p>
-            <a:r>
-              <a:rPr lang="ko-KR" altLang="en-US" dirty="0" smtClean="0"/>
-              <a:t>아스키 코드</a:t>
-            </a:r>
-            <a:endParaRPr lang="ko-KR" altLang="en-US" dirty="0"/>
-          </a:p>
-        </p:txBody>
-      </p:sp>
     </p:spTree>
     <p:extLst>
       <p:ext uri="{BB962C8B-B14F-4D97-AF65-F5344CB8AC3E}">
-        <p14:creationId xmlns:p14="http://schemas.microsoft.com/office/powerpoint/2010/main" val="1362254999"/>
+        <p14:creationId xmlns:p14="http://schemas.microsoft.com/office/powerpoint/2010/main" val="2605319544"/>
       </p:ext>
     </p:extLst>
   </p:cSld>
@@ -5162,18 +6690,22 @@
         </p:spPr>
         <p:txBody>
           <a:bodyPr>
-            <a:normAutofit fontScale="92500" lnSpcReduction="20000"/>
+            <a:normAutofit/>
           </a:bodyPr>
           <a:lstStyle/>
           <a:p>
             <a:pPr algn="l"/>
             <a:r>
-              <a:rPr lang="ko-KR" altLang="en-US" sz="4400" dirty="0" smtClean="0"/>
-              <a:t>왜 그럴까</a:t>
-            </a:r>
-            <a:r>
-              <a:rPr lang="en-US" altLang="ko-KR" sz="4400" dirty="0" smtClean="0"/>
-              <a:t>?</a:t>
+              <a:rPr lang="en-US" altLang="ko-KR" sz="3200" dirty="0" smtClean="0"/>
+              <a:t>Practice3 – </a:t>
+            </a:r>
+            <a:r>
+              <a:rPr lang="ko-KR" altLang="en-US" sz="3200" dirty="0" smtClean="0"/>
+              <a:t>서식문자를 잘못 사용하면</a:t>
+            </a:r>
+            <a:r>
+              <a:rPr lang="en-US" altLang="ko-KR" sz="3200" dirty="0" smtClean="0"/>
+              <a:t>..</a:t>
             </a:r>
             <a:endParaRPr lang="en-US" altLang="ko-KR" sz="4400" dirty="0"/>
           </a:p>
@@ -5181,14 +6713,14 @@
       </p:sp>
       <p:sp>
         <p:nvSpPr>
-          <p:cNvPr id="11" name="TextBox 10"/>
+          <p:cNvPr id="14" name="TextBox 13"/>
           <p:cNvSpPr txBox="1"/>
           <p:nvPr/>
         </p:nvSpPr>
         <p:spPr>
           <a:xfrm>
-            <a:off x="467544" y="738557"/>
-            <a:ext cx="6624736" cy="584775"/>
+            <a:off x="179512" y="1268760"/>
+            <a:ext cx="1271111" cy="584775"/>
           </a:xfrm>
           <a:prstGeom prst="rect">
             <a:avLst/>
@@ -5202,28 +6734,20 @@
           <a:lstStyle/>
           <a:p>
             <a:r>
-              <a:rPr lang="en-US" altLang="ko-KR" sz="3200" dirty="0" smtClean="0">
+              <a:rPr lang="en-US" altLang="ko-KR" sz="3200" dirty="0">
                 <a:solidFill>
                   <a:srgbClr val="FFFFFF"/>
                 </a:solidFill>
               </a:rPr>
-              <a:t>=&gt;</a:t>
-            </a:r>
-            <a:r>
-              <a:rPr lang="ko-KR" altLang="en-US" sz="3200" dirty="0" err="1" smtClean="0">
+              <a:t>Main()</a:t>
+            </a:r>
+            <a:r>
+              <a:rPr lang="ko-KR" altLang="en-US" sz="3200" dirty="0">
                 <a:solidFill>
                   <a:srgbClr val="FFFFFF"/>
                 </a:solidFill>
               </a:rPr>
-              <a:t>자료형에</a:t>
-            </a:r>
-            <a:r>
-              <a:rPr lang="ko-KR" altLang="en-US" sz="3200" dirty="0" smtClean="0">
-                <a:solidFill>
-                  <a:srgbClr val="FFFFFF"/>
-                </a:solidFill>
-              </a:rPr>
-              <a:t> 따른 데이터 저장 방법의 차이</a:t>
+              <a:t> </a:t>
             </a:r>
             <a:endParaRPr lang="en-US" altLang="ko-KR" sz="3200" dirty="0">
               <a:solidFill>
@@ -5233,586 +6757,184 @@
           </a:p>
         </p:txBody>
       </p:sp>
-      <p:sp>
-        <p:nvSpPr>
-          <p:cNvPr id="3" name="TextBox 2"/>
-          <p:cNvSpPr txBox="1"/>
+      <p:pic>
+        <p:nvPicPr>
+          <p:cNvPr id="7" name="Picture 3"/>
+          <p:cNvPicPr>
+            <a:picLocks noChangeAspect="1" noChangeArrowheads="1"/>
+          </p:cNvPicPr>
           <p:nvPr/>
-        </p:nvSpPr>
-        <p:spPr>
-          <a:xfrm>
-            <a:off x="971600" y="1484784"/>
-            <a:ext cx="3744416" cy="369332"/>
+        </p:nvPicPr>
+        <p:blipFill>
+          <a:blip r:embed="rId2">
+            <a:extLst>
+              <a:ext uri="{28A0092B-C50C-407E-A947-70E740481C1C}">
+                <a14:useLocalDpi xmlns:a14="http://schemas.microsoft.com/office/drawing/2010/main" val="0"/>
+              </a:ext>
+            </a:extLst>
+          </a:blip>
+          <a:srcRect/>
+          <a:stretch>
+            <a:fillRect/>
+          </a:stretch>
+        </p:blipFill>
+        <p:spPr bwMode="auto">
+          <a:xfrm>
+            <a:off x="323528" y="1832753"/>
+            <a:ext cx="7992888" cy="3331673"/>
           </a:xfrm>
           <a:prstGeom prst="rect">
             <a:avLst/>
           </a:prstGeom>
           <a:noFill/>
-        </p:spPr>
-        <p:txBody>
-          <a:bodyPr wrap="square" rtlCol="0">
-            <a:spAutoFit/>
-          </a:bodyPr>
-          <a:lstStyle/>
-          <a:p>
-            <a:r>
-              <a:rPr lang="en-US" altLang="ko-KR" dirty="0" smtClean="0"/>
-              <a:t>97(10</a:t>
-            </a:r>
-            <a:r>
-              <a:rPr lang="ko-KR" altLang="en-US" dirty="0" smtClean="0"/>
-              <a:t>진수</a:t>
-            </a:r>
-            <a:r>
-              <a:rPr lang="en-US" altLang="ko-KR" dirty="0" smtClean="0"/>
-              <a:t>)=1100001(2</a:t>
-            </a:r>
-            <a:r>
-              <a:rPr lang="ko-KR" altLang="en-US" dirty="0" smtClean="0"/>
-              <a:t>진수</a:t>
-            </a:r>
-            <a:r>
-              <a:rPr lang="en-US" altLang="ko-KR" dirty="0" smtClean="0"/>
-              <a:t>)</a:t>
-            </a:r>
-            <a:endParaRPr lang="ko-KR" altLang="en-US" dirty="0"/>
-          </a:p>
-        </p:txBody>
-      </p:sp>
-      <p:graphicFrame>
-        <p:nvGraphicFramePr>
-          <p:cNvPr id="2" name="표 1"/>
-          <p:cNvGraphicFramePr>
-            <a:graphicFrameLocks noGrp="1"/>
-          </p:cNvGraphicFramePr>
-          <p:nvPr>
-            <p:extLst>
-              <p:ext uri="{D42A27DB-BD31-4B8C-83A1-F6EECF244321}">
-                <p14:modId xmlns:p14="http://schemas.microsoft.com/office/powerpoint/2010/main" val="740450515"/>
-              </p:ext>
-            </p:extLst>
-          </p:nvPr>
-        </p:nvGraphicFramePr>
-        <p:xfrm>
-          <a:off x="2123728" y="2276872"/>
-          <a:ext cx="6096000" cy="370840"/>
-        </p:xfrm>
-        <a:graphic>
-          <a:graphicData uri="http://schemas.openxmlformats.org/drawingml/2006/table">
-            <a:tbl>
-              <a:tblPr firstRow="1" bandRow="1">
-                <a:tableStyleId>{5C22544A-7EE6-4342-B048-85BDC9FD1C3A}</a:tableStyleId>
-              </a:tblPr>
-              <a:tblGrid>
-                <a:gridCol w="762000">
-                  <a:extLst>
-                    <a:ext uri="{9D8B030D-6E8A-4147-A177-3AD203B41FA5}">
-                      <a16:colId xmlns:a16="http://schemas.microsoft.com/office/drawing/2014/main" val="374743558"/>
-                    </a:ext>
-                  </a:extLst>
-                </a:gridCol>
-                <a:gridCol w="762000">
-                  <a:extLst>
-                    <a:ext uri="{9D8B030D-6E8A-4147-A177-3AD203B41FA5}">
-                      <a16:colId xmlns:a16="http://schemas.microsoft.com/office/drawing/2014/main" val="1004432556"/>
-                    </a:ext>
-                  </a:extLst>
-                </a:gridCol>
-                <a:gridCol w="762000">
-                  <a:extLst>
-                    <a:ext uri="{9D8B030D-6E8A-4147-A177-3AD203B41FA5}">
-                      <a16:colId xmlns:a16="http://schemas.microsoft.com/office/drawing/2014/main" val="1248953957"/>
-                    </a:ext>
-                  </a:extLst>
-                </a:gridCol>
-                <a:gridCol w="762000">
-                  <a:extLst>
-                    <a:ext uri="{9D8B030D-6E8A-4147-A177-3AD203B41FA5}">
-                      <a16:colId xmlns:a16="http://schemas.microsoft.com/office/drawing/2014/main" val="354538028"/>
-                    </a:ext>
-                  </a:extLst>
-                </a:gridCol>
-                <a:gridCol w="762000">
-                  <a:extLst>
-                    <a:ext uri="{9D8B030D-6E8A-4147-A177-3AD203B41FA5}">
-                      <a16:colId xmlns:a16="http://schemas.microsoft.com/office/drawing/2014/main" val="3098830377"/>
-                    </a:ext>
-                  </a:extLst>
-                </a:gridCol>
-                <a:gridCol w="762000">
-                  <a:extLst>
-                    <a:ext uri="{9D8B030D-6E8A-4147-A177-3AD203B41FA5}">
-                      <a16:colId xmlns:a16="http://schemas.microsoft.com/office/drawing/2014/main" val="3627175978"/>
-                    </a:ext>
-                  </a:extLst>
-                </a:gridCol>
-                <a:gridCol w="762000">
-                  <a:extLst>
-                    <a:ext uri="{9D8B030D-6E8A-4147-A177-3AD203B41FA5}">
-                      <a16:colId xmlns:a16="http://schemas.microsoft.com/office/drawing/2014/main" val="2661708692"/>
-                    </a:ext>
-                  </a:extLst>
-                </a:gridCol>
-                <a:gridCol w="762000">
-                  <a:extLst>
-                    <a:ext uri="{9D8B030D-6E8A-4147-A177-3AD203B41FA5}">
-                      <a16:colId xmlns:a16="http://schemas.microsoft.com/office/drawing/2014/main" val="1831318743"/>
-                    </a:ext>
-                  </a:extLst>
-                </a:gridCol>
-              </a:tblGrid>
-              <a:tr h="370840">
-                <a:tc>
-                  <a:txBody>
-                    <a:bodyPr/>
-                    <a:lstStyle/>
-                    <a:p>
-                      <a:pPr latinLnBrk="1"/>
-                      <a:endParaRPr lang="ko-KR" altLang="en-US" dirty="0"/>
-                    </a:p>
-                  </a:txBody>
-                  <a:tcPr/>
-                </a:tc>
-                <a:tc>
-                  <a:txBody>
-                    <a:bodyPr/>
-                    <a:lstStyle/>
-                    <a:p>
-                      <a:pPr latinLnBrk="1"/>
-                      <a:endParaRPr lang="ko-KR" altLang="en-US"/>
-                    </a:p>
-                  </a:txBody>
-                  <a:tcPr/>
-                </a:tc>
-                <a:tc>
-                  <a:txBody>
-                    <a:bodyPr/>
-                    <a:lstStyle/>
-                    <a:p>
-                      <a:pPr latinLnBrk="1"/>
-                      <a:endParaRPr lang="ko-KR" altLang="en-US"/>
-                    </a:p>
-                  </a:txBody>
-                  <a:tcPr/>
-                </a:tc>
-                <a:tc>
-                  <a:txBody>
-                    <a:bodyPr/>
-                    <a:lstStyle/>
-                    <a:p>
-                      <a:pPr latinLnBrk="1"/>
-                      <a:endParaRPr lang="ko-KR" altLang="en-US"/>
-                    </a:p>
-                  </a:txBody>
-                  <a:tcPr/>
-                </a:tc>
-                <a:tc>
-                  <a:txBody>
-                    <a:bodyPr/>
-                    <a:lstStyle/>
-                    <a:p>
-                      <a:pPr latinLnBrk="1"/>
-                      <a:endParaRPr lang="ko-KR" altLang="en-US"/>
-                    </a:p>
-                  </a:txBody>
-                  <a:tcPr/>
-                </a:tc>
-                <a:tc>
-                  <a:txBody>
-                    <a:bodyPr/>
-                    <a:lstStyle/>
-                    <a:p>
-                      <a:pPr latinLnBrk="1"/>
-                      <a:endParaRPr lang="ko-KR" altLang="en-US"/>
-                    </a:p>
-                  </a:txBody>
-                  <a:tcPr/>
-                </a:tc>
-                <a:tc>
-                  <a:txBody>
-                    <a:bodyPr/>
-                    <a:lstStyle/>
-                    <a:p>
-                      <a:pPr latinLnBrk="1"/>
-                      <a:endParaRPr lang="ko-KR" altLang="en-US"/>
-                    </a:p>
-                  </a:txBody>
-                  <a:tcPr/>
-                </a:tc>
-                <a:tc>
-                  <a:txBody>
-                    <a:bodyPr/>
-                    <a:lstStyle/>
-                    <a:p>
-                      <a:pPr latinLnBrk="1"/>
-                      <a:endParaRPr lang="ko-KR" altLang="en-US" dirty="0"/>
-                    </a:p>
-                  </a:txBody>
-                  <a:tcPr/>
-                </a:tc>
-                <a:extLst>
-                  <a:ext uri="{0D108BD9-81ED-4DB2-BD59-A6C34878D82A}">
-                    <a16:rowId xmlns:a16="http://schemas.microsoft.com/office/drawing/2014/main" val="1924073915"/>
-                  </a:ext>
-                </a:extLst>
-              </a:tr>
-            </a:tbl>
-          </a:graphicData>
-        </a:graphic>
-      </p:graphicFrame>
-      <p:graphicFrame>
-        <p:nvGraphicFramePr>
-          <p:cNvPr id="9" name="표 8"/>
-          <p:cNvGraphicFramePr>
-            <a:graphicFrameLocks noGrp="1"/>
-          </p:cNvGraphicFramePr>
-          <p:nvPr>
-            <p:extLst>
-              <p:ext uri="{D42A27DB-BD31-4B8C-83A1-F6EECF244321}">
-                <p14:modId xmlns:p14="http://schemas.microsoft.com/office/powerpoint/2010/main" val="1258102208"/>
-              </p:ext>
-            </p:extLst>
-          </p:nvPr>
-        </p:nvGraphicFramePr>
-        <p:xfrm>
-          <a:off x="2123728" y="3207011"/>
-          <a:ext cx="6096000" cy="370840"/>
-        </p:xfrm>
-        <a:graphic>
-          <a:graphicData uri="http://schemas.openxmlformats.org/drawingml/2006/table">
-            <a:tbl>
-              <a:tblPr firstRow="1" bandRow="1">
-                <a:tableStyleId>{5C22544A-7EE6-4342-B048-85BDC9FD1C3A}</a:tableStyleId>
-              </a:tblPr>
-              <a:tblGrid>
-                <a:gridCol w="381000">
-                  <a:extLst>
-                    <a:ext uri="{9D8B030D-6E8A-4147-A177-3AD203B41FA5}">
-                      <a16:colId xmlns:a16="http://schemas.microsoft.com/office/drawing/2014/main" val="166613890"/>
-                    </a:ext>
-                  </a:extLst>
-                </a:gridCol>
-                <a:gridCol w="381000">
-                  <a:extLst>
-                    <a:ext uri="{9D8B030D-6E8A-4147-A177-3AD203B41FA5}">
-                      <a16:colId xmlns:a16="http://schemas.microsoft.com/office/drawing/2014/main" val="3697812371"/>
-                    </a:ext>
-                  </a:extLst>
-                </a:gridCol>
-                <a:gridCol w="381000">
-                  <a:extLst>
-                    <a:ext uri="{9D8B030D-6E8A-4147-A177-3AD203B41FA5}">
-                      <a16:colId xmlns:a16="http://schemas.microsoft.com/office/drawing/2014/main" val="4050674732"/>
-                    </a:ext>
-                  </a:extLst>
-                </a:gridCol>
-                <a:gridCol w="381000">
-                  <a:extLst>
-                    <a:ext uri="{9D8B030D-6E8A-4147-A177-3AD203B41FA5}">
-                      <a16:colId xmlns:a16="http://schemas.microsoft.com/office/drawing/2014/main" val="2101355299"/>
-                    </a:ext>
-                  </a:extLst>
-                </a:gridCol>
-                <a:gridCol w="381000">
-                  <a:extLst>
-                    <a:ext uri="{9D8B030D-6E8A-4147-A177-3AD203B41FA5}">
-                      <a16:colId xmlns:a16="http://schemas.microsoft.com/office/drawing/2014/main" val="2839154961"/>
-                    </a:ext>
-                  </a:extLst>
-                </a:gridCol>
-                <a:gridCol w="381000">
-                  <a:extLst>
-                    <a:ext uri="{9D8B030D-6E8A-4147-A177-3AD203B41FA5}">
-                      <a16:colId xmlns:a16="http://schemas.microsoft.com/office/drawing/2014/main" val="1714959757"/>
-                    </a:ext>
-                  </a:extLst>
-                </a:gridCol>
-                <a:gridCol w="381000">
-                  <a:extLst>
-                    <a:ext uri="{9D8B030D-6E8A-4147-A177-3AD203B41FA5}">
-                      <a16:colId xmlns:a16="http://schemas.microsoft.com/office/drawing/2014/main" val="2056637147"/>
-                    </a:ext>
-                  </a:extLst>
-                </a:gridCol>
-                <a:gridCol w="381000">
-                  <a:extLst>
-                    <a:ext uri="{9D8B030D-6E8A-4147-A177-3AD203B41FA5}">
-                      <a16:colId xmlns:a16="http://schemas.microsoft.com/office/drawing/2014/main" val="883729259"/>
-                    </a:ext>
-                  </a:extLst>
-                </a:gridCol>
-                <a:gridCol w="381000">
-                  <a:extLst>
-                    <a:ext uri="{9D8B030D-6E8A-4147-A177-3AD203B41FA5}">
-                      <a16:colId xmlns:a16="http://schemas.microsoft.com/office/drawing/2014/main" val="101734862"/>
-                    </a:ext>
-                  </a:extLst>
-                </a:gridCol>
-                <a:gridCol w="381000">
-                  <a:extLst>
-                    <a:ext uri="{9D8B030D-6E8A-4147-A177-3AD203B41FA5}">
-                      <a16:colId xmlns:a16="http://schemas.microsoft.com/office/drawing/2014/main" val="2478906002"/>
-                    </a:ext>
-                  </a:extLst>
-                </a:gridCol>
-                <a:gridCol w="381000">
-                  <a:extLst>
-                    <a:ext uri="{9D8B030D-6E8A-4147-A177-3AD203B41FA5}">
-                      <a16:colId xmlns:a16="http://schemas.microsoft.com/office/drawing/2014/main" val="3884858638"/>
-                    </a:ext>
-                  </a:extLst>
-                </a:gridCol>
-                <a:gridCol w="381000">
-                  <a:extLst>
-                    <a:ext uri="{9D8B030D-6E8A-4147-A177-3AD203B41FA5}">
-                      <a16:colId xmlns:a16="http://schemas.microsoft.com/office/drawing/2014/main" val="124151706"/>
-                    </a:ext>
-                  </a:extLst>
-                </a:gridCol>
-                <a:gridCol w="381000">
-                  <a:extLst>
-                    <a:ext uri="{9D8B030D-6E8A-4147-A177-3AD203B41FA5}">
-                      <a16:colId xmlns:a16="http://schemas.microsoft.com/office/drawing/2014/main" val="1113766399"/>
-                    </a:ext>
-                  </a:extLst>
-                </a:gridCol>
-                <a:gridCol w="381000">
-                  <a:extLst>
-                    <a:ext uri="{9D8B030D-6E8A-4147-A177-3AD203B41FA5}">
-                      <a16:colId xmlns:a16="http://schemas.microsoft.com/office/drawing/2014/main" val="382488369"/>
-                    </a:ext>
-                  </a:extLst>
-                </a:gridCol>
-                <a:gridCol w="381000">
-                  <a:extLst>
-                    <a:ext uri="{9D8B030D-6E8A-4147-A177-3AD203B41FA5}">
-                      <a16:colId xmlns:a16="http://schemas.microsoft.com/office/drawing/2014/main" val="4246249902"/>
-                    </a:ext>
-                  </a:extLst>
-                </a:gridCol>
-                <a:gridCol w="381000">
-                  <a:extLst>
-                    <a:ext uri="{9D8B030D-6E8A-4147-A177-3AD203B41FA5}">
-                      <a16:colId xmlns:a16="http://schemas.microsoft.com/office/drawing/2014/main" val="2943191695"/>
-                    </a:ext>
-                  </a:extLst>
-                </a:gridCol>
-              </a:tblGrid>
-              <a:tr h="370840">
-                <a:tc>
-                  <a:txBody>
-                    <a:bodyPr/>
-                    <a:lstStyle/>
-                    <a:p>
-                      <a:pPr latinLnBrk="1"/>
-                      <a:endParaRPr lang="ko-KR" altLang="en-US" dirty="0"/>
-                    </a:p>
-                  </a:txBody>
-                  <a:tcPr/>
-                </a:tc>
-                <a:tc>
-                  <a:txBody>
-                    <a:bodyPr/>
-                    <a:lstStyle/>
-                    <a:p>
-                      <a:pPr latinLnBrk="1"/>
-                      <a:endParaRPr lang="ko-KR" altLang="en-US"/>
-                    </a:p>
-                  </a:txBody>
-                  <a:tcPr/>
-                </a:tc>
-                <a:tc>
-                  <a:txBody>
-                    <a:bodyPr/>
-                    <a:lstStyle/>
-                    <a:p>
-                      <a:pPr latinLnBrk="1"/>
-                      <a:endParaRPr lang="ko-KR" altLang="en-US"/>
-                    </a:p>
-                  </a:txBody>
-                  <a:tcPr/>
-                </a:tc>
-                <a:tc>
-                  <a:txBody>
-                    <a:bodyPr/>
-                    <a:lstStyle/>
-                    <a:p>
-                      <a:pPr latinLnBrk="1"/>
-                      <a:endParaRPr lang="ko-KR" altLang="en-US"/>
-                    </a:p>
-                  </a:txBody>
-                  <a:tcPr/>
-                </a:tc>
-                <a:tc>
-                  <a:txBody>
-                    <a:bodyPr/>
-                    <a:lstStyle/>
-                    <a:p>
-                      <a:pPr latinLnBrk="1"/>
-                      <a:endParaRPr lang="ko-KR" altLang="en-US"/>
-                    </a:p>
-                  </a:txBody>
-                  <a:tcPr/>
-                </a:tc>
-                <a:tc>
-                  <a:txBody>
-                    <a:bodyPr/>
-                    <a:lstStyle/>
-                    <a:p>
-                      <a:pPr latinLnBrk="1"/>
-                      <a:endParaRPr lang="ko-KR" altLang="en-US"/>
-                    </a:p>
-                  </a:txBody>
-                  <a:tcPr/>
-                </a:tc>
-                <a:tc>
-                  <a:txBody>
-                    <a:bodyPr/>
-                    <a:lstStyle/>
-                    <a:p>
-                      <a:pPr latinLnBrk="1"/>
-                      <a:endParaRPr lang="ko-KR" altLang="en-US"/>
-                    </a:p>
-                  </a:txBody>
-                  <a:tcPr/>
-                </a:tc>
-                <a:tc>
-                  <a:txBody>
-                    <a:bodyPr/>
-                    <a:lstStyle/>
-                    <a:p>
-                      <a:pPr latinLnBrk="1"/>
-                      <a:endParaRPr lang="ko-KR" altLang="en-US"/>
-                    </a:p>
-                  </a:txBody>
-                  <a:tcPr/>
-                </a:tc>
-                <a:tc>
-                  <a:txBody>
-                    <a:bodyPr/>
-                    <a:lstStyle/>
-                    <a:p>
-                      <a:pPr latinLnBrk="1"/>
-                      <a:endParaRPr lang="ko-KR" altLang="en-US"/>
-                    </a:p>
-                  </a:txBody>
-                  <a:tcPr/>
-                </a:tc>
-                <a:tc>
-                  <a:txBody>
-                    <a:bodyPr/>
-                    <a:lstStyle/>
-                    <a:p>
-                      <a:pPr latinLnBrk="1"/>
-                      <a:endParaRPr lang="ko-KR" altLang="en-US"/>
-                    </a:p>
-                  </a:txBody>
-                  <a:tcPr/>
-                </a:tc>
-                <a:tc>
-                  <a:txBody>
-                    <a:bodyPr/>
-                    <a:lstStyle/>
-                    <a:p>
-                      <a:pPr latinLnBrk="1"/>
-                      <a:endParaRPr lang="ko-KR" altLang="en-US"/>
-                    </a:p>
-                  </a:txBody>
-                  <a:tcPr/>
-                </a:tc>
-                <a:tc>
-                  <a:txBody>
-                    <a:bodyPr/>
-                    <a:lstStyle/>
-                    <a:p>
-                      <a:pPr latinLnBrk="1"/>
-                      <a:endParaRPr lang="ko-KR" altLang="en-US"/>
-                    </a:p>
-                  </a:txBody>
-                  <a:tcPr/>
-                </a:tc>
-                <a:tc>
-                  <a:txBody>
-                    <a:bodyPr/>
-                    <a:lstStyle/>
-                    <a:p>
-                      <a:pPr latinLnBrk="1"/>
-                      <a:endParaRPr lang="ko-KR" altLang="en-US"/>
-                    </a:p>
-                  </a:txBody>
-                  <a:tcPr/>
-                </a:tc>
-                <a:tc>
-                  <a:txBody>
-                    <a:bodyPr/>
-                    <a:lstStyle/>
-                    <a:p>
-                      <a:pPr latinLnBrk="1"/>
-                      <a:endParaRPr lang="ko-KR" altLang="en-US"/>
-                    </a:p>
-                  </a:txBody>
-                  <a:tcPr/>
-                </a:tc>
-                <a:tc>
-                  <a:txBody>
-                    <a:bodyPr/>
-                    <a:lstStyle/>
-                    <a:p>
-                      <a:pPr latinLnBrk="1"/>
-                      <a:endParaRPr lang="ko-KR" altLang="en-US"/>
-                    </a:p>
-                  </a:txBody>
-                  <a:tcPr/>
-                </a:tc>
-                <a:tc>
-                  <a:txBody>
-                    <a:bodyPr/>
-                    <a:lstStyle/>
-                    <a:p>
-                      <a:pPr latinLnBrk="1"/>
-                      <a:endParaRPr lang="ko-KR" altLang="en-US" dirty="0"/>
-                    </a:p>
-                  </a:txBody>
-                  <a:tcPr/>
-                </a:tc>
-                <a:extLst>
-                  <a:ext uri="{0D108BD9-81ED-4DB2-BD59-A6C34878D82A}">
-                    <a16:rowId xmlns:a16="http://schemas.microsoft.com/office/drawing/2014/main" val="2409229821"/>
-                  </a:ext>
-                </a:extLst>
-              </a:tr>
-            </a:tbl>
-          </a:graphicData>
-        </a:graphic>
-      </p:graphicFrame>
+          <a:ln>
+            <a:noFill/>
+          </a:ln>
+          <a:effectLst/>
+          <a:extLst>
+            <a:ext uri="{909E8E84-426E-40DD-AFC4-6F175D3DCCD1}">
+              <a14:hiddenFill xmlns:a14="http://schemas.microsoft.com/office/drawing/2010/main">
+                <a:solidFill>
+                  <a:schemeClr val="accent1"/>
+                </a:solidFill>
+              </a14:hiddenFill>
+            </a:ext>
+            <a:ext uri="{91240B29-F687-4F45-9708-019B960494DF}">
+              <a14:hiddenLine xmlns:a14="http://schemas.microsoft.com/office/drawing/2010/main" w="9525">
+                <a:solidFill>
+                  <a:schemeClr val="tx1"/>
+                </a:solidFill>
+                <a:miter lim="800000"/>
+                <a:headEnd/>
+                <a:tailEnd/>
+              </a14:hiddenLine>
+            </a:ext>
+            <a:ext uri="{AF507438-7753-43E0-B8FC-AC1667EBCBE1}">
+              <a14:hiddenEffects xmlns:a14="http://schemas.microsoft.com/office/drawing/2010/main">
+                <a:effectLst>
+                  <a:outerShdw dist="35921" dir="2700000" algn="ctr" rotWithShape="0">
+                    <a:schemeClr val="bg2"/>
+                  </a:outerShdw>
+                </a:effectLst>
+              </a14:hiddenEffects>
+            </a:ext>
+          </a:extLst>
+        </p:spPr>
+      </p:pic>
+      <p:sp>
+        <p:nvSpPr>
+          <p:cNvPr id="2" name="직사각형 1"/>
+          <p:cNvSpPr/>
+          <p:nvPr/>
+        </p:nvSpPr>
+        <p:spPr>
+          <a:xfrm>
+            <a:off x="7131036" y="3861048"/>
+            <a:ext cx="864096" cy="288032"/>
+          </a:xfrm>
+          <a:prstGeom prst="rect">
+            <a:avLst/>
+          </a:prstGeom>
+          <a:noFill/>
+          <a:ln>
+            <a:solidFill>
+              <a:srgbClr val="FF0000"/>
+            </a:solidFill>
+          </a:ln>
+        </p:spPr>
+        <p:style>
+          <a:lnRef idx="2">
+            <a:schemeClr val="accent1">
+              <a:shade val="50000"/>
+            </a:schemeClr>
+          </a:lnRef>
+          <a:fillRef idx="1">
+            <a:schemeClr val="accent1"/>
+          </a:fillRef>
+          <a:effectRef idx="0">
+            <a:schemeClr val="accent1"/>
+          </a:effectRef>
+          <a:fontRef idx="minor">
+            <a:schemeClr val="lt1"/>
+          </a:fontRef>
+        </p:style>
+        <p:txBody>
+          <a:bodyPr rtlCol="0" anchor="ctr"/>
+          <a:lstStyle/>
+          <a:p>
+            <a:pPr algn="ctr"/>
+            <a:endParaRPr lang="ko-KR" altLang="en-US"/>
+          </a:p>
+        </p:txBody>
+      </p:sp>
       <p:pic>
         <p:nvPicPr>
-          <p:cNvPr id="10" name="그림 9"/>
+          <p:cNvPr id="4098" name="Picture 2"/>
           <p:cNvPicPr>
-            <a:picLocks noChangeAspect="1"/>
+            <a:picLocks noChangeAspect="1" noChangeArrowheads="1"/>
           </p:cNvPicPr>
           <p:nvPr/>
         </p:nvPicPr>
         <p:blipFill>
-          <a:blip r:embed="rId2"/>
+          <a:blip r:embed="rId3">
+            <a:extLst>
+              <a:ext uri="{28A0092B-C50C-407E-A947-70E740481C1C}">
+                <a14:useLocalDpi xmlns:a14="http://schemas.microsoft.com/office/drawing/2010/main" val="0"/>
+              </a:ext>
+            </a:extLst>
+          </a:blip>
+          <a:srcRect/>
           <a:stretch>
             <a:fillRect/>
           </a:stretch>
         </p:blipFill>
-        <p:spPr>
-          <a:xfrm>
-            <a:off x="1999903" y="4077072"/>
-            <a:ext cx="6343650" cy="2343150"/>
+        <p:spPr bwMode="auto">
+          <a:xfrm>
+            <a:off x="148435" y="5301208"/>
+            <a:ext cx="8672037" cy="792088"/>
           </a:xfrm>
           <a:prstGeom prst="rect">
             <a:avLst/>
           </a:prstGeom>
+          <a:noFill/>
+          <a:ln>
+            <a:noFill/>
+          </a:ln>
+          <a:effectLst/>
+          <a:extLst>
+            <a:ext uri="{909E8E84-426E-40DD-AFC4-6F175D3DCCD1}">
+              <a14:hiddenFill xmlns:a14="http://schemas.microsoft.com/office/drawing/2010/main">
+                <a:solidFill>
+                  <a:schemeClr val="accent1"/>
+                </a:solidFill>
+              </a14:hiddenFill>
+            </a:ext>
+            <a:ext uri="{91240B29-F687-4F45-9708-019B960494DF}">
+              <a14:hiddenLine xmlns:a14="http://schemas.microsoft.com/office/drawing/2010/main" w="9525">
+                <a:solidFill>
+                  <a:schemeClr val="tx1"/>
+                </a:solidFill>
+                <a:miter lim="800000"/>
+                <a:headEnd/>
+                <a:tailEnd/>
+              </a14:hiddenLine>
+            </a:ext>
+            <a:ext uri="{AF507438-7753-43E0-B8FC-AC1667EBCBE1}">
+              <a14:hiddenEffects xmlns:a14="http://schemas.microsoft.com/office/drawing/2010/main">
+                <a:effectLst>
+                  <a:outerShdw dist="35921" dir="2700000" algn="ctr" rotWithShape="0">
+                    <a:schemeClr val="bg2"/>
+                  </a:outerShdw>
+                </a:effectLst>
+              </a14:hiddenEffects>
+            </a:ext>
+          </a:extLst>
         </p:spPr>
       </p:pic>
     </p:spTree>
     <p:extLst>
       <p:ext uri="{BB962C8B-B14F-4D97-AF65-F5344CB8AC3E}">
-        <p14:creationId xmlns:p14="http://schemas.microsoft.com/office/powerpoint/2010/main" val="579026799"/>
+        <p14:creationId xmlns:p14="http://schemas.microsoft.com/office/powerpoint/2010/main" val="1372981945"/>
       </p:ext>
     </p:extLst>
   </p:cSld>
@@ -5822,7 +6944,75 @@
   <p:timing>
     <p:tnLst>
       <p:par>
-        <p:cTn id="1" dur="indefinite" restart="never" nodeType="tmRoot"/>
+        <p:cTn id="1" dur="indefinite" restart="never" nodeType="tmRoot">
+          <p:childTnLst>
+            <p:seq concurrent="1" nextAc="seek">
+              <p:cTn id="2" dur="indefinite" nodeType="mainSeq">
+                <p:childTnLst>
+                  <p:par>
+                    <p:cTn id="3" fill="hold">
+                      <p:stCondLst>
+                        <p:cond delay="indefinite"/>
+                      </p:stCondLst>
+                      <p:childTnLst>
+                        <p:par>
+                          <p:cTn id="4" fill="hold">
+                            <p:stCondLst>
+                              <p:cond delay="0"/>
+                            </p:stCondLst>
+                            <p:childTnLst>
+                              <p:par>
+                                <p:cTn id="5" presetID="1" presetClass="entr" presetSubtype="0" fill="hold" nodeType="clickEffect">
+                                  <p:stCondLst>
+                                    <p:cond delay="0"/>
+                                  </p:stCondLst>
+                                  <p:childTnLst>
+                                    <p:set>
+                                      <p:cBhvr>
+                                        <p:cTn id="6" dur="1" fill="hold">
+                                          <p:stCondLst>
+                                            <p:cond delay="0"/>
+                                          </p:stCondLst>
+                                        </p:cTn>
+                                        <p:tgtEl>
+                                          <p:spTgt spid="4098"/>
+                                        </p:tgtEl>
+                                        <p:attrNameLst>
+                                          <p:attrName>style.visibility</p:attrName>
+                                        </p:attrNameLst>
+                                      </p:cBhvr>
+                                      <p:to>
+                                        <p:strVal val="visible"/>
+                                      </p:to>
+                                    </p:set>
+                                  </p:childTnLst>
+                                </p:cTn>
+                              </p:par>
+                            </p:childTnLst>
+                          </p:cTn>
+                        </p:par>
+                      </p:childTnLst>
+                    </p:cTn>
+                  </p:par>
+                </p:childTnLst>
+              </p:cTn>
+              <p:prevCondLst>
+                <p:cond evt="onPrev" delay="0">
+                  <p:tgtEl>
+                    <p:sldTgt/>
+                  </p:tgtEl>
+                </p:cond>
+              </p:prevCondLst>
+              <p:nextCondLst>
+                <p:cond evt="onNext" delay="0">
+                  <p:tgtEl>
+                    <p:sldTgt/>
+                  </p:tgtEl>
+                </p:cond>
+              </p:nextCondLst>
+            </p:seq>
+          </p:childTnLst>
+        </p:cTn>
       </p:par>
     </p:tnLst>
   </p:timing>
@@ -5848,7 +7038,7 @@
       </p:grpSpPr>
       <p:sp>
         <p:nvSpPr>
-          <p:cNvPr id="9" name="부제목 2"/>
+          <p:cNvPr id="5" name="부제목 2"/>
           <p:cNvSpPr>
             <a:spLocks noGrp="1"/>
           </p:cNvSpPr>
@@ -5864,22 +7054,80 @@
         </p:spPr>
         <p:txBody>
           <a:bodyPr>
-            <a:normAutofit fontScale="92500" lnSpcReduction="20000"/>
+            <a:normAutofit/>
           </a:bodyPr>
           <a:lstStyle/>
           <a:p>
             <a:pPr algn="l"/>
             <a:r>
-              <a:rPr lang="ko-KR" altLang="en-US" sz="4400" dirty="0" smtClean="0"/>
-              <a:t>답</a:t>
+              <a:rPr lang="en-US" altLang="ko-KR" sz="3200" dirty="0" smtClean="0"/>
+              <a:t>Practice4 – </a:t>
+            </a:r>
+            <a:r>
+              <a:rPr lang="en-US" altLang="ko-KR" sz="3200" dirty="0" err="1" smtClean="0"/>
+              <a:t>scanf</a:t>
+            </a:r>
+            <a:r>
+              <a:rPr lang="en-US" altLang="ko-KR" sz="3200" dirty="0" smtClean="0"/>
+              <a:t>()</a:t>
+            </a:r>
+            <a:r>
+              <a:rPr lang="ko-KR" altLang="en-US" sz="3200" dirty="0" smtClean="0"/>
+              <a:t>를 써보자</a:t>
             </a:r>
             <a:endParaRPr lang="en-US" altLang="ko-KR" sz="4400" dirty="0"/>
+          </a:p>
+        </p:txBody>
+      </p:sp>
+      <p:sp>
+        <p:nvSpPr>
+          <p:cNvPr id="14" name="TextBox 13"/>
+          <p:cNvSpPr txBox="1"/>
+          <p:nvPr/>
+        </p:nvSpPr>
+        <p:spPr>
+          <a:xfrm>
+            <a:off x="179512" y="1268760"/>
+            <a:ext cx="1271111" cy="584775"/>
+          </a:xfrm>
+          <a:prstGeom prst="rect">
+            <a:avLst/>
+          </a:prstGeom>
+          <a:noFill/>
+        </p:spPr>
+        <p:txBody>
+          <a:bodyPr wrap="square" rtlCol="0">
+            <a:spAutoFit/>
+          </a:bodyPr>
+          <a:lstStyle/>
+          <a:p>
+            <a:r>
+              <a:rPr lang="en-US" altLang="ko-KR" sz="3200" dirty="0">
+                <a:solidFill>
+                  <a:srgbClr val="FFFFFF"/>
+                </a:solidFill>
+              </a:rPr>
+              <a:t>Main()</a:t>
+            </a:r>
+            <a:r>
+              <a:rPr lang="ko-KR" altLang="en-US" sz="3200" dirty="0">
+                <a:solidFill>
+                  <a:srgbClr val="FFFFFF"/>
+                </a:solidFill>
+              </a:rPr>
+              <a:t> </a:t>
+            </a:r>
+            <a:endParaRPr lang="en-US" altLang="ko-KR" sz="3200" dirty="0">
+              <a:solidFill>
+                <a:srgbClr val="FFFFFF"/>
+              </a:solidFill>
+            </a:endParaRPr>
           </a:p>
         </p:txBody>
       </p:sp>
       <p:pic>
         <p:nvPicPr>
-          <p:cNvPr id="7170" name="Picture 2"/>
+          <p:cNvPr id="5122" name="Picture 2"/>
           <p:cNvPicPr>
             <a:picLocks noChangeAspect="1" noChangeArrowheads="1"/>
           </p:cNvPicPr>
@@ -5900,8 +7148,8 @@
         </p:blipFill>
         <p:spPr bwMode="auto">
           <a:xfrm>
-            <a:off x="1979712" y="620687"/>
-            <a:ext cx="4027537" cy="5577567"/>
+            <a:off x="2195736" y="1340768"/>
+            <a:ext cx="4896544" cy="4633053"/>
           </a:xfrm>
           <a:prstGeom prst="rect">
             <a:avLst/>
@@ -5944,7 +7192,7 @@
     </p:spTree>
     <p:extLst>
       <p:ext uri="{BB962C8B-B14F-4D97-AF65-F5344CB8AC3E}">
-        <p14:creationId xmlns:p14="http://schemas.microsoft.com/office/powerpoint/2010/main" val="3325921627"/>
+        <p14:creationId xmlns:p14="http://schemas.microsoft.com/office/powerpoint/2010/main" val="1140390929"/>
       </p:ext>
     </p:extLst>
   </p:cSld>
@@ -6003,11 +7251,15 @@
             <a:pPr algn="l"/>
             <a:r>
               <a:rPr lang="en-US" altLang="ko-KR" sz="3200" dirty="0" smtClean="0"/>
-              <a:t>Example03 – </a:t>
+              <a:t>Practice5 – </a:t>
             </a:r>
             <a:r>
               <a:rPr lang="ko-KR" altLang="en-US" sz="3200" dirty="0" smtClean="0"/>
-              <a:t>간단한 계산기를 만들어보자</a:t>
+              <a:t>서식 문자를 잘못 쓰면</a:t>
+            </a:r>
+            <a:r>
+              <a:rPr lang="en-US" altLang="ko-KR" sz="3200" dirty="0" smtClean="0"/>
+              <a:t>..</a:t>
             </a:r>
             <a:endParaRPr lang="en-US" altLang="ko-KR" sz="4400" dirty="0"/>
           </a:p>
@@ -6015,14 +7267,14 @@
       </p:sp>
       <p:sp>
         <p:nvSpPr>
-          <p:cNvPr id="12" name="TextBox 11"/>
+          <p:cNvPr id="14" name="TextBox 13"/>
           <p:cNvSpPr txBox="1"/>
           <p:nvPr/>
         </p:nvSpPr>
         <p:spPr>
           <a:xfrm>
-            <a:off x="187799" y="873339"/>
-            <a:ext cx="1157424" cy="584775"/>
+            <a:off x="179512" y="1268760"/>
+            <a:ext cx="1271111" cy="584775"/>
           </a:xfrm>
           <a:prstGeom prst="rect">
             <a:avLst/>
@@ -6036,12 +7288,20 @@
           <a:lstStyle/>
           <a:p>
             <a:r>
+              <a:rPr lang="en-US" altLang="ko-KR" sz="3200" dirty="0">
+                <a:solidFill>
+                  <a:srgbClr val="FFFFFF"/>
+                </a:solidFill>
+              </a:rPr>
+              <a:t>Main()</a:t>
+            </a:r>
+            <a:r>
               <a:rPr lang="ko-KR" altLang="en-US" sz="3200" dirty="0">
                 <a:solidFill>
                   <a:srgbClr val="FFFFFF"/>
                 </a:solidFill>
               </a:rPr>
-              <a:t>결과 </a:t>
+              <a:t> </a:t>
             </a:r>
             <a:endParaRPr lang="en-US" altLang="ko-KR" sz="3200" dirty="0">
               <a:solidFill>
@@ -6051,55 +7311,9 @@
           </a:p>
         </p:txBody>
       </p:sp>
-      <p:sp>
-        <p:nvSpPr>
-          <p:cNvPr id="13" name="TextBox 12"/>
-          <p:cNvSpPr txBox="1"/>
-          <p:nvPr/>
-        </p:nvSpPr>
-        <p:spPr>
-          <a:xfrm>
-            <a:off x="3419872" y="737640"/>
-            <a:ext cx="1271111" cy="584775"/>
-          </a:xfrm>
-          <a:prstGeom prst="rect">
-            <a:avLst/>
-          </a:prstGeom>
-          <a:noFill/>
-        </p:spPr>
-        <p:txBody>
-          <a:bodyPr wrap="square" rtlCol="0">
-            <a:spAutoFit/>
-          </a:bodyPr>
-          <a:lstStyle/>
-          <a:p>
-            <a:r>
-              <a:rPr lang="en-US" altLang="ko-KR" sz="3200" dirty="0">
-                <a:solidFill>
-                  <a:srgbClr val="FFFFFF"/>
-                </a:solidFill>
-              </a:rPr>
-              <a:t>Main()</a:t>
-            </a:r>
-            <a:r>
-              <a:rPr lang="ko-KR" altLang="en-US" sz="3200" dirty="0">
-                <a:solidFill>
-                  <a:srgbClr val="FFFFFF"/>
-                </a:solidFill>
-              </a:rPr>
-              <a:t> </a:t>
-            </a:r>
-            <a:endParaRPr lang="en-US" altLang="ko-KR" sz="3200" dirty="0">
-              <a:solidFill>
-                <a:srgbClr val="FFFFFF"/>
-              </a:solidFill>
-            </a:endParaRPr>
-          </a:p>
-        </p:txBody>
-      </p:sp>
       <p:pic>
         <p:nvPicPr>
-          <p:cNvPr id="8194" name="Picture 2"/>
+          <p:cNvPr id="6146" name="Picture 2"/>
           <p:cNvPicPr>
             <a:picLocks noChangeAspect="1" noChangeArrowheads="1"/>
           </p:cNvPicPr>
@@ -6120,8 +7334,8 @@
         </p:blipFill>
         <p:spPr bwMode="auto">
           <a:xfrm>
-            <a:off x="3779912" y="1322413"/>
-            <a:ext cx="4248472" cy="5488768"/>
+            <a:off x="1979712" y="980728"/>
+            <a:ext cx="4968552" cy="4708191"/>
           </a:xfrm>
           <a:prstGeom prst="rect">
             <a:avLst/>
@@ -6161,289 +7375,9 @@
           </a:extLst>
         </p:spPr>
       </p:pic>
-      <p:sp>
-        <p:nvSpPr>
-          <p:cNvPr id="3" name="직사각형 2"/>
-          <p:cNvSpPr/>
-          <p:nvPr/>
-        </p:nvSpPr>
-        <p:spPr>
-          <a:xfrm>
-            <a:off x="5148064" y="2204864"/>
-            <a:ext cx="216024" cy="144016"/>
-          </a:xfrm>
-          <a:prstGeom prst="rect">
-            <a:avLst/>
-          </a:prstGeom>
-        </p:spPr>
-        <p:style>
-          <a:lnRef idx="2">
-            <a:schemeClr val="accent1">
-              <a:shade val="50000"/>
-            </a:schemeClr>
-          </a:lnRef>
-          <a:fillRef idx="1">
-            <a:schemeClr val="accent1"/>
-          </a:fillRef>
-          <a:effectRef idx="0">
-            <a:schemeClr val="accent1"/>
-          </a:effectRef>
-          <a:fontRef idx="minor">
-            <a:schemeClr val="lt1"/>
-          </a:fontRef>
-        </p:style>
-        <p:txBody>
-          <a:bodyPr rtlCol="0" anchor="ctr"/>
-          <a:lstStyle/>
-          <a:p>
-            <a:pPr algn="ctr"/>
-            <a:endParaRPr lang="ko-KR" altLang="en-US"/>
-          </a:p>
-        </p:txBody>
-      </p:sp>
-      <p:sp>
-        <p:nvSpPr>
-          <p:cNvPr id="17" name="직사각형 16"/>
-          <p:cNvSpPr/>
-          <p:nvPr/>
-        </p:nvSpPr>
-        <p:spPr>
-          <a:xfrm>
-            <a:off x="5144954" y="2708920"/>
-            <a:ext cx="363149" cy="144016"/>
-          </a:xfrm>
-          <a:prstGeom prst="rect">
-            <a:avLst/>
-          </a:prstGeom>
-        </p:spPr>
-        <p:style>
-          <a:lnRef idx="2">
-            <a:schemeClr val="accent1">
-              <a:shade val="50000"/>
-            </a:schemeClr>
-          </a:lnRef>
-          <a:fillRef idx="1">
-            <a:schemeClr val="accent1"/>
-          </a:fillRef>
-          <a:effectRef idx="0">
-            <a:schemeClr val="accent1"/>
-          </a:effectRef>
-          <a:fontRef idx="minor">
-            <a:schemeClr val="lt1"/>
-          </a:fontRef>
-        </p:style>
-        <p:txBody>
-          <a:bodyPr rtlCol="0" anchor="ctr"/>
-          <a:lstStyle/>
-          <a:p>
-            <a:pPr algn="ctr"/>
-            <a:endParaRPr lang="ko-KR" altLang="en-US"/>
-          </a:p>
-        </p:txBody>
-      </p:sp>
-      <p:sp>
-        <p:nvSpPr>
-          <p:cNvPr id="18" name="직사각형 17"/>
-          <p:cNvSpPr/>
-          <p:nvPr/>
-        </p:nvSpPr>
-        <p:spPr>
-          <a:xfrm>
-            <a:off x="5148064" y="3140968"/>
-            <a:ext cx="216024" cy="144016"/>
-          </a:xfrm>
-          <a:prstGeom prst="rect">
-            <a:avLst/>
-          </a:prstGeom>
-        </p:spPr>
-        <p:style>
-          <a:lnRef idx="2">
-            <a:schemeClr val="accent1">
-              <a:shade val="50000"/>
-            </a:schemeClr>
-          </a:lnRef>
-          <a:fillRef idx="1">
-            <a:schemeClr val="accent1"/>
-          </a:fillRef>
-          <a:effectRef idx="0">
-            <a:schemeClr val="accent1"/>
-          </a:effectRef>
-          <a:fontRef idx="minor">
-            <a:schemeClr val="lt1"/>
-          </a:fontRef>
-        </p:style>
-        <p:txBody>
-          <a:bodyPr rtlCol="0" anchor="ctr"/>
-          <a:lstStyle/>
-          <a:p>
-            <a:pPr algn="ctr"/>
-            <a:endParaRPr lang="ko-KR" altLang="en-US"/>
-          </a:p>
-        </p:txBody>
-      </p:sp>
-      <p:sp>
-        <p:nvSpPr>
-          <p:cNvPr id="19" name="직사각형 18"/>
-          <p:cNvSpPr/>
-          <p:nvPr/>
-        </p:nvSpPr>
-        <p:spPr>
-          <a:xfrm>
-            <a:off x="5218516" y="3573016"/>
-            <a:ext cx="433604" cy="144016"/>
-          </a:xfrm>
-          <a:prstGeom prst="rect">
-            <a:avLst/>
-          </a:prstGeom>
-        </p:spPr>
-        <p:style>
-          <a:lnRef idx="2">
-            <a:schemeClr val="accent1">
-              <a:shade val="50000"/>
-            </a:schemeClr>
-          </a:lnRef>
-          <a:fillRef idx="1">
-            <a:schemeClr val="accent1"/>
-          </a:fillRef>
-          <a:effectRef idx="0">
-            <a:schemeClr val="accent1"/>
-          </a:effectRef>
-          <a:fontRef idx="minor">
-            <a:schemeClr val="lt1"/>
-          </a:fontRef>
-        </p:style>
-        <p:txBody>
-          <a:bodyPr rtlCol="0" anchor="ctr"/>
-          <a:lstStyle/>
-          <a:p>
-            <a:pPr algn="ctr"/>
-            <a:endParaRPr lang="ko-KR" altLang="en-US"/>
-          </a:p>
-        </p:txBody>
-      </p:sp>
-      <p:sp>
-        <p:nvSpPr>
-          <p:cNvPr id="20" name="직사각형 19"/>
-          <p:cNvSpPr/>
-          <p:nvPr/>
-        </p:nvSpPr>
-        <p:spPr>
-          <a:xfrm>
-            <a:off x="5218516" y="4149080"/>
-            <a:ext cx="433604" cy="144016"/>
-          </a:xfrm>
-          <a:prstGeom prst="rect">
-            <a:avLst/>
-          </a:prstGeom>
-        </p:spPr>
-        <p:style>
-          <a:lnRef idx="2">
-            <a:schemeClr val="accent1">
-              <a:shade val="50000"/>
-            </a:schemeClr>
-          </a:lnRef>
-          <a:fillRef idx="1">
-            <a:schemeClr val="accent1"/>
-          </a:fillRef>
-          <a:effectRef idx="0">
-            <a:schemeClr val="accent1"/>
-          </a:effectRef>
-          <a:fontRef idx="minor">
-            <a:schemeClr val="lt1"/>
-          </a:fontRef>
-        </p:style>
-        <p:txBody>
-          <a:bodyPr rtlCol="0" anchor="ctr"/>
-          <a:lstStyle/>
-          <a:p>
-            <a:pPr algn="ctr"/>
-            <a:endParaRPr lang="ko-KR" altLang="en-US"/>
-          </a:p>
-        </p:txBody>
-      </p:sp>
-      <p:sp>
-        <p:nvSpPr>
-          <p:cNvPr id="21" name="직사각형 20"/>
-          <p:cNvSpPr/>
-          <p:nvPr/>
-        </p:nvSpPr>
-        <p:spPr>
-          <a:xfrm>
-            <a:off x="5218516" y="4725144"/>
-            <a:ext cx="433604" cy="144016"/>
-          </a:xfrm>
-          <a:prstGeom prst="rect">
-            <a:avLst/>
-          </a:prstGeom>
-        </p:spPr>
-        <p:style>
-          <a:lnRef idx="2">
-            <a:schemeClr val="accent1">
-              <a:shade val="50000"/>
-            </a:schemeClr>
-          </a:lnRef>
-          <a:fillRef idx="1">
-            <a:schemeClr val="accent1"/>
-          </a:fillRef>
-          <a:effectRef idx="0">
-            <a:schemeClr val="accent1"/>
-          </a:effectRef>
-          <a:fontRef idx="minor">
-            <a:schemeClr val="lt1"/>
-          </a:fontRef>
-        </p:style>
-        <p:txBody>
-          <a:bodyPr rtlCol="0" anchor="ctr"/>
-          <a:lstStyle/>
-          <a:p>
-            <a:pPr algn="ctr"/>
-            <a:endParaRPr lang="ko-KR" altLang="en-US"/>
-          </a:p>
-        </p:txBody>
-      </p:sp>
-      <p:sp>
-        <p:nvSpPr>
-          <p:cNvPr id="22" name="직사각형 21"/>
-          <p:cNvSpPr/>
-          <p:nvPr/>
-        </p:nvSpPr>
-        <p:spPr>
-          <a:xfrm>
-            <a:off x="5218516" y="5301208"/>
-            <a:ext cx="433604" cy="144016"/>
-          </a:xfrm>
-          <a:prstGeom prst="rect">
-            <a:avLst/>
-          </a:prstGeom>
-        </p:spPr>
-        <p:style>
-          <a:lnRef idx="2">
-            <a:schemeClr val="accent1">
-              <a:shade val="50000"/>
-            </a:schemeClr>
-          </a:lnRef>
-          <a:fillRef idx="1">
-            <a:schemeClr val="accent1"/>
-          </a:fillRef>
-          <a:effectRef idx="0">
-            <a:schemeClr val="accent1"/>
-          </a:effectRef>
-          <a:fontRef idx="minor">
-            <a:schemeClr val="lt1"/>
-          </a:fontRef>
-        </p:style>
-        <p:txBody>
-          <a:bodyPr rtlCol="0" anchor="ctr"/>
-          <a:lstStyle/>
-          <a:p>
-            <a:pPr algn="ctr"/>
-            <a:endParaRPr lang="ko-KR" altLang="en-US"/>
-          </a:p>
-        </p:txBody>
-      </p:sp>
       <p:pic>
         <p:nvPicPr>
-          <p:cNvPr id="8195" name="Picture 3"/>
+          <p:cNvPr id="6147" name="Picture 3"/>
           <p:cNvPicPr>
             <a:picLocks noChangeAspect="1" noChangeArrowheads="1"/>
           </p:cNvPicPr>
@@ -6464,8 +7398,8 @@
         </p:blipFill>
         <p:spPr bwMode="auto">
           <a:xfrm>
-            <a:off x="187799" y="2366962"/>
-            <a:ext cx="3342379" cy="1441500"/>
+            <a:off x="2267744" y="2420888"/>
+            <a:ext cx="4104456" cy="2122994"/>
           </a:xfrm>
           <a:prstGeom prst="rect">
             <a:avLst/>
@@ -6505,100 +7439,10 @@
           </a:extLst>
         </p:spPr>
       </p:pic>
-      <p:cxnSp>
-        <p:nvCxnSpPr>
-          <p:cNvPr id="6" name="직선 연결선 5"/>
-          <p:cNvCxnSpPr/>
-          <p:nvPr/>
-        </p:nvCxnSpPr>
-        <p:spPr>
-          <a:xfrm>
-            <a:off x="187799" y="2636912"/>
-            <a:ext cx="3342379" cy="0"/>
-          </a:xfrm>
-          <a:prstGeom prst="line">
-            <a:avLst/>
-          </a:prstGeom>
-        </p:spPr>
-        <p:style>
-          <a:lnRef idx="1">
-            <a:schemeClr val="accent1"/>
-          </a:lnRef>
-          <a:fillRef idx="0">
-            <a:schemeClr val="accent1"/>
-          </a:fillRef>
-          <a:effectRef idx="0">
-            <a:schemeClr val="accent1"/>
-          </a:effectRef>
-          <a:fontRef idx="minor">
-            <a:schemeClr val="tx1"/>
-          </a:fontRef>
-        </p:style>
-      </p:cxnSp>
-      <p:cxnSp>
-        <p:nvCxnSpPr>
-          <p:cNvPr id="23" name="직선 연결선 22"/>
-          <p:cNvCxnSpPr/>
-          <p:nvPr/>
-        </p:nvCxnSpPr>
-        <p:spPr>
-          <a:xfrm>
-            <a:off x="149501" y="3140968"/>
-            <a:ext cx="3342379" cy="0"/>
-          </a:xfrm>
-          <a:prstGeom prst="line">
-            <a:avLst/>
-          </a:prstGeom>
-        </p:spPr>
-        <p:style>
-          <a:lnRef idx="1">
-            <a:schemeClr val="accent1"/>
-          </a:lnRef>
-          <a:fillRef idx="0">
-            <a:schemeClr val="accent1"/>
-          </a:fillRef>
-          <a:effectRef idx="0">
-            <a:schemeClr val="accent1"/>
-          </a:effectRef>
-          <a:fontRef idx="minor">
-            <a:schemeClr val="tx1"/>
-          </a:fontRef>
-        </p:style>
-      </p:cxnSp>
-      <p:cxnSp>
-        <p:nvCxnSpPr>
-          <p:cNvPr id="24" name="직선 연결선 23"/>
-          <p:cNvCxnSpPr/>
-          <p:nvPr/>
-        </p:nvCxnSpPr>
-        <p:spPr>
-          <a:xfrm>
-            <a:off x="187798" y="3429000"/>
-            <a:ext cx="3342379" cy="0"/>
-          </a:xfrm>
-          <a:prstGeom prst="line">
-            <a:avLst/>
-          </a:prstGeom>
-        </p:spPr>
-        <p:style>
-          <a:lnRef idx="1">
-            <a:schemeClr val="accent1"/>
-          </a:lnRef>
-          <a:fillRef idx="0">
-            <a:schemeClr val="accent1"/>
-          </a:fillRef>
-          <a:effectRef idx="0">
-            <a:schemeClr val="accent1"/>
-          </a:effectRef>
-          <a:fontRef idx="minor">
-            <a:schemeClr val="tx1"/>
-          </a:fontRef>
-        </p:style>
-      </p:cxnSp>
     </p:spTree>
     <p:extLst>
       <p:ext uri="{BB962C8B-B14F-4D97-AF65-F5344CB8AC3E}">
-        <p14:creationId xmlns:p14="http://schemas.microsoft.com/office/powerpoint/2010/main" val="3433701356"/>
+        <p14:creationId xmlns:p14="http://schemas.microsoft.com/office/powerpoint/2010/main" val="549136915"/>
       </p:ext>
     </p:extLst>
   </p:cSld>
@@ -6608,7 +7452,75 @@
   <p:timing>
     <p:tnLst>
       <p:par>
-        <p:cTn id="1" dur="indefinite" restart="never" nodeType="tmRoot"/>
+        <p:cTn id="1" dur="indefinite" restart="never" nodeType="tmRoot">
+          <p:childTnLst>
+            <p:seq concurrent="1" nextAc="seek">
+              <p:cTn id="2" dur="indefinite" nodeType="mainSeq">
+                <p:childTnLst>
+                  <p:par>
+                    <p:cTn id="3" fill="hold">
+                      <p:stCondLst>
+                        <p:cond delay="indefinite"/>
+                      </p:stCondLst>
+                      <p:childTnLst>
+                        <p:par>
+                          <p:cTn id="4" fill="hold">
+                            <p:stCondLst>
+                              <p:cond delay="0"/>
+                            </p:stCondLst>
+                            <p:childTnLst>
+                              <p:par>
+                                <p:cTn id="5" presetID="1" presetClass="entr" presetSubtype="0" fill="hold" nodeType="clickEffect">
+                                  <p:stCondLst>
+                                    <p:cond delay="0"/>
+                                  </p:stCondLst>
+                                  <p:childTnLst>
+                                    <p:set>
+                                      <p:cBhvr>
+                                        <p:cTn id="6" dur="1" fill="hold">
+                                          <p:stCondLst>
+                                            <p:cond delay="0"/>
+                                          </p:stCondLst>
+                                        </p:cTn>
+                                        <p:tgtEl>
+                                          <p:spTgt spid="6147"/>
+                                        </p:tgtEl>
+                                        <p:attrNameLst>
+                                          <p:attrName>style.visibility</p:attrName>
+                                        </p:attrNameLst>
+                                      </p:cBhvr>
+                                      <p:to>
+                                        <p:strVal val="visible"/>
+                                      </p:to>
+                                    </p:set>
+                                  </p:childTnLst>
+                                </p:cTn>
+                              </p:par>
+                            </p:childTnLst>
+                          </p:cTn>
+                        </p:par>
+                      </p:childTnLst>
+                    </p:cTn>
+                  </p:par>
+                </p:childTnLst>
+              </p:cTn>
+              <p:prevCondLst>
+                <p:cond evt="onPrev" delay="0">
+                  <p:tgtEl>
+                    <p:sldTgt/>
+                  </p:tgtEl>
+                </p:cond>
+              </p:prevCondLst>
+              <p:nextCondLst>
+                <p:cond evt="onNext" delay="0">
+                  <p:tgtEl>
+                    <p:sldTgt/>
+                  </p:tgtEl>
+                </p:cond>
+              </p:nextCondLst>
+            </p:seq>
+          </p:childTnLst>
+        </p:cTn>
       </p:par>
     </p:tnLst>
   </p:timing>
@@ -6634,7 +7546,7 @@
       </p:grpSpPr>
       <p:sp>
         <p:nvSpPr>
-          <p:cNvPr id="9" name="부제목 2"/>
+          <p:cNvPr id="5" name="부제목 2"/>
           <p:cNvSpPr>
             <a:spLocks noGrp="1"/>
           </p:cNvSpPr>
@@ -6650,22 +7562,126 @@
         </p:spPr>
         <p:txBody>
           <a:bodyPr>
-            <a:normAutofit fontScale="92500" lnSpcReduction="20000"/>
+            <a:normAutofit/>
           </a:bodyPr>
           <a:lstStyle/>
           <a:p>
             <a:pPr algn="l"/>
             <a:r>
-              <a:rPr lang="ko-KR" altLang="en-US" sz="4400" dirty="0" smtClean="0"/>
-              <a:t>답</a:t>
+              <a:rPr lang="en-US" altLang="ko-KR" sz="3200" dirty="0" smtClean="0"/>
+              <a:t>Exampl</a:t>
+            </a:r>
+            <a:r>
+              <a:rPr lang="en-US" altLang="ko-KR" sz="3200" dirty="0" smtClean="0"/>
+              <a:t>e1</a:t>
+            </a:r>
+            <a:r>
+              <a:rPr lang="en-US" altLang="ko-KR" sz="3200" dirty="0" smtClean="0"/>
+              <a:t> </a:t>
+            </a:r>
+            <a:r>
+              <a:rPr lang="en-US" altLang="ko-KR" sz="3200" dirty="0" smtClean="0"/>
+              <a:t>– </a:t>
+            </a:r>
+            <a:r>
+              <a:rPr lang="en-US" altLang="ko-KR" sz="3200" dirty="0" smtClean="0"/>
+              <a:t>if</a:t>
+            </a:r>
+            <a:r>
+              <a:rPr lang="ko-KR" altLang="en-US" sz="3200" dirty="0" smtClean="0"/>
+              <a:t>문을 사용해보자</a:t>
             </a:r>
             <a:endParaRPr lang="en-US" altLang="ko-KR" sz="4400" dirty="0"/>
+          </a:p>
+        </p:txBody>
+      </p:sp>
+      <p:sp>
+        <p:nvSpPr>
+          <p:cNvPr id="12" name="TextBox 11"/>
+          <p:cNvSpPr txBox="1"/>
+          <p:nvPr/>
+        </p:nvSpPr>
+        <p:spPr>
+          <a:xfrm>
+            <a:off x="187799" y="873339"/>
+            <a:ext cx="1157424" cy="584775"/>
+          </a:xfrm>
+          <a:prstGeom prst="rect">
+            <a:avLst/>
+          </a:prstGeom>
+          <a:noFill/>
+        </p:spPr>
+        <p:txBody>
+          <a:bodyPr wrap="square" rtlCol="0">
+            <a:spAutoFit/>
+          </a:bodyPr>
+          <a:lstStyle/>
+          <a:p>
+            <a:r>
+              <a:rPr lang="ko-KR" altLang="en-US" sz="3200" dirty="0">
+                <a:solidFill>
+                  <a:srgbClr val="FFFFFF"/>
+                </a:solidFill>
+              </a:rPr>
+              <a:t>결과 </a:t>
+            </a:r>
+            <a:endParaRPr lang="en-US" altLang="ko-KR" sz="3200" dirty="0">
+              <a:solidFill>
+                <a:srgbClr val="FFFFFF"/>
+              </a:solidFill>
+            </a:endParaRPr>
+          </a:p>
+        </p:txBody>
+      </p:sp>
+      <p:sp>
+        <p:nvSpPr>
+          <p:cNvPr id="8" name="TextBox 7"/>
+          <p:cNvSpPr txBox="1"/>
+          <p:nvPr/>
+        </p:nvSpPr>
+        <p:spPr>
+          <a:xfrm>
+            <a:off x="3851920" y="862652"/>
+            <a:ext cx="1271111" cy="584775"/>
+          </a:xfrm>
+          <a:prstGeom prst="rect">
+            <a:avLst/>
+          </a:prstGeom>
+          <a:noFill/>
+        </p:spPr>
+        <p:txBody>
+          <a:bodyPr wrap="square" rtlCol="0">
+            <a:spAutoFit/>
+          </a:bodyPr>
+          <a:lstStyle/>
+          <a:p>
+            <a:r>
+              <a:rPr lang="en-US" altLang="ko-KR" sz="3200" dirty="0">
+                <a:solidFill>
+                  <a:srgbClr val="FFFFFF"/>
+                </a:solidFill>
+              </a:rPr>
+              <a:t>Main()</a:t>
+            </a:r>
+            <a:r>
+              <a:rPr lang="ko-KR" altLang="en-US" sz="3200" dirty="0">
+                <a:solidFill>
+                  <a:srgbClr val="FFFFFF"/>
+                </a:solidFill>
+              </a:rPr>
+              <a:t> </a:t>
+            </a:r>
+            <a:endParaRPr lang="en-US" altLang="ko-KR" sz="3200" dirty="0">
+              <a:solidFill>
+                <a:srgbClr val="FFFFFF"/>
+              </a:solidFill>
+            </a:endParaRPr>
           </a:p>
         </p:txBody>
       </p:sp>
       <p:pic>
         <p:nvPicPr>
-          <p:cNvPr id="4" name="Picture 2"/>
+          <p:cNvPr id="3076" name="Picture 4"/>
           <p:cNvPicPr>
             <a:picLocks noChangeAspect="1" noChangeArrowheads="1"/>
           </p:cNvPicPr>
@@ -6686,8 +7702,8 @@
         </p:blipFill>
         <p:spPr bwMode="auto">
           <a:xfrm>
-            <a:off x="1763688" y="620688"/>
-            <a:ext cx="4464496" cy="5767858"/>
+            <a:off x="3491880" y="1772816"/>
+            <a:ext cx="5603916" cy="3672408"/>
           </a:xfrm>
           <a:prstGeom prst="rect">
             <a:avLst/>
@@ -6727,10 +7743,582 @@
           </a:extLst>
         </p:spPr>
       </p:pic>
+      <p:pic>
+        <p:nvPicPr>
+          <p:cNvPr id="3077" name="Picture 5"/>
+          <p:cNvPicPr>
+            <a:picLocks noChangeAspect="1" noChangeArrowheads="1"/>
+          </p:cNvPicPr>
+          <p:nvPr/>
+        </p:nvPicPr>
+        <p:blipFill>
+          <a:blip r:embed="rId3">
+            <a:extLst>
+              <a:ext uri="{28A0092B-C50C-407E-A947-70E740481C1C}">
+                <a14:useLocalDpi xmlns:a14="http://schemas.microsoft.com/office/drawing/2010/main" val="0"/>
+              </a:ext>
+            </a:extLst>
+          </a:blip>
+          <a:srcRect/>
+          <a:stretch>
+            <a:fillRect/>
+          </a:stretch>
+        </p:blipFill>
+        <p:spPr bwMode="auto">
+          <a:xfrm>
+            <a:off x="0" y="2276872"/>
+            <a:ext cx="3204709" cy="657735"/>
+          </a:xfrm>
+          <a:prstGeom prst="rect">
+            <a:avLst/>
+          </a:prstGeom>
+          <a:noFill/>
+          <a:ln>
+            <a:noFill/>
+          </a:ln>
+          <a:effectLst/>
+          <a:extLst>
+            <a:ext uri="{909E8E84-426E-40DD-AFC4-6F175D3DCCD1}">
+              <a14:hiddenFill xmlns:a14="http://schemas.microsoft.com/office/drawing/2010/main">
+                <a:solidFill>
+                  <a:schemeClr val="accent1"/>
+                </a:solidFill>
+              </a14:hiddenFill>
+            </a:ext>
+            <a:ext uri="{91240B29-F687-4F45-9708-019B960494DF}">
+              <a14:hiddenLine xmlns:a14="http://schemas.microsoft.com/office/drawing/2010/main" w="9525">
+                <a:solidFill>
+                  <a:schemeClr val="tx1"/>
+                </a:solidFill>
+                <a:miter lim="800000"/>
+                <a:headEnd/>
+                <a:tailEnd/>
+              </a14:hiddenLine>
+            </a:ext>
+            <a:ext uri="{AF507438-7753-43E0-B8FC-AC1667EBCBE1}">
+              <a14:hiddenEffects xmlns:a14="http://schemas.microsoft.com/office/drawing/2010/main">
+                <a:effectLst>
+                  <a:outerShdw dist="35921" dir="2700000" algn="ctr" rotWithShape="0">
+                    <a:schemeClr val="bg2"/>
+                  </a:outerShdw>
+                </a:effectLst>
+              </a14:hiddenEffects>
+            </a:ext>
+          </a:extLst>
+        </p:spPr>
+      </p:pic>
+      <p:pic>
+        <p:nvPicPr>
+          <p:cNvPr id="3078" name="Picture 6"/>
+          <p:cNvPicPr>
+            <a:picLocks noChangeAspect="1" noChangeArrowheads="1"/>
+          </p:cNvPicPr>
+          <p:nvPr/>
+        </p:nvPicPr>
+        <p:blipFill>
+          <a:blip r:embed="rId4">
+            <a:extLst>
+              <a:ext uri="{28A0092B-C50C-407E-A947-70E740481C1C}">
+                <a14:useLocalDpi xmlns:a14="http://schemas.microsoft.com/office/drawing/2010/main" val="0"/>
+              </a:ext>
+            </a:extLst>
+          </a:blip>
+          <a:srcRect/>
+          <a:stretch>
+            <a:fillRect/>
+          </a:stretch>
+        </p:blipFill>
+        <p:spPr bwMode="auto">
+          <a:xfrm>
+            <a:off x="3555" y="3609020"/>
+            <a:ext cx="3127508" cy="486982"/>
+          </a:xfrm>
+          <a:prstGeom prst="rect">
+            <a:avLst/>
+          </a:prstGeom>
+          <a:noFill/>
+          <a:ln>
+            <a:noFill/>
+          </a:ln>
+          <a:effectLst/>
+          <a:extLst>
+            <a:ext uri="{909E8E84-426E-40DD-AFC4-6F175D3DCCD1}">
+              <a14:hiddenFill xmlns:a14="http://schemas.microsoft.com/office/drawing/2010/main">
+                <a:solidFill>
+                  <a:schemeClr val="accent1"/>
+                </a:solidFill>
+              </a14:hiddenFill>
+            </a:ext>
+            <a:ext uri="{91240B29-F687-4F45-9708-019B960494DF}">
+              <a14:hiddenLine xmlns:a14="http://schemas.microsoft.com/office/drawing/2010/main" w="9525">
+                <a:solidFill>
+                  <a:schemeClr val="tx1"/>
+                </a:solidFill>
+                <a:miter lim="800000"/>
+                <a:headEnd/>
+                <a:tailEnd/>
+              </a14:hiddenLine>
+            </a:ext>
+            <a:ext uri="{AF507438-7753-43E0-B8FC-AC1667EBCBE1}">
+              <a14:hiddenEffects xmlns:a14="http://schemas.microsoft.com/office/drawing/2010/main">
+                <a:effectLst>
+                  <a:outerShdw dist="35921" dir="2700000" algn="ctr" rotWithShape="0">
+                    <a:schemeClr val="bg2"/>
+                  </a:outerShdw>
+                </a:effectLst>
+              </a14:hiddenEffects>
+            </a:ext>
+          </a:extLst>
+        </p:spPr>
+      </p:pic>
+      <p:cxnSp>
+        <p:nvCxnSpPr>
+          <p:cNvPr id="6" name="직선 화살표 연결선 5"/>
+          <p:cNvCxnSpPr/>
+          <p:nvPr/>
+        </p:nvCxnSpPr>
+        <p:spPr>
+          <a:xfrm>
+            <a:off x="3275856" y="2708920"/>
+            <a:ext cx="576064" cy="504056"/>
+          </a:xfrm>
+          <a:prstGeom prst="straightConnector1">
+            <a:avLst/>
+          </a:prstGeom>
+          <a:ln w="25400">
+            <a:solidFill>
+              <a:srgbClr val="FF0000"/>
+            </a:solidFill>
+            <a:tailEnd type="arrow"/>
+          </a:ln>
+        </p:spPr>
+        <p:style>
+          <a:lnRef idx="1">
+            <a:schemeClr val="accent1"/>
+          </a:lnRef>
+          <a:fillRef idx="0">
+            <a:schemeClr val="accent1"/>
+          </a:fillRef>
+          <a:effectRef idx="0">
+            <a:schemeClr val="accent1"/>
+          </a:effectRef>
+          <a:fontRef idx="minor">
+            <a:schemeClr val="tx1"/>
+          </a:fontRef>
+        </p:style>
+      </p:cxnSp>
+      <p:cxnSp>
+        <p:nvCxnSpPr>
+          <p:cNvPr id="14" name="직선 화살표 연결선 13"/>
+          <p:cNvCxnSpPr/>
+          <p:nvPr/>
+        </p:nvCxnSpPr>
+        <p:spPr>
+          <a:xfrm>
+            <a:off x="3204709" y="3861048"/>
+            <a:ext cx="719219" cy="0"/>
+          </a:xfrm>
+          <a:prstGeom prst="straightConnector1">
+            <a:avLst/>
+          </a:prstGeom>
+          <a:ln w="25400">
+            <a:solidFill>
+              <a:srgbClr val="FF0000"/>
+            </a:solidFill>
+            <a:tailEnd type="arrow"/>
+          </a:ln>
+        </p:spPr>
+        <p:style>
+          <a:lnRef idx="1">
+            <a:schemeClr val="accent1"/>
+          </a:lnRef>
+          <a:fillRef idx="0">
+            <a:schemeClr val="accent1"/>
+          </a:fillRef>
+          <a:effectRef idx="0">
+            <a:schemeClr val="accent1"/>
+          </a:effectRef>
+          <a:fontRef idx="minor">
+            <a:schemeClr val="tx1"/>
+          </a:fontRef>
+        </p:style>
+      </p:cxnSp>
+      <p:sp>
+        <p:nvSpPr>
+          <p:cNvPr id="11" name="직사각형 10"/>
+          <p:cNvSpPr/>
+          <p:nvPr/>
+        </p:nvSpPr>
+        <p:spPr>
+          <a:xfrm>
+            <a:off x="4427984" y="2797554"/>
+            <a:ext cx="864096" cy="180020"/>
+          </a:xfrm>
+          <a:prstGeom prst="rect">
+            <a:avLst/>
+          </a:prstGeom>
+        </p:spPr>
+        <p:style>
+          <a:lnRef idx="2">
+            <a:schemeClr val="accent1">
+              <a:shade val="50000"/>
+            </a:schemeClr>
+          </a:lnRef>
+          <a:fillRef idx="1">
+            <a:schemeClr val="accent1"/>
+          </a:fillRef>
+          <a:effectRef idx="0">
+            <a:schemeClr val="accent1"/>
+          </a:effectRef>
+          <a:fontRef idx="minor">
+            <a:schemeClr val="lt1"/>
+          </a:fontRef>
+        </p:style>
+        <p:txBody>
+          <a:bodyPr rtlCol="0" anchor="ctr"/>
+          <a:lstStyle/>
+          <a:p>
+            <a:pPr algn="ctr"/>
+            <a:endParaRPr lang="ko-KR" altLang="en-US"/>
+          </a:p>
+        </p:txBody>
+      </p:sp>
+      <p:sp>
+        <p:nvSpPr>
+          <p:cNvPr id="19" name="직사각형 18"/>
+          <p:cNvSpPr/>
+          <p:nvPr/>
+        </p:nvSpPr>
+        <p:spPr>
+          <a:xfrm>
+            <a:off x="4250302" y="3015025"/>
+            <a:ext cx="681738" cy="173012"/>
+          </a:xfrm>
+          <a:prstGeom prst="rect">
+            <a:avLst/>
+          </a:prstGeom>
+        </p:spPr>
+        <p:style>
+          <a:lnRef idx="2">
+            <a:schemeClr val="accent1">
+              <a:shade val="50000"/>
+            </a:schemeClr>
+          </a:lnRef>
+          <a:fillRef idx="1">
+            <a:schemeClr val="accent1"/>
+          </a:fillRef>
+          <a:effectRef idx="0">
+            <a:schemeClr val="accent1"/>
+          </a:effectRef>
+          <a:fontRef idx="minor">
+            <a:schemeClr val="lt1"/>
+          </a:fontRef>
+        </p:style>
+        <p:txBody>
+          <a:bodyPr rtlCol="0" anchor="ctr"/>
+          <a:lstStyle/>
+          <a:p>
+            <a:pPr algn="ctr"/>
+            <a:endParaRPr lang="ko-KR" altLang="en-US"/>
+          </a:p>
+        </p:txBody>
+      </p:sp>
+      <p:sp>
+        <p:nvSpPr>
+          <p:cNvPr id="20" name="직사각형 19"/>
+          <p:cNvSpPr/>
+          <p:nvPr/>
+        </p:nvSpPr>
+        <p:spPr>
+          <a:xfrm>
+            <a:off x="4932040" y="3212976"/>
+            <a:ext cx="190991" cy="173012"/>
+          </a:xfrm>
+          <a:prstGeom prst="rect">
+            <a:avLst/>
+          </a:prstGeom>
+        </p:spPr>
+        <p:style>
+          <a:lnRef idx="2">
+            <a:schemeClr val="accent1">
+              <a:shade val="50000"/>
+            </a:schemeClr>
+          </a:lnRef>
+          <a:fillRef idx="1">
+            <a:schemeClr val="accent1"/>
+          </a:fillRef>
+          <a:effectRef idx="0">
+            <a:schemeClr val="accent1"/>
+          </a:effectRef>
+          <a:fontRef idx="minor">
+            <a:schemeClr val="lt1"/>
+          </a:fontRef>
+        </p:style>
+        <p:txBody>
+          <a:bodyPr rtlCol="0" anchor="ctr"/>
+          <a:lstStyle/>
+          <a:p>
+            <a:pPr algn="ctr"/>
+            <a:endParaRPr lang="ko-KR" altLang="en-US"/>
+          </a:p>
+        </p:txBody>
+      </p:sp>
+      <p:sp>
+        <p:nvSpPr>
+          <p:cNvPr id="21" name="직사각형 20"/>
+          <p:cNvSpPr/>
+          <p:nvPr/>
+        </p:nvSpPr>
+        <p:spPr>
+          <a:xfrm>
+            <a:off x="7668344" y="3212976"/>
+            <a:ext cx="307593" cy="173012"/>
+          </a:xfrm>
+          <a:prstGeom prst="rect">
+            <a:avLst/>
+          </a:prstGeom>
+        </p:spPr>
+        <p:style>
+          <a:lnRef idx="2">
+            <a:schemeClr val="accent1">
+              <a:shade val="50000"/>
+            </a:schemeClr>
+          </a:lnRef>
+          <a:fillRef idx="1">
+            <a:schemeClr val="accent1"/>
+          </a:fillRef>
+          <a:effectRef idx="0">
+            <a:schemeClr val="accent1"/>
+          </a:effectRef>
+          <a:fontRef idx="minor">
+            <a:schemeClr val="lt1"/>
+          </a:fontRef>
+        </p:style>
+        <p:txBody>
+          <a:bodyPr rtlCol="0" anchor="ctr"/>
+          <a:lstStyle/>
+          <a:p>
+            <a:pPr algn="ctr"/>
+            <a:endParaRPr lang="ko-KR" altLang="en-US"/>
+          </a:p>
+        </p:txBody>
+      </p:sp>
+      <p:sp>
+        <p:nvSpPr>
+          <p:cNvPr id="22" name="직사각형 21"/>
+          <p:cNvSpPr/>
+          <p:nvPr/>
+        </p:nvSpPr>
+        <p:spPr>
+          <a:xfrm>
+            <a:off x="4934849" y="3832052"/>
+            <a:ext cx="190991" cy="173012"/>
+          </a:xfrm>
+          <a:prstGeom prst="rect">
+            <a:avLst/>
+          </a:prstGeom>
+        </p:spPr>
+        <p:style>
+          <a:lnRef idx="2">
+            <a:schemeClr val="accent1">
+              <a:shade val="50000"/>
+            </a:schemeClr>
+          </a:lnRef>
+          <a:fillRef idx="1">
+            <a:schemeClr val="accent1"/>
+          </a:fillRef>
+          <a:effectRef idx="0">
+            <a:schemeClr val="accent1"/>
+          </a:effectRef>
+          <a:fontRef idx="minor">
+            <a:schemeClr val="lt1"/>
+          </a:fontRef>
+        </p:style>
+        <p:txBody>
+          <a:bodyPr rtlCol="0" anchor="ctr"/>
+          <a:lstStyle/>
+          <a:p>
+            <a:pPr algn="ctr"/>
+            <a:endParaRPr lang="ko-KR" altLang="en-US"/>
+          </a:p>
+        </p:txBody>
+      </p:sp>
+      <p:sp>
+        <p:nvSpPr>
+          <p:cNvPr id="23" name="직사각형 22"/>
+          <p:cNvSpPr/>
+          <p:nvPr/>
+        </p:nvSpPr>
+        <p:spPr>
+          <a:xfrm>
+            <a:off x="8477058" y="3809922"/>
+            <a:ext cx="307593" cy="173012"/>
+          </a:xfrm>
+          <a:prstGeom prst="rect">
+            <a:avLst/>
+          </a:prstGeom>
+        </p:spPr>
+        <p:style>
+          <a:lnRef idx="2">
+            <a:schemeClr val="accent1">
+              <a:shade val="50000"/>
+            </a:schemeClr>
+          </a:lnRef>
+          <a:fillRef idx="1">
+            <a:schemeClr val="accent1"/>
+          </a:fillRef>
+          <a:effectRef idx="0">
+            <a:schemeClr val="accent1"/>
+          </a:effectRef>
+          <a:fontRef idx="minor">
+            <a:schemeClr val="lt1"/>
+          </a:fontRef>
+        </p:style>
+        <p:txBody>
+          <a:bodyPr rtlCol="0" anchor="ctr"/>
+          <a:lstStyle/>
+          <a:p>
+            <a:pPr algn="ctr"/>
+            <a:endParaRPr lang="ko-KR" altLang="en-US"/>
+          </a:p>
+        </p:txBody>
+      </p:sp>
     </p:spTree>
     <p:extLst>
       <p:ext uri="{BB962C8B-B14F-4D97-AF65-F5344CB8AC3E}">
-        <p14:creationId xmlns:p14="http://schemas.microsoft.com/office/powerpoint/2010/main" val="1132801227"/>
+        <p14:creationId xmlns:p14="http://schemas.microsoft.com/office/powerpoint/2010/main" val="2945314297"/>
+      </p:ext>
+    </p:extLst>
+  </p:cSld>
+  <p:clrMapOvr>
+    <a:masterClrMapping/>
+  </p:clrMapOvr>
+  <p:timing>
+    <p:tnLst>
+      <p:par>
+        <p:cTn id="1" dur="indefinite" restart="never" nodeType="tmRoot"/>
+      </p:par>
+    </p:tnLst>
+  </p:timing>
+</p:sld>
+</file>
+
+<file path=ppt/slides/slide9.xml><?xml version="1.0" encoding="utf-8"?>
+<p:sld xmlns:a="http://schemas.openxmlformats.org/drawingml/2006/main" xmlns:r="http://schemas.openxmlformats.org/officeDocument/2006/relationships" xmlns:p="http://schemas.openxmlformats.org/presentationml/2006/main">
+  <p:cSld>
+    <p:spTree>
+      <p:nvGrpSpPr>
+        <p:cNvPr id="1" name=""/>
+        <p:cNvGrpSpPr/>
+        <p:nvPr/>
+      </p:nvGrpSpPr>
+      <p:grpSpPr>
+        <a:xfrm>
+          <a:off x="0" y="0"/>
+          <a:ext cx="0" cy="0"/>
+          <a:chOff x="0" y="0"/>
+          <a:chExt cx="0" cy="0"/>
+        </a:xfrm>
+      </p:grpSpPr>
+      <p:sp>
+        <p:nvSpPr>
+          <p:cNvPr id="9" name="부제목 2"/>
+          <p:cNvSpPr>
+            <a:spLocks noGrp="1"/>
+          </p:cNvSpPr>
+          <p:nvPr>
+            <p:ph type="subTitle" idx="1"/>
+          </p:nvPr>
+        </p:nvSpPr>
+        <p:spPr>
+          <a:xfrm>
+            <a:off x="1" y="131886"/>
+            <a:ext cx="7669091" cy="606671"/>
+          </a:xfrm>
+        </p:spPr>
+        <p:txBody>
+          <a:bodyPr>
+            <a:normAutofit fontScale="92500" lnSpcReduction="20000"/>
+          </a:bodyPr>
+          <a:lstStyle/>
+          <a:p>
+            <a:pPr algn="l"/>
+            <a:r>
+              <a:rPr lang="ko-KR" altLang="en-US" sz="4400" dirty="0" smtClean="0"/>
+              <a:t>답</a:t>
+            </a:r>
+            <a:endParaRPr lang="en-US" altLang="ko-KR" sz="4400" dirty="0"/>
+          </a:p>
+        </p:txBody>
+      </p:sp>
+      <p:pic>
+        <p:nvPicPr>
+          <p:cNvPr id="3" name="Picture 4"/>
+          <p:cNvPicPr>
+            <a:picLocks noChangeAspect="1" noChangeArrowheads="1"/>
+          </p:cNvPicPr>
+          <p:nvPr/>
+        </p:nvPicPr>
+        <p:blipFill>
+          <a:blip r:embed="rId2">
+            <a:extLst>
+              <a:ext uri="{28A0092B-C50C-407E-A947-70E740481C1C}">
+                <a14:useLocalDpi xmlns:a14="http://schemas.microsoft.com/office/drawing/2010/main" val="0"/>
+              </a:ext>
+            </a:extLst>
+          </a:blip>
+          <a:srcRect/>
+          <a:stretch>
+            <a:fillRect/>
+          </a:stretch>
+        </p:blipFill>
+        <p:spPr bwMode="auto">
+          <a:xfrm>
+            <a:off x="1043608" y="1196752"/>
+            <a:ext cx="6922484" cy="4536504"/>
+          </a:xfrm>
+          <a:prstGeom prst="rect">
+            <a:avLst/>
+          </a:prstGeom>
+          <a:noFill/>
+          <a:ln>
+            <a:noFill/>
+          </a:ln>
+          <a:effectLst/>
+          <a:extLst>
+            <a:ext uri="{909E8E84-426E-40DD-AFC4-6F175D3DCCD1}">
+              <a14:hiddenFill xmlns:a14="http://schemas.microsoft.com/office/drawing/2010/main">
+                <a:solidFill>
+                  <a:schemeClr val="accent1"/>
+                </a:solidFill>
+              </a14:hiddenFill>
+            </a:ext>
+            <a:ext uri="{91240B29-F687-4F45-9708-019B960494DF}">
+              <a14:hiddenLine xmlns:a14="http://schemas.microsoft.com/office/drawing/2010/main" w="9525">
+                <a:solidFill>
+                  <a:schemeClr val="tx1"/>
+                </a:solidFill>
+                <a:miter lim="800000"/>
+                <a:headEnd/>
+                <a:tailEnd/>
+              </a14:hiddenLine>
+            </a:ext>
+            <a:ext uri="{AF507438-7753-43E0-B8FC-AC1667EBCBE1}">
+              <a14:hiddenEffects xmlns:a14="http://schemas.microsoft.com/office/drawing/2010/main">
+                <a:effectLst>
+                  <a:outerShdw dist="35921" dir="2700000" algn="ctr" rotWithShape="0">
+                    <a:schemeClr val="bg2"/>
+                  </a:outerShdw>
+                </a:effectLst>
+              </a14:hiddenEffects>
+            </a:ext>
+          </a:extLst>
+        </p:spPr>
+      </p:pic>
+    </p:spTree>
+    <p:extLst>
+      <p:ext uri="{BB962C8B-B14F-4D97-AF65-F5344CB8AC3E}">
+        <p14:creationId xmlns:p14="http://schemas.microsoft.com/office/powerpoint/2010/main" val="1403597002"/>
       </p:ext>
     </p:extLst>
   </p:cSld>
@@ -7001,7 +8589,7 @@
   <a:extraClrSchemeLst/>
   <a:extLst>
     <a:ext uri="{05A4C25C-085E-4340-85A3-A5531E510DB2}">
-      <thm15:themeFamily xmlns:thm15="http://schemas.microsoft.com/office/thememl/2012/main" name="Parcel" id="{8BEC4385-4EB9-4D53-BFB5-0EA123736B6D}" vid="{4DB32801-28C0-48B0-8C1D-A9A58613615A}"/>
+      <thm15:themeFamily xmlns="" xmlns:thm15="http://schemas.microsoft.com/office/thememl/2012/main" name="Parcel" id="{8BEC4385-4EB9-4D53-BFB5-0EA123736B6D}" vid="{4DB32801-28C0-48B0-8C1D-A9A58613615A}"/>
     </a:ext>
   </a:extLst>
 </a:theme>
